--- a/(1차)종합설계_제안서_정회민.김범준.김준연.이한결.pptx
+++ b/(1차)종합설계_제안서_정회민.김범준.김준연.이한결.pptx
@@ -22,6 +22,7 @@
     <p:sldId id="270" r:id="rId16"/>
     <p:sldId id="271" r:id="rId17"/>
     <p:sldId id="272" r:id="rId18"/>
+    <p:sldId id="273" r:id="rId19"/>
   </p:sldIdLst>
   <p:sldSz cx="18288000" cy="10287000" type="screen4x3"/>
   <p:notesSz cx="10287000" cy="18288000"/>
@@ -309,7 +310,7 @@
           <a:p>
             <a:fld id="{F8166F1F-CE9B-4651-A6AA-CD717754106B}" type="datetimeFigureOut">
               <a:rPr lang="en-US" smtClean="0"/>
-              <a:t>12/17/2021</a:t>
+              <a:t>12/20/2021</a:t>
             </a:fld>
             <a:endParaRPr lang="en-US"/>
           </a:p>
@@ -816,7 +817,7 @@
           <a:p>
             <a:fld id="{A76116CE-C4A3-4A05-B2D7-7C2E9A889C0F}" type="datetimeFigureOut">
               <a:rPr lang="en-US" smtClean="0"/>
-              <a:t>12/17/2021</a:t>
+              <a:t>12/20/2021</a:t>
             </a:fld>
             <a:endParaRPr lang="en-US"/>
           </a:p>
@@ -1057,7 +1058,7 @@
           <a:p>
             <a:fld id="{A76116CE-C4A3-4A05-B2D7-7C2E9A889C0F}" type="datetimeFigureOut">
               <a:rPr lang="en-US" smtClean="0"/>
-              <a:t>12/17/2021</a:t>
+              <a:t>12/20/2021</a:t>
             </a:fld>
             <a:endParaRPr lang="en-US"/>
           </a:p>
@@ -3083,7 +3084,7 @@
         <p:spPr>
           <a:xfrm>
             <a:off x="373218" y="3146079"/>
-            <a:ext cx="17193430" cy="1650752"/>
+            <a:ext cx="17193425" cy="1650752"/>
           </a:xfrm>
           <a:prstGeom prst="rect">
             <a:avLst/>
@@ -4736,7 +4737,7 @@
         <p:spPr>
           <a:xfrm>
             <a:off x="7782554" y="5856801"/>
-            <a:ext cx="9783266" cy="634906"/>
+            <a:ext cx="9280737" cy="634904"/>
           </a:xfrm>
           <a:prstGeom prst="rect">
             <a:avLst/>
@@ -4814,6 +4815,69 @@
             <a:xfrm>
               <a:off x="7198875" y="1973384"/>
               <a:ext cx="6693564" cy="1285519"/>
+            </a:xfrm>
+            <a:prstGeom prst="rect">
+              <a:avLst/>
+            </a:prstGeom>
+          </p:spPr>
+        </p:pic>
+      </p:grpSp>
+      <p:pic>
+        <p:nvPicPr>
+          <p:cNvPr id="91" name="Object 90"/>
+          <p:cNvPicPr>
+            <a:picLocks noChangeAspect="1"/>
+          </p:cNvPicPr>
+          <p:nvPr/>
+        </p:nvPicPr>
+        <p:blipFill>
+          <a:blip r:embed="rId37" cstate="print"/>
+          <a:stretch>
+            <a:fillRect/>
+          </a:stretch>
+        </p:blipFill>
+        <p:spPr>
+          <a:xfrm>
+            <a:off x="-7797361" y="895852"/>
+            <a:ext cx="9280737" cy="634904"/>
+          </a:xfrm>
+          <a:prstGeom prst="rect">
+            <a:avLst/>
+          </a:prstGeom>
+        </p:spPr>
+      </p:pic>
+      <p:grpSp>
+        <p:nvGrpSpPr>
+          <p:cNvPr id="1028" name="그룹 1028"/>
+          <p:cNvGrpSpPr/>
+          <p:nvPr/>
+        </p:nvGrpSpPr>
+        <p:grpSpPr>
+          <a:xfrm>
+            <a:off x="14634943" y="3319539"/>
+            <a:ext cx="1073703" cy="1073703"/>
+            <a:chOff x="14634943" y="3319539"/>
+            <a:chExt cx="1073703" cy="1073703"/>
+          </a:xfrm>
+        </p:grpSpPr>
+        <p:pic>
+          <p:nvPicPr>
+            <p:cNvPr id="93" name="Object 92"/>
+            <p:cNvPicPr>
+              <a:picLocks noChangeAspect="1"/>
+            </p:cNvPicPr>
+            <p:nvPr/>
+          </p:nvPicPr>
+          <p:blipFill>
+            <a:blip r:embed="rId38" cstate="print"/>
+            <a:stretch>
+              <a:fillRect/>
+            </a:stretch>
+          </p:blipFill>
+          <p:spPr>
+            <a:xfrm>
+              <a:off x="14634943" y="3319539"/>
+              <a:ext cx="1073703" cy="1073703"/>
             </a:xfrm>
             <a:prstGeom prst="rect">
               <a:avLst/>
@@ -4862,10 +4926,10 @@
         </p:nvGrpSpPr>
         <p:grpSpPr>
           <a:xfrm>
-            <a:off x="1207619" y="5438095"/>
-            <a:ext cx="3228571" cy="2692063"/>
-            <a:chOff x="1207619" y="5438095"/>
-            <a:chExt cx="3228571" cy="2692063"/>
+            <a:off x="354168" y="858457"/>
+            <a:ext cx="17604573" cy="41902"/>
+            <a:chOff x="354168" y="858457"/>
+            <a:chExt cx="17604573" cy="41902"/>
           </a:xfrm>
         </p:grpSpPr>
         <p:pic>
@@ -4884,8 +4948,8 @@
           </p:blipFill>
           <p:spPr>
             <a:xfrm>
-              <a:off x="1207619" y="5438095"/>
-              <a:ext cx="3228571" cy="2692063"/>
+              <a:off x="354168" y="858457"/>
+              <a:ext cx="17604573" cy="41902"/>
             </a:xfrm>
             <a:prstGeom prst="rect">
               <a:avLst/>
@@ -4901,9 +4965,9 @@
         </p:nvGrpSpPr>
         <p:grpSpPr>
           <a:xfrm>
-            <a:off x="354168" y="858457"/>
+            <a:off x="346285" y="9342267"/>
             <a:ext cx="17604573" cy="41902"/>
-            <a:chOff x="354168" y="858457"/>
+            <a:chOff x="346285" y="9342267"/>
             <a:chExt cx="17604573" cy="41902"/>
           </a:xfrm>
         </p:grpSpPr>
@@ -4923,7 +4987,7 @@
           </p:blipFill>
           <p:spPr>
             <a:xfrm>
-              <a:off x="354168" y="858457"/>
+              <a:off x="346285" y="9342267"/>
               <a:ext cx="17604573" cy="41902"/>
             </a:xfrm>
             <a:prstGeom prst="rect">
@@ -4932,6 +4996,54 @@
           </p:spPr>
         </p:pic>
       </p:grpSp>
+      <p:pic>
+        <p:nvPicPr>
+          <p:cNvPr id="8" name="Object 7"/>
+          <p:cNvPicPr>
+            <a:picLocks noChangeAspect="1"/>
+          </p:cNvPicPr>
+          <p:nvPr/>
+        </p:nvPicPr>
+        <p:blipFill>
+          <a:blip r:embed="rId4" cstate="print"/>
+          <a:stretch>
+            <a:fillRect/>
+          </a:stretch>
+        </p:blipFill>
+        <p:spPr>
+          <a:xfrm>
+            <a:off x="17371534" y="9532763"/>
+            <a:ext cx="567606" cy="634906"/>
+          </a:xfrm>
+          <a:prstGeom prst="rect">
+            <a:avLst/>
+          </a:prstGeom>
+        </p:spPr>
+      </p:pic>
+      <p:pic>
+        <p:nvPicPr>
+          <p:cNvPr id="9" name="Object 8"/>
+          <p:cNvPicPr>
+            <a:picLocks noChangeAspect="1"/>
+          </p:cNvPicPr>
+          <p:nvPr/>
+        </p:nvPicPr>
+        <p:blipFill>
+          <a:blip r:embed="rId5" cstate="print"/>
+          <a:stretch>
+            <a:fillRect/>
+          </a:stretch>
+        </p:blipFill>
+        <p:spPr>
+          <a:xfrm>
+            <a:off x="464645" y="207049"/>
+            <a:ext cx="2991041" cy="634906"/>
+          </a:xfrm>
+          <a:prstGeom prst="rect">
+            <a:avLst/>
+          </a:prstGeom>
+        </p:spPr>
+      </p:pic>
       <p:grpSp>
         <p:nvGrpSpPr>
           <p:cNvPr id="1003" name="그룹 1003"/>
@@ -4940,30 +5052,30 @@
         </p:nvGrpSpPr>
         <p:grpSpPr>
           <a:xfrm>
-            <a:off x="361787" y="9342267"/>
-            <a:ext cx="17604573" cy="41902"/>
-            <a:chOff x="361787" y="9342267"/>
-            <a:chExt cx="17604573" cy="41902"/>
+            <a:off x="307087" y="1907317"/>
+            <a:ext cx="2295108" cy="2295108"/>
+            <a:chOff x="307087" y="1907317"/>
+            <a:chExt cx="2295108" cy="2295108"/>
           </a:xfrm>
         </p:grpSpPr>
         <p:pic>
           <p:nvPicPr>
-            <p:cNvPr id="9" name="Object 8"/>
+            <p:cNvPr id="11" name="Object 10"/>
             <p:cNvPicPr>
               <a:picLocks noChangeAspect="1"/>
             </p:cNvPicPr>
             <p:nvPr/>
           </p:nvPicPr>
           <p:blipFill>
-            <a:blip r:embed="rId4" cstate="print"/>
+            <a:blip r:embed="rId6" cstate="print"/>
             <a:stretch>
               <a:fillRect/>
             </a:stretch>
           </p:blipFill>
           <p:spPr>
             <a:xfrm>
-              <a:off x="361787" y="9342267"/>
-              <a:ext cx="17604573" cy="41902"/>
+              <a:off x="307087" y="1907317"/>
+              <a:ext cx="2295108" cy="2295108"/>
             </a:xfrm>
             <a:prstGeom prst="rect">
               <a:avLst/>
@@ -4973,46 +5085,46 @@
       </p:grpSp>
       <p:pic>
         <p:nvPicPr>
-          <p:cNvPr id="11" name="Object 10"/>
-          <p:cNvPicPr>
-            <a:picLocks noChangeAspect="1"/>
-          </p:cNvPicPr>
-          <p:nvPr/>
-        </p:nvPicPr>
-        <p:blipFill>
-          <a:blip r:embed="rId5" cstate="print"/>
-          <a:stretch>
-            <a:fillRect/>
-          </a:stretch>
-        </p:blipFill>
-        <p:spPr>
-          <a:xfrm>
-            <a:off x="17371533" y="9532763"/>
-            <a:ext cx="567606" cy="634906"/>
-          </a:xfrm>
-          <a:prstGeom prst="rect">
-            <a:avLst/>
-          </a:prstGeom>
-        </p:spPr>
-      </p:pic>
-      <p:pic>
-        <p:nvPicPr>
-          <p:cNvPr id="12" name="Object 11"/>
-          <p:cNvPicPr>
-            <a:picLocks noChangeAspect="1"/>
-          </p:cNvPicPr>
-          <p:nvPr/>
-        </p:nvPicPr>
-        <p:blipFill>
-          <a:blip r:embed="rId6" cstate="print"/>
-          <a:stretch>
-            <a:fillRect/>
-          </a:stretch>
-        </p:blipFill>
-        <p:spPr>
-          <a:xfrm>
-            <a:off x="464645" y="207049"/>
-            <a:ext cx="2035191" cy="634906"/>
+          <p:cNvPr id="13" name="Object 12"/>
+          <p:cNvPicPr>
+            <a:picLocks noChangeAspect="1"/>
+          </p:cNvPicPr>
+          <p:nvPr/>
+        </p:nvPicPr>
+        <p:blipFill>
+          <a:blip r:embed="rId7" cstate="print"/>
+          <a:stretch>
+            <a:fillRect/>
+          </a:stretch>
+        </p:blipFill>
+        <p:spPr>
+          <a:xfrm>
+            <a:off x="-7357346" y="4154804"/>
+            <a:ext cx="9280737" cy="634904"/>
+          </a:xfrm>
+          <a:prstGeom prst="rect">
+            <a:avLst/>
+          </a:prstGeom>
+        </p:spPr>
+      </p:pic>
+      <p:pic>
+        <p:nvPicPr>
+          <p:cNvPr id="14" name="Object 13"/>
+          <p:cNvPicPr>
+            <a:picLocks noChangeAspect="1"/>
+          </p:cNvPicPr>
+          <p:nvPr/>
+        </p:nvPicPr>
+        <p:blipFill>
+          <a:blip r:embed="rId8" cstate="print"/>
+          <a:stretch>
+            <a:fillRect/>
+          </a:stretch>
+        </p:blipFill>
+        <p:spPr>
+          <a:xfrm>
+            <a:off x="-5431885" y="3338323"/>
+            <a:ext cx="9466605" cy="634904"/>
           </a:xfrm>
           <a:prstGeom prst="rect">
             <a:avLst/>
@@ -5027,30 +5139,30 @@
         </p:nvGrpSpPr>
         <p:grpSpPr>
           <a:xfrm>
-            <a:off x="14140426" y="1959421"/>
-            <a:ext cx="2702641" cy="2047706"/>
-            <a:chOff x="14140426" y="1959421"/>
-            <a:chExt cx="2702641" cy="2047706"/>
+            <a:off x="1477422" y="5828229"/>
+            <a:ext cx="2335811" cy="2725113"/>
+            <a:chOff x="1477422" y="5828229"/>
+            <a:chExt cx="2335811" cy="2725113"/>
           </a:xfrm>
         </p:grpSpPr>
         <p:pic>
           <p:nvPicPr>
-            <p:cNvPr id="14" name="Object 13"/>
+            <p:cNvPr id="16" name="Object 15"/>
             <p:cNvPicPr>
               <a:picLocks noChangeAspect="1"/>
             </p:cNvPicPr>
             <p:nvPr/>
           </p:nvPicPr>
           <p:blipFill>
-            <a:blip r:embed="rId7" cstate="print"/>
+            <a:blip r:embed="rId9" cstate="print"/>
             <a:stretch>
               <a:fillRect/>
             </a:stretch>
           </p:blipFill>
           <p:spPr>
             <a:xfrm>
-              <a:off x="14140426" y="1959421"/>
-              <a:ext cx="2702641" cy="2047706"/>
+              <a:off x="1477422" y="5828229"/>
+              <a:ext cx="2335811" cy="2725113"/>
             </a:xfrm>
             <a:prstGeom prst="rect">
               <a:avLst/>
@@ -5060,46 +5172,22 @@
       </p:grpSp>
       <p:pic>
         <p:nvPicPr>
-          <p:cNvPr id="16" name="Object 15"/>
-          <p:cNvPicPr>
-            <a:picLocks noChangeAspect="1"/>
-          </p:cNvPicPr>
-          <p:nvPr/>
-        </p:nvPicPr>
-        <p:blipFill>
-          <a:blip r:embed="rId8" cstate="print"/>
-          <a:stretch>
-            <a:fillRect/>
-          </a:stretch>
-        </p:blipFill>
-        <p:spPr>
-          <a:xfrm>
-            <a:off x="14007557" y="4078096"/>
-            <a:ext cx="2287490" cy="634905"/>
-          </a:xfrm>
-          <a:prstGeom prst="rect">
-            <a:avLst/>
-          </a:prstGeom>
-        </p:spPr>
-      </p:pic>
-      <p:pic>
-        <p:nvPicPr>
-          <p:cNvPr id="17" name="Object 16"/>
-          <p:cNvPicPr>
-            <a:picLocks noChangeAspect="1"/>
-          </p:cNvPicPr>
-          <p:nvPr/>
-        </p:nvPicPr>
-        <p:blipFill>
-          <a:blip r:embed="rId9" cstate="print"/>
-          <a:stretch>
-            <a:fillRect/>
-          </a:stretch>
-        </p:blipFill>
-        <p:spPr>
-          <a:xfrm>
-            <a:off x="5608154" y="4167620"/>
-            <a:ext cx="1956704" cy="634905"/>
+          <p:cNvPr id="18" name="Object 17"/>
+          <p:cNvPicPr>
+            <a:picLocks noChangeAspect="1"/>
+          </p:cNvPicPr>
+          <p:nvPr/>
+        </p:nvPicPr>
+        <p:blipFill>
+          <a:blip r:embed="rId10" cstate="print"/>
+          <a:stretch>
+            <a:fillRect/>
+          </a:stretch>
+        </p:blipFill>
+        <p:spPr>
+          <a:xfrm>
+            <a:off x="-6048123" y="8559039"/>
+            <a:ext cx="9293277" cy="634905"/>
           </a:xfrm>
           <a:prstGeom prst="rect">
             <a:avLst/>
@@ -5114,10 +5202,10 @@
         </p:nvGrpSpPr>
         <p:grpSpPr>
           <a:xfrm>
-            <a:off x="6184597" y="2087559"/>
-            <a:ext cx="1800000" cy="2055554"/>
-            <a:chOff x="6184597" y="2087559"/>
-            <a:chExt cx="1800000" cy="2055554"/>
+            <a:off x="5723401" y="5623989"/>
+            <a:ext cx="2269139" cy="3672386"/>
+            <a:chOff x="5723401" y="5623989"/>
+            <a:chExt cx="2269139" cy="3672386"/>
           </a:xfrm>
         </p:grpSpPr>
         <p:grpSp>
@@ -5128,54 +5216,15 @@
           </p:nvGrpSpPr>
           <p:grpSpPr>
             <a:xfrm>
-              <a:off x="6184597" y="2087559"/>
-              <a:ext cx="1798322" cy="1787949"/>
-              <a:chOff x="6184597" y="2087559"/>
-              <a:chExt cx="1798322" cy="1787949"/>
+              <a:off x="5737432" y="7052013"/>
+              <a:ext cx="2225315" cy="2225315"/>
+              <a:chOff x="5737432" y="7052013"/>
+              <a:chExt cx="2225315" cy="2225315"/>
             </a:xfrm>
           </p:grpSpPr>
           <p:pic>
             <p:nvPicPr>
-              <p:cNvPr id="20" name="Object 19"/>
-              <p:cNvPicPr>
-                <a:picLocks noChangeAspect="1"/>
-              </p:cNvPicPr>
-              <p:nvPr/>
-            </p:nvPicPr>
-            <p:blipFill>
-              <a:blip r:embed="rId10" cstate="print"/>
-              <a:stretch>
-                <a:fillRect/>
-              </a:stretch>
-            </p:blipFill>
-            <p:spPr>
-              <a:xfrm>
-                <a:off x="6184597" y="2087559"/>
-                <a:ext cx="1798322" cy="1787949"/>
-              </a:xfrm>
-              <a:prstGeom prst="rect">
-                <a:avLst/>
-              </a:prstGeom>
-            </p:spPr>
-          </p:pic>
-        </p:grpSp>
-        <p:grpSp>
-          <p:nvGrpSpPr>
-            <p:cNvPr id="1007" name="그룹 1007"/>
-            <p:cNvGrpSpPr/>
-            <p:nvPr/>
-          </p:nvGrpSpPr>
-          <p:grpSpPr>
-            <a:xfrm>
-              <a:off x="6501935" y="3714542"/>
-              <a:ext cx="1163646" cy="426155"/>
-              <a:chOff x="6501935" y="3714542"/>
-              <a:chExt cx="1163646" cy="426155"/>
-            </a:xfrm>
-          </p:grpSpPr>
-          <p:pic>
-            <p:nvPicPr>
-              <p:cNvPr id="23" name="Object 22"/>
+              <p:cNvPr id="21" name="Object 20"/>
               <p:cNvPicPr>
                 <a:picLocks noChangeAspect="1"/>
               </p:cNvPicPr>
@@ -5189,8 +5238,344 @@
             </p:blipFill>
             <p:spPr>
               <a:xfrm>
-                <a:off x="6501935" y="3714542"/>
-                <a:ext cx="1163646" cy="426155"/>
+                <a:off x="5737432" y="7052013"/>
+                <a:ext cx="2225315" cy="2225315"/>
+              </a:xfrm>
+              <a:prstGeom prst="rect">
+                <a:avLst/>
+              </a:prstGeom>
+            </p:spPr>
+          </p:pic>
+        </p:grpSp>
+        <p:grpSp>
+          <p:nvGrpSpPr>
+            <p:cNvPr id="1007" name="그룹 1007"/>
+            <p:cNvGrpSpPr/>
+            <p:nvPr/>
+          </p:nvGrpSpPr>
+          <p:grpSpPr>
+            <a:xfrm>
+              <a:off x="5723401" y="8162456"/>
+              <a:ext cx="2269139" cy="1133919"/>
+              <a:chOff x="5723401" y="8162456"/>
+              <a:chExt cx="2269139" cy="1133919"/>
+            </a:xfrm>
+          </p:grpSpPr>
+          <p:pic>
+            <p:nvPicPr>
+              <p:cNvPr id="24" name="Object 23"/>
+              <p:cNvPicPr>
+                <a:picLocks noChangeAspect="1"/>
+              </p:cNvPicPr>
+              <p:nvPr/>
+            </p:nvPicPr>
+            <p:blipFill>
+              <a:blip r:embed="rId12" cstate="print"/>
+              <a:stretch>
+                <a:fillRect/>
+              </a:stretch>
+            </p:blipFill>
+            <p:spPr>
+              <a:xfrm>
+                <a:off x="5723401" y="8162456"/>
+                <a:ext cx="2269139" cy="1133919"/>
+              </a:xfrm>
+              <a:prstGeom prst="rect">
+                <a:avLst/>
+              </a:prstGeom>
+            </p:spPr>
+          </p:pic>
+        </p:grpSp>
+        <p:grpSp>
+          <p:nvGrpSpPr>
+            <p:cNvPr id="1008" name="그룹 1008"/>
+            <p:cNvGrpSpPr/>
+            <p:nvPr/>
+          </p:nvGrpSpPr>
+          <p:grpSpPr>
+            <a:xfrm>
+              <a:off x="6186174" y="5623989"/>
+              <a:ext cx="1343594" cy="1343594"/>
+              <a:chOff x="6186174" y="5623989"/>
+              <a:chExt cx="1343594" cy="1343594"/>
+            </a:xfrm>
+          </p:grpSpPr>
+          <p:pic>
+            <p:nvPicPr>
+              <p:cNvPr id="27" name="Object 26"/>
+              <p:cNvPicPr>
+                <a:picLocks noChangeAspect="1"/>
+              </p:cNvPicPr>
+              <p:nvPr/>
+            </p:nvPicPr>
+            <p:blipFill>
+              <a:blip r:embed="rId13" cstate="print"/>
+              <a:stretch>
+                <a:fillRect/>
+              </a:stretch>
+            </p:blipFill>
+            <p:spPr>
+              <a:xfrm>
+                <a:off x="6186174" y="5623989"/>
+                <a:ext cx="1343594" cy="1343594"/>
+              </a:xfrm>
+              <a:prstGeom prst="rect">
+                <a:avLst/>
+              </a:prstGeom>
+            </p:spPr>
+          </p:pic>
+        </p:grpSp>
+      </p:grpSp>
+      <p:pic>
+        <p:nvPicPr>
+          <p:cNvPr id="30" name="Object 29"/>
+          <p:cNvPicPr>
+            <a:picLocks noChangeAspect="1"/>
+          </p:cNvPicPr>
+          <p:nvPr/>
+        </p:nvPicPr>
+        <p:blipFill>
+          <a:blip r:embed="rId14" cstate="print"/>
+          <a:stretch>
+            <a:fillRect/>
+          </a:stretch>
+        </p:blipFill>
+        <p:spPr>
+          <a:xfrm>
+            <a:off x="-1835475" y="8174125"/>
+            <a:ext cx="9280737" cy="634904"/>
+          </a:xfrm>
+          <a:prstGeom prst="rect">
+            <a:avLst/>
+          </a:prstGeom>
+        </p:spPr>
+      </p:pic>
+      <p:grpSp>
+        <p:nvGrpSpPr>
+          <p:cNvPr id="1009" name="그룹 1009"/>
+          <p:cNvGrpSpPr/>
+          <p:nvPr/>
+        </p:nvGrpSpPr>
+        <p:grpSpPr>
+          <a:xfrm>
+            <a:off x="6872559" y="4079437"/>
+            <a:ext cx="3600786" cy="692985"/>
+            <a:chOff x="6872559" y="4079437"/>
+            <a:chExt cx="3600786" cy="692985"/>
+          </a:xfrm>
+        </p:grpSpPr>
+        <p:pic>
+          <p:nvPicPr>
+            <p:cNvPr id="32" name="Object 31"/>
+            <p:cNvPicPr>
+              <a:picLocks noChangeAspect="1"/>
+            </p:cNvPicPr>
+            <p:nvPr/>
+          </p:nvPicPr>
+          <p:blipFill>
+            <a:blip r:embed="rId15" cstate="print"/>
+            <a:stretch>
+              <a:fillRect/>
+            </a:stretch>
+          </p:blipFill>
+          <p:spPr>
+            <a:xfrm rot="-2340000">
+              <a:off x="6872559" y="4079437"/>
+              <a:ext cx="3600786" cy="692985"/>
+            </a:xfrm>
+            <a:prstGeom prst="rect">
+              <a:avLst/>
+            </a:prstGeom>
+          </p:spPr>
+        </p:pic>
+      </p:grpSp>
+      <p:grpSp>
+        <p:nvGrpSpPr>
+          <p:cNvPr id="1010" name="그룹 1010"/>
+          <p:cNvGrpSpPr/>
+          <p:nvPr/>
+        </p:nvGrpSpPr>
+        <p:grpSpPr>
+          <a:xfrm>
+            <a:off x="6671331" y="2042187"/>
+            <a:ext cx="6693564" cy="1285519"/>
+            <a:chOff x="6671331" y="2042187"/>
+            <a:chExt cx="6693564" cy="1285519"/>
+          </a:xfrm>
+        </p:grpSpPr>
+        <p:pic>
+          <p:nvPicPr>
+            <p:cNvPr id="35" name="Object 34"/>
+            <p:cNvPicPr>
+              <a:picLocks noChangeAspect="1"/>
+            </p:cNvPicPr>
+            <p:nvPr/>
+          </p:nvPicPr>
+          <p:blipFill>
+            <a:blip r:embed="rId16" cstate="print"/>
+            <a:stretch>
+              <a:fillRect/>
+            </a:stretch>
+          </p:blipFill>
+          <p:spPr>
+            <a:xfrm>
+              <a:off x="6671331" y="2042187"/>
+              <a:ext cx="6693564" cy="1285519"/>
+            </a:xfrm>
+            <a:prstGeom prst="rect">
+              <a:avLst/>
+            </a:prstGeom>
+          </p:spPr>
+        </p:pic>
+      </p:grpSp>
+      <p:pic>
+        <p:nvPicPr>
+          <p:cNvPr id="37" name="Object 36"/>
+          <p:cNvPicPr>
+            <a:picLocks noChangeAspect="1"/>
+          </p:cNvPicPr>
+          <p:nvPr/>
+        </p:nvPicPr>
+        <p:blipFill>
+          <a:blip r:embed="rId17" cstate="print"/>
+          <a:stretch>
+            <a:fillRect/>
+          </a:stretch>
+        </p:blipFill>
+        <p:spPr>
+          <a:xfrm>
+            <a:off x="-7321170" y="895852"/>
+            <a:ext cx="9758661" cy="634904"/>
+          </a:xfrm>
+          <a:prstGeom prst="rect">
+            <a:avLst/>
+          </a:prstGeom>
+        </p:spPr>
+      </p:pic>
+      <p:grpSp>
+        <p:nvGrpSpPr>
+          <p:cNvPr id="1011" name="그룹 1011"/>
+          <p:cNvGrpSpPr/>
+          <p:nvPr/>
+        </p:nvGrpSpPr>
+        <p:grpSpPr>
+          <a:xfrm>
+            <a:off x="2346057" y="2708378"/>
+            <a:ext cx="1882659" cy="692985"/>
+            <a:chOff x="2346057" y="2708378"/>
+            <a:chExt cx="1882659" cy="692985"/>
+          </a:xfrm>
+        </p:grpSpPr>
+        <p:pic>
+          <p:nvPicPr>
+            <p:cNvPr id="39" name="Object 38"/>
+            <p:cNvPicPr>
+              <a:picLocks noChangeAspect="1"/>
+            </p:cNvPicPr>
+            <p:nvPr/>
+          </p:nvPicPr>
+          <p:blipFill>
+            <a:blip r:embed="rId18" cstate="print"/>
+            <a:stretch>
+              <a:fillRect/>
+            </a:stretch>
+          </p:blipFill>
+          <p:spPr>
+            <a:xfrm>
+              <a:off x="2346057" y="2708378"/>
+              <a:ext cx="1882659" cy="692985"/>
+            </a:xfrm>
+            <a:prstGeom prst="rect">
+              <a:avLst/>
+            </a:prstGeom>
+          </p:spPr>
+        </p:pic>
+      </p:grpSp>
+      <p:grpSp>
+        <p:nvGrpSpPr>
+          <p:cNvPr id="1012" name="그룹 1012"/>
+          <p:cNvGrpSpPr/>
+          <p:nvPr/>
+        </p:nvGrpSpPr>
+        <p:grpSpPr>
+          <a:xfrm>
+            <a:off x="4504959" y="1502490"/>
+            <a:ext cx="1590476" cy="3085714"/>
+            <a:chOff x="4504959" y="1502490"/>
+            <a:chExt cx="1590476" cy="3085714"/>
+          </a:xfrm>
+        </p:grpSpPr>
+        <p:grpSp>
+          <p:nvGrpSpPr>
+            <p:cNvPr id="1013" name="그룹 1013"/>
+            <p:cNvGrpSpPr/>
+            <p:nvPr/>
+          </p:nvGrpSpPr>
+          <p:grpSpPr>
+            <a:xfrm>
+              <a:off x="4521079" y="1502490"/>
+              <a:ext cx="1539130" cy="3085714"/>
+              <a:chOff x="4521079" y="1502490"/>
+              <a:chExt cx="1539130" cy="3085714"/>
+            </a:xfrm>
+          </p:grpSpPr>
+          <p:pic>
+            <p:nvPicPr>
+              <p:cNvPr id="43" name="Object 42"/>
+              <p:cNvPicPr>
+                <a:picLocks noChangeAspect="1"/>
+              </p:cNvPicPr>
+              <p:nvPr/>
+            </p:nvPicPr>
+            <p:blipFill>
+              <a:blip r:embed="rId19" cstate="print"/>
+              <a:stretch>
+                <a:fillRect/>
+              </a:stretch>
+            </p:blipFill>
+            <p:spPr>
+              <a:xfrm>
+                <a:off x="4521079" y="1502490"/>
+                <a:ext cx="1539130" cy="3085714"/>
+              </a:xfrm>
+              <a:prstGeom prst="rect">
+                <a:avLst/>
+              </a:prstGeom>
+            </p:spPr>
+          </p:pic>
+        </p:grpSp>
+        <p:grpSp>
+          <p:nvGrpSpPr>
+            <p:cNvPr id="1014" name="그룹 1014"/>
+            <p:cNvGrpSpPr/>
+            <p:nvPr/>
+          </p:nvGrpSpPr>
+          <p:grpSpPr>
+            <a:xfrm>
+              <a:off x="4504959" y="2247363"/>
+              <a:ext cx="1585898" cy="1585898"/>
+              <a:chOff x="4504959" y="2247363"/>
+              <a:chExt cx="1585898" cy="1585898"/>
+            </a:xfrm>
+          </p:grpSpPr>
+          <p:pic>
+            <p:nvPicPr>
+              <p:cNvPr id="46" name="Object 45"/>
+              <p:cNvPicPr>
+                <a:picLocks noChangeAspect="1"/>
+              </p:cNvPicPr>
+              <p:nvPr/>
+            </p:nvPicPr>
+            <p:blipFill>
+              <a:blip r:embed="rId20" cstate="print"/>
+              <a:stretch>
+                <a:fillRect/>
+              </a:stretch>
+            </p:blipFill>
+            <p:spPr>
+              <a:xfrm>
+                <a:off x="4504959" y="2247363"/>
+                <a:ext cx="1585898" cy="1585898"/>
               </a:xfrm>
               <a:prstGeom prst="rect">
                 <a:avLst/>
@@ -5201,186 +5586,60 @@
       </p:grpSp>
       <p:grpSp>
         <p:nvGrpSpPr>
-          <p:cNvPr id="1008" name="그룹 1008"/>
+          <p:cNvPr id="1015" name="그룹 1015"/>
           <p:cNvGrpSpPr/>
           <p:nvPr/>
         </p:nvGrpSpPr>
         <p:grpSpPr>
           <a:xfrm>
-            <a:off x="1576001" y="1884385"/>
-            <a:ext cx="2552305" cy="2554975"/>
-            <a:chOff x="1576001" y="1884385"/>
-            <a:chExt cx="2552305" cy="2554975"/>
+            <a:off x="-3918812" y="7537278"/>
+            <a:ext cx="17299287" cy="769524"/>
+            <a:chOff x="-3918812" y="7537278"/>
+            <a:chExt cx="17299287" cy="769524"/>
           </a:xfrm>
         </p:grpSpPr>
         <p:pic>
           <p:nvPicPr>
-            <p:cNvPr id="27" name="Object 26"/>
+            <p:cNvPr id="50" name="Object 49"/>
             <p:cNvPicPr>
               <a:picLocks noChangeAspect="1"/>
             </p:cNvPicPr>
             <p:nvPr/>
           </p:nvPicPr>
           <p:blipFill>
-            <a:blip r:embed="rId12" cstate="print"/>
+            <a:blip r:embed="rId21" cstate="print"/>
             <a:stretch>
               <a:fillRect/>
             </a:stretch>
           </p:blipFill>
           <p:spPr>
             <a:xfrm>
-              <a:off x="1576001" y="1884385"/>
-              <a:ext cx="2552305" cy="2554975"/>
+              <a:off x="-3966430" y="7489661"/>
+              <a:ext cx="9466605" cy="634904"/>
             </a:xfrm>
             <a:prstGeom prst="rect">
               <a:avLst/>
             </a:prstGeom>
           </p:spPr>
         </p:pic>
-      </p:grpSp>
-      <p:pic>
-        <p:nvPicPr>
-          <p:cNvPr id="29" name="Object 28"/>
-          <p:cNvPicPr>
-            <a:picLocks noChangeAspect="1"/>
-          </p:cNvPicPr>
-          <p:nvPr/>
-        </p:nvPicPr>
-        <p:blipFill>
-          <a:blip r:embed="rId13" cstate="print"/>
-          <a:stretch>
-            <a:fillRect/>
-          </a:stretch>
-        </p:blipFill>
-        <p:spPr>
-          <a:xfrm>
-            <a:off x="1381488" y="4169525"/>
-            <a:ext cx="2384789" cy="634905"/>
-          </a:xfrm>
-          <a:prstGeom prst="rect">
-            <a:avLst/>
-          </a:prstGeom>
-        </p:spPr>
-      </p:pic>
-      <p:grpSp>
-        <p:nvGrpSpPr>
-          <p:cNvPr id="1009" name="그룹 1009"/>
-          <p:cNvGrpSpPr/>
-          <p:nvPr/>
-        </p:nvGrpSpPr>
-        <p:grpSpPr>
-          <a:xfrm>
-            <a:off x="1409152" y="6386589"/>
-            <a:ext cx="2848355" cy="817856"/>
-            <a:chOff x="1409152" y="6386589"/>
-            <a:chExt cx="2848355" cy="817856"/>
-          </a:xfrm>
-        </p:grpSpPr>
         <p:pic>
           <p:nvPicPr>
-            <p:cNvPr id="31" name="Object 30"/>
+            <p:cNvPr id="51" name="Object 50"/>
             <p:cNvPicPr>
               <a:picLocks noChangeAspect="1"/>
             </p:cNvPicPr>
             <p:nvPr/>
           </p:nvPicPr>
           <p:blipFill>
-            <a:blip r:embed="rId14" cstate="print"/>
+            <a:blip r:embed="rId22" cstate="print"/>
             <a:stretch>
               <a:fillRect/>
             </a:stretch>
           </p:blipFill>
           <p:spPr>
             <a:xfrm>
-              <a:off x="1409152" y="6386589"/>
-              <a:ext cx="2848355" cy="817856"/>
-            </a:xfrm>
-            <a:prstGeom prst="rect">
-              <a:avLst/>
-            </a:prstGeom>
-          </p:spPr>
-        </p:pic>
-      </p:grpSp>
-      <p:pic>
-        <p:nvPicPr>
-          <p:cNvPr id="33" name="Object 32"/>
-          <p:cNvPicPr>
-            <a:picLocks noChangeAspect="1"/>
-          </p:cNvPicPr>
-          <p:nvPr/>
-        </p:nvPicPr>
-        <p:blipFill>
-          <a:blip r:embed="rId15" cstate="print"/>
-          <a:stretch>
-            <a:fillRect/>
-          </a:stretch>
-        </p:blipFill>
-        <p:spPr>
-          <a:xfrm>
-            <a:off x="1346296" y="6311592"/>
-            <a:ext cx="2726686" cy="634905"/>
-          </a:xfrm>
-          <a:prstGeom prst="rect">
-            <a:avLst/>
-          </a:prstGeom>
-        </p:spPr>
-      </p:pic>
-      <p:pic>
-        <p:nvPicPr>
-          <p:cNvPr id="34" name="Object 33"/>
-          <p:cNvPicPr>
-            <a:picLocks noChangeAspect="1"/>
-          </p:cNvPicPr>
-          <p:nvPr/>
-        </p:nvPicPr>
-        <p:blipFill>
-          <a:blip r:embed="rId16" cstate="print"/>
-          <a:stretch>
-            <a:fillRect/>
-          </a:stretch>
-        </p:blipFill>
-        <p:spPr>
-          <a:xfrm>
-            <a:off x="1353915" y="6700163"/>
-            <a:ext cx="2120034" cy="634905"/>
-          </a:xfrm>
-          <a:prstGeom prst="rect">
-            <a:avLst/>
-          </a:prstGeom>
-        </p:spPr>
-      </p:pic>
-      <p:grpSp>
-        <p:nvGrpSpPr>
-          <p:cNvPr id="1010" name="그룹 1010"/>
-          <p:cNvGrpSpPr/>
-          <p:nvPr/>
-        </p:nvGrpSpPr>
-        <p:grpSpPr>
-          <a:xfrm>
-            <a:off x="1401533" y="5700162"/>
-            <a:ext cx="2848355" cy="477616"/>
-            <a:chOff x="1401533" y="5700162"/>
-            <a:chExt cx="2848355" cy="477616"/>
-          </a:xfrm>
-        </p:grpSpPr>
-        <p:pic>
-          <p:nvPicPr>
-            <p:cNvPr id="36" name="Object 35"/>
-            <p:cNvPicPr>
-              <a:picLocks noChangeAspect="1"/>
-            </p:cNvPicPr>
-            <p:nvPr/>
-          </p:nvPicPr>
-          <p:blipFill>
-            <a:blip r:embed="rId17" cstate="print"/>
-            <a:stretch>
-              <a:fillRect/>
-            </a:stretch>
-          </p:blipFill>
-          <p:spPr>
-            <a:xfrm>
-              <a:off x="1401533" y="5700162"/>
-              <a:ext cx="2848355" cy="477616"/>
+              <a:off x="-3958809" y="7802041"/>
+              <a:ext cx="9134710" cy="634905"/>
             </a:xfrm>
             <a:prstGeom prst="rect">
               <a:avLst/>
@@ -5390,171 +5649,21 @@
       </p:grpSp>
       <p:grpSp>
         <p:nvGrpSpPr>
-          <p:cNvPr id="1011" name="그룹 1011"/>
+          <p:cNvPr id="1016" name="그룹 1016"/>
           <p:cNvGrpSpPr/>
           <p:nvPr/>
         </p:nvGrpSpPr>
         <p:grpSpPr>
           <a:xfrm>
-            <a:off x="1416771" y="7441827"/>
-            <a:ext cx="2848355" cy="437383"/>
-            <a:chOff x="1416771" y="7441827"/>
-            <a:chExt cx="2848355" cy="437383"/>
+            <a:off x="4012819" y="6844293"/>
+            <a:ext cx="1436024" cy="692985"/>
+            <a:chOff x="4012819" y="6844293"/>
+            <a:chExt cx="1436024" cy="692985"/>
           </a:xfrm>
         </p:grpSpPr>
         <p:pic>
           <p:nvPicPr>
-            <p:cNvPr id="39" name="Object 38"/>
-            <p:cNvPicPr>
-              <a:picLocks noChangeAspect="1"/>
-            </p:cNvPicPr>
-            <p:nvPr/>
-          </p:nvPicPr>
-          <p:blipFill>
-            <a:blip r:embed="rId18" cstate="print"/>
-            <a:stretch>
-              <a:fillRect/>
-            </a:stretch>
-          </p:blipFill>
-          <p:spPr>
-            <a:xfrm>
-              <a:off x="1416771" y="7441827"/>
-              <a:ext cx="2848355" cy="437383"/>
-            </a:xfrm>
-            <a:prstGeom prst="rect">
-              <a:avLst/>
-            </a:prstGeom>
-          </p:spPr>
-        </p:pic>
-      </p:grpSp>
-      <p:pic>
-        <p:nvPicPr>
-          <p:cNvPr id="41" name="Object 40"/>
-          <p:cNvPicPr>
-            <a:picLocks noChangeAspect="1"/>
-          </p:cNvPicPr>
-          <p:nvPr/>
-        </p:nvPicPr>
-        <p:blipFill>
-          <a:blip r:embed="rId19" cstate="print"/>
-          <a:stretch>
-            <a:fillRect/>
-          </a:stretch>
-        </p:blipFill>
-        <p:spPr>
-          <a:xfrm>
-            <a:off x="1353915" y="5652544"/>
-            <a:ext cx="2791129" cy="634905"/>
-          </a:xfrm>
-          <a:prstGeom prst="rect">
-            <a:avLst/>
-          </a:prstGeom>
-        </p:spPr>
-      </p:pic>
-      <p:pic>
-        <p:nvPicPr>
-          <p:cNvPr id="42" name="Object 41"/>
-          <p:cNvPicPr>
-            <a:picLocks noChangeAspect="1"/>
-          </p:cNvPicPr>
-          <p:nvPr/>
-        </p:nvPicPr>
-        <p:blipFill>
-          <a:blip r:embed="rId20" cstate="print"/>
-          <a:stretch>
-            <a:fillRect/>
-          </a:stretch>
-        </p:blipFill>
-        <p:spPr>
-          <a:xfrm>
-            <a:off x="1361534" y="7374449"/>
-            <a:ext cx="2635895" cy="634906"/>
-          </a:xfrm>
-          <a:prstGeom prst="rect">
-            <a:avLst/>
-          </a:prstGeom>
-        </p:spPr>
-      </p:pic>
-      <p:grpSp>
-        <p:nvGrpSpPr>
-          <p:cNvPr id="1012" name="그룹 1012"/>
-          <p:cNvGrpSpPr/>
-          <p:nvPr/>
-        </p:nvGrpSpPr>
-        <p:grpSpPr>
-          <a:xfrm>
-            <a:off x="9221065" y="1611276"/>
-            <a:ext cx="3908873" cy="2931655"/>
-            <a:chOff x="9221065" y="1611276"/>
-            <a:chExt cx="3908873" cy="2931655"/>
-          </a:xfrm>
-        </p:grpSpPr>
-        <p:pic>
-          <p:nvPicPr>
-            <p:cNvPr id="44" name="Object 43"/>
-            <p:cNvPicPr>
-              <a:picLocks noChangeAspect="1"/>
-            </p:cNvPicPr>
-            <p:nvPr/>
-          </p:nvPicPr>
-          <p:blipFill>
-            <a:blip r:embed="rId21" cstate="print"/>
-            <a:stretch>
-              <a:fillRect/>
-            </a:stretch>
-          </p:blipFill>
-          <p:spPr>
-            <a:xfrm>
-              <a:off x="9221065" y="1611276"/>
-              <a:ext cx="3908873" cy="2931655"/>
-            </a:xfrm>
-            <a:prstGeom prst="rect">
-              <a:avLst/>
-            </a:prstGeom>
-          </p:spPr>
-        </p:pic>
-      </p:grpSp>
-      <p:pic>
-        <p:nvPicPr>
-          <p:cNvPr id="46" name="Object 45"/>
-          <p:cNvPicPr>
-            <a:picLocks noChangeAspect="1"/>
-          </p:cNvPicPr>
-          <p:nvPr/>
-        </p:nvPicPr>
-        <p:blipFill>
-          <a:blip r:embed="rId22" cstate="print"/>
-          <a:stretch>
-            <a:fillRect/>
-          </a:stretch>
-        </p:blipFill>
-        <p:spPr>
-          <a:xfrm>
-            <a:off x="9730096" y="4165715"/>
-            <a:ext cx="2075432" cy="634905"/>
-          </a:xfrm>
-          <a:prstGeom prst="rect">
-            <a:avLst/>
-          </a:prstGeom>
-        </p:spPr>
-      </p:pic>
-      <p:grpSp>
-        <p:nvGrpSpPr>
-          <p:cNvPr id="1013" name="그룹 1013"/>
-          <p:cNvGrpSpPr/>
-          <p:nvPr/>
-        </p:nvGrpSpPr>
-        <p:grpSpPr>
-          <a:xfrm>
-            <a:off x="9797724" y="5239210"/>
-            <a:ext cx="2848355" cy="477616"/>
-            <a:chOff x="9797724" y="5239210"/>
-            <a:chExt cx="2848355" cy="477616"/>
-          </a:xfrm>
-        </p:grpSpPr>
-        <p:pic>
-          <p:nvPicPr>
-            <p:cNvPr id="48" name="Object 47"/>
+            <p:cNvPr id="54" name="Object 53"/>
             <p:cNvPicPr>
               <a:picLocks noChangeAspect="1"/>
             </p:cNvPicPr>
@@ -5568,8 +5677,8 @@
           </p:blipFill>
           <p:spPr>
             <a:xfrm>
-              <a:off x="9797724" y="5239210"/>
-              <a:ext cx="2848355" cy="477616"/>
+              <a:off x="4012819" y="6844293"/>
+              <a:ext cx="1436024" cy="692985"/>
             </a:xfrm>
             <a:prstGeom prst="rect">
               <a:avLst/>
@@ -5577,47 +5686,62 @@
           </p:spPr>
         </p:pic>
       </p:grpSp>
-      <p:pic>
-        <p:nvPicPr>
-          <p:cNvPr id="50" name="Object 49"/>
-          <p:cNvPicPr>
-            <a:picLocks noChangeAspect="1"/>
-          </p:cNvPicPr>
-          <p:nvPr/>
-        </p:nvPicPr>
-        <p:blipFill>
-          <a:blip r:embed="rId24" cstate="print"/>
-          <a:stretch>
-            <a:fillRect/>
-          </a:stretch>
-        </p:blipFill>
-        <p:spPr>
-          <a:xfrm>
-            <a:off x="9750096" y="5191592"/>
-            <a:ext cx="2726685" cy="634905"/>
-          </a:xfrm>
-          <a:prstGeom prst="rect">
-            <a:avLst/>
-          </a:prstGeom>
-        </p:spPr>
-      </p:pic>
       <p:grpSp>
         <p:nvGrpSpPr>
-          <p:cNvPr id="1014" name="그룹 1014"/>
+          <p:cNvPr id="1017" name="그룹 1017"/>
           <p:cNvGrpSpPr/>
           <p:nvPr/>
         </p:nvGrpSpPr>
         <p:grpSpPr>
           <a:xfrm>
-            <a:off x="9795819" y="5627781"/>
-            <a:ext cx="2848355" cy="477616"/>
-            <a:chOff x="9795819" y="5627781"/>
-            <a:chExt cx="2848355" cy="477616"/>
+            <a:off x="3558099" y="4863031"/>
+            <a:ext cx="1341236" cy="692985"/>
+            <a:chOff x="3558099" y="4863031"/>
+            <a:chExt cx="1341236" cy="692985"/>
           </a:xfrm>
         </p:grpSpPr>
         <p:pic>
           <p:nvPicPr>
-            <p:cNvPr id="52" name="Object 51"/>
+            <p:cNvPr id="57" name="Object 56"/>
+            <p:cNvPicPr>
+              <a:picLocks noChangeAspect="1"/>
+            </p:cNvPicPr>
+            <p:nvPr/>
+          </p:nvPicPr>
+          <p:blipFill>
+            <a:blip r:embed="rId24" cstate="print"/>
+            <a:stretch>
+              <a:fillRect/>
+            </a:stretch>
+          </p:blipFill>
+          <p:spPr>
+            <a:xfrm rot="-14160000">
+              <a:off x="3558099" y="4863031"/>
+              <a:ext cx="1341236" cy="692985"/>
+            </a:xfrm>
+            <a:prstGeom prst="rect">
+              <a:avLst/>
+            </a:prstGeom>
+          </p:spPr>
+        </p:pic>
+      </p:grpSp>
+      <p:grpSp>
+        <p:nvGrpSpPr>
+          <p:cNvPr id="1018" name="그룹 1018"/>
+          <p:cNvGrpSpPr/>
+          <p:nvPr/>
+        </p:nvGrpSpPr>
+        <p:grpSpPr>
+          <a:xfrm>
+            <a:off x="5036291" y="5623989"/>
+            <a:ext cx="1073703" cy="1073703"/>
+            <a:chOff x="5036291" y="5623989"/>
+            <a:chExt cx="1073703" cy="1073703"/>
+          </a:xfrm>
+        </p:grpSpPr>
+        <p:pic>
+          <p:nvPicPr>
+            <p:cNvPr id="60" name="Object 59"/>
             <p:cNvPicPr>
               <a:picLocks noChangeAspect="1"/>
             </p:cNvPicPr>
@@ -5631,8 +5755,8 @@
           </p:blipFill>
           <p:spPr>
             <a:xfrm>
-              <a:off x="9795819" y="5627781"/>
-              <a:ext cx="2848355" cy="477616"/>
+              <a:off x="5036291" y="5623989"/>
+              <a:ext cx="1073703" cy="1073703"/>
             </a:xfrm>
             <a:prstGeom prst="rect">
               <a:avLst/>
@@ -5640,47 +5764,62 @@
           </p:spPr>
         </p:pic>
       </p:grpSp>
-      <p:pic>
-        <p:nvPicPr>
-          <p:cNvPr id="54" name="Object 53"/>
-          <p:cNvPicPr>
-            <a:picLocks noChangeAspect="1"/>
-          </p:cNvPicPr>
-          <p:nvPr/>
-        </p:nvPicPr>
-        <p:blipFill>
-          <a:blip r:embed="rId26" cstate="print"/>
-          <a:stretch>
-            <a:fillRect/>
-          </a:stretch>
-        </p:blipFill>
-        <p:spPr>
-          <a:xfrm>
-            <a:off x="9748192" y="5580163"/>
-            <a:ext cx="2208920" cy="634905"/>
-          </a:xfrm>
-          <a:prstGeom prst="rect">
-            <a:avLst/>
-          </a:prstGeom>
-        </p:spPr>
-      </p:pic>
       <p:grpSp>
         <p:nvGrpSpPr>
-          <p:cNvPr id="1015" name="그룹 1015"/>
+          <p:cNvPr id="1019" name="그룹 1019"/>
           <p:cNvGrpSpPr/>
           <p:nvPr/>
         </p:nvGrpSpPr>
         <p:grpSpPr>
           <a:xfrm>
-            <a:off x="9812962" y="6397305"/>
-            <a:ext cx="2848355" cy="477616"/>
-            <a:chOff x="9812962" y="6397305"/>
-            <a:chExt cx="2848355" cy="477616"/>
+            <a:off x="8152866" y="6844293"/>
+            <a:ext cx="3552320" cy="692985"/>
+            <a:chOff x="8152866" y="6844293"/>
+            <a:chExt cx="3552320" cy="692985"/>
           </a:xfrm>
         </p:grpSpPr>
         <p:pic>
           <p:nvPicPr>
-            <p:cNvPr id="56" name="Object 55"/>
+            <p:cNvPr id="63" name="Object 62"/>
+            <p:cNvPicPr>
+              <a:picLocks noChangeAspect="1"/>
+            </p:cNvPicPr>
+            <p:nvPr/>
+          </p:nvPicPr>
+          <p:blipFill>
+            <a:blip r:embed="rId26" cstate="print"/>
+            <a:stretch>
+              <a:fillRect/>
+            </a:stretch>
+          </p:blipFill>
+          <p:spPr>
+            <a:xfrm>
+              <a:off x="8152866" y="6844293"/>
+              <a:ext cx="3552320" cy="692985"/>
+            </a:xfrm>
+            <a:prstGeom prst="rect">
+              <a:avLst/>
+            </a:prstGeom>
+          </p:spPr>
+        </p:pic>
+      </p:grpSp>
+      <p:grpSp>
+        <p:nvGrpSpPr>
+          <p:cNvPr id="1020" name="그룹 1020"/>
+          <p:cNvGrpSpPr/>
+          <p:nvPr/>
+        </p:nvGrpSpPr>
+        <p:grpSpPr>
+          <a:xfrm>
+            <a:off x="1288807" y="7544895"/>
+            <a:ext cx="17299287" cy="763700"/>
+            <a:chOff x="1288807" y="7544895"/>
+            <a:chExt cx="17299287" cy="763700"/>
+          </a:xfrm>
+        </p:grpSpPr>
+        <p:pic>
+          <p:nvPicPr>
+            <p:cNvPr id="66" name="Object 65"/>
             <p:cNvPicPr>
               <a:picLocks noChangeAspect="1"/>
             </p:cNvPicPr>
@@ -5694,8 +5833,32 @@
           </p:blipFill>
           <p:spPr>
             <a:xfrm>
-              <a:off x="9812962" y="6397305"/>
-              <a:ext cx="2848355" cy="477616"/>
+              <a:off x="1241189" y="7497277"/>
+              <a:ext cx="10276426" cy="634904"/>
+            </a:xfrm>
+            <a:prstGeom prst="rect">
+              <a:avLst/>
+            </a:prstGeom>
+          </p:spPr>
+        </p:pic>
+        <p:pic>
+          <p:nvPicPr>
+            <p:cNvPr id="67" name="Object 66"/>
+            <p:cNvPicPr>
+              <a:picLocks noChangeAspect="1"/>
+            </p:cNvPicPr>
+            <p:nvPr/>
+          </p:nvPicPr>
+          <p:blipFill>
+            <a:blip r:embed="rId28" cstate="print"/>
+            <a:stretch>
+              <a:fillRect/>
+            </a:stretch>
+          </p:blipFill>
+          <p:spPr>
+            <a:xfrm>
+              <a:off x="1248811" y="7809658"/>
+              <a:ext cx="10316266" cy="634904"/>
             </a:xfrm>
             <a:prstGeom prst="rect">
               <a:avLst/>
@@ -5703,110 +5866,116 @@
           </p:spPr>
         </p:pic>
       </p:grpSp>
-      <p:pic>
-        <p:nvPicPr>
-          <p:cNvPr id="58" name="Object 57"/>
-          <p:cNvPicPr>
-            <a:picLocks noChangeAspect="1"/>
-          </p:cNvPicPr>
-          <p:nvPr/>
-        </p:nvPicPr>
-        <p:blipFill>
-          <a:blip r:embed="rId28" cstate="print"/>
-          <a:stretch>
-            <a:fillRect/>
-          </a:stretch>
-        </p:blipFill>
-        <p:spPr>
-          <a:xfrm>
-            <a:off x="9765335" y="6349687"/>
-            <a:ext cx="2647004" cy="634905"/>
-          </a:xfrm>
-          <a:prstGeom prst="rect">
-            <a:avLst/>
-          </a:prstGeom>
-        </p:spPr>
-      </p:pic>
       <p:grpSp>
         <p:nvGrpSpPr>
-          <p:cNvPr id="1016" name="그룹 1016"/>
+          <p:cNvPr id="1021" name="그룹 1021"/>
           <p:cNvGrpSpPr/>
           <p:nvPr/>
         </p:nvGrpSpPr>
         <p:grpSpPr>
           <a:xfrm>
-            <a:off x="9811057" y="6785876"/>
-            <a:ext cx="2848355" cy="477616"/>
-            <a:chOff x="9811057" y="6785876"/>
-            <a:chExt cx="2848355" cy="477616"/>
+            <a:off x="11961888" y="5638405"/>
+            <a:ext cx="1539130" cy="3085714"/>
+            <a:chOff x="11961888" y="5638405"/>
+            <a:chExt cx="1539130" cy="3085714"/>
+          </a:xfrm>
+        </p:grpSpPr>
+        <p:grpSp>
+          <p:nvGrpSpPr>
+            <p:cNvPr id="1022" name="그룹 1022"/>
+            <p:cNvGrpSpPr/>
+            <p:nvPr/>
+          </p:nvGrpSpPr>
+          <p:grpSpPr>
+            <a:xfrm>
+              <a:off x="11961888" y="5638405"/>
+              <a:ext cx="1539130" cy="3085714"/>
+              <a:chOff x="11961888" y="5638405"/>
+              <a:chExt cx="1539130" cy="3085714"/>
+            </a:xfrm>
+          </p:grpSpPr>
+          <p:pic>
+            <p:nvPicPr>
+              <p:cNvPr id="71" name="Object 70"/>
+              <p:cNvPicPr>
+                <a:picLocks noChangeAspect="1"/>
+              </p:cNvPicPr>
+              <p:nvPr/>
+            </p:nvPicPr>
+            <p:blipFill>
+              <a:blip r:embed="rId29" cstate="print"/>
+              <a:stretch>
+                <a:fillRect/>
+              </a:stretch>
+            </p:blipFill>
+            <p:spPr>
+              <a:xfrm>
+                <a:off x="11961888" y="5638405"/>
+                <a:ext cx="1539130" cy="3085714"/>
+              </a:xfrm>
+              <a:prstGeom prst="rect">
+                <a:avLst/>
+              </a:prstGeom>
+            </p:spPr>
+          </p:pic>
+        </p:grpSp>
+        <p:grpSp>
+          <p:nvGrpSpPr>
+            <p:cNvPr id="1023" name="그룹 1023"/>
+            <p:cNvGrpSpPr/>
+            <p:nvPr/>
+          </p:nvGrpSpPr>
+          <p:grpSpPr>
+            <a:xfrm>
+              <a:off x="12109735" y="6437249"/>
+              <a:ext cx="1243437" cy="1505982"/>
+              <a:chOff x="12109735" y="6437249"/>
+              <a:chExt cx="1243437" cy="1505982"/>
+            </a:xfrm>
+          </p:grpSpPr>
+          <p:pic>
+            <p:nvPicPr>
+              <p:cNvPr id="74" name="Object 73"/>
+              <p:cNvPicPr>
+                <a:picLocks noChangeAspect="1"/>
+              </p:cNvPicPr>
+              <p:nvPr/>
+            </p:nvPicPr>
+            <p:blipFill>
+              <a:blip r:embed="rId30" cstate="print"/>
+              <a:stretch>
+                <a:fillRect/>
+              </a:stretch>
+            </p:blipFill>
+            <p:spPr>
+              <a:xfrm>
+                <a:off x="12109735" y="6437249"/>
+                <a:ext cx="1243437" cy="1505982"/>
+              </a:xfrm>
+              <a:prstGeom prst="rect">
+                <a:avLst/>
+              </a:prstGeom>
+            </p:spPr>
+          </p:pic>
+        </p:grpSp>
+      </p:grpSp>
+      <p:grpSp>
+        <p:nvGrpSpPr>
+          <p:cNvPr id="1024" name="그룹 1024"/>
+          <p:cNvGrpSpPr/>
+          <p:nvPr/>
+        </p:nvGrpSpPr>
+        <p:grpSpPr>
+          <a:xfrm>
+            <a:off x="13743421" y="6844293"/>
+            <a:ext cx="1882659" cy="692985"/>
+            <a:chOff x="13743421" y="6844293"/>
+            <a:chExt cx="1882659" cy="692985"/>
           </a:xfrm>
         </p:grpSpPr>
         <p:pic>
           <p:nvPicPr>
-            <p:cNvPr id="60" name="Object 59"/>
-            <p:cNvPicPr>
-              <a:picLocks noChangeAspect="1"/>
-            </p:cNvPicPr>
-            <p:nvPr/>
-          </p:nvPicPr>
-          <p:blipFill>
-            <a:blip r:embed="rId29" cstate="print"/>
-            <a:stretch>
-              <a:fillRect/>
-            </a:stretch>
-          </p:blipFill>
-          <p:spPr>
-            <a:xfrm>
-              <a:off x="9811057" y="6785876"/>
-              <a:ext cx="2848355" cy="477616"/>
-            </a:xfrm>
-            <a:prstGeom prst="rect">
-              <a:avLst/>
-            </a:prstGeom>
-          </p:spPr>
-        </p:pic>
-      </p:grpSp>
-      <p:pic>
-        <p:nvPicPr>
-          <p:cNvPr id="62" name="Object 61"/>
-          <p:cNvPicPr>
-            <a:picLocks noChangeAspect="1"/>
-          </p:cNvPicPr>
-          <p:nvPr/>
-        </p:nvPicPr>
-        <p:blipFill>
-          <a:blip r:embed="rId30" cstate="print"/>
-          <a:stretch>
-            <a:fillRect/>
-          </a:stretch>
-        </p:blipFill>
-        <p:spPr>
-          <a:xfrm>
-            <a:off x="9763430" y="6738258"/>
-            <a:ext cx="2248760" cy="634905"/>
-          </a:xfrm>
-          <a:prstGeom prst="rect">
-            <a:avLst/>
-          </a:prstGeom>
-        </p:spPr>
-      </p:pic>
-      <p:grpSp>
-        <p:nvGrpSpPr>
-          <p:cNvPr id="1017" name="그룹 1017"/>
-          <p:cNvGrpSpPr/>
-          <p:nvPr/>
-        </p:nvGrpSpPr>
-        <p:grpSpPr>
-          <a:xfrm>
-            <a:off x="9820581" y="7452543"/>
-            <a:ext cx="2848355" cy="477616"/>
-            <a:chOff x="9820581" y="7452543"/>
-            <a:chExt cx="2848355" cy="477616"/>
-          </a:xfrm>
-        </p:grpSpPr>
-        <p:pic>
-          <p:nvPicPr>
-            <p:cNvPr id="64" name="Object 63"/>
+            <p:cNvPr id="78" name="Object 77"/>
             <p:cNvPicPr>
               <a:picLocks noChangeAspect="1"/>
             </p:cNvPicPr>
@@ -5820,8 +5989,8 @@
           </p:blipFill>
           <p:spPr>
             <a:xfrm>
-              <a:off x="9820581" y="7452543"/>
-              <a:ext cx="2848355" cy="477616"/>
+              <a:off x="13743421" y="6844293"/>
+              <a:ext cx="1882659" cy="692985"/>
             </a:xfrm>
             <a:prstGeom prst="rect">
               <a:avLst/>
@@ -5831,7 +6000,7 @@
       </p:grpSp>
       <p:pic>
         <p:nvPicPr>
-          <p:cNvPr id="66" name="Object 65"/>
+          <p:cNvPr id="80" name="Object 79"/>
           <p:cNvPicPr>
             <a:picLocks noChangeAspect="1"/>
           </p:cNvPicPr>
@@ -5845,8 +6014,8 @@
         </p:blipFill>
         <p:spPr>
           <a:xfrm>
-            <a:off x="9772954" y="7404925"/>
-            <a:ext cx="2976045" cy="634905"/>
+            <a:off x="5984001" y="7412563"/>
+            <a:ext cx="9612633" cy="634904"/>
           </a:xfrm>
           <a:prstGeom prst="rect">
             <a:avLst/>
@@ -5855,21 +6024,21 @@
       </p:pic>
       <p:grpSp>
         <p:nvGrpSpPr>
-          <p:cNvPr id="1018" name="그룹 1018"/>
+          <p:cNvPr id="1025" name="그룹 1025"/>
           <p:cNvGrpSpPr/>
           <p:nvPr/>
         </p:nvGrpSpPr>
         <p:grpSpPr>
           <a:xfrm>
-            <a:off x="9820581" y="7833495"/>
-            <a:ext cx="2848355" cy="477616"/>
-            <a:chOff x="9820581" y="7833495"/>
-            <a:chExt cx="2848355" cy="477616"/>
+            <a:off x="15330022" y="6043232"/>
+            <a:ext cx="2295108" cy="2295108"/>
+            <a:chOff x="15330022" y="6043232"/>
+            <a:chExt cx="2295108" cy="2295108"/>
           </a:xfrm>
         </p:grpSpPr>
         <p:pic>
           <p:nvPicPr>
-            <p:cNvPr id="68" name="Object 67"/>
+            <p:cNvPr id="82" name="Object 81"/>
             <p:cNvPicPr>
               <a:picLocks noChangeAspect="1"/>
             </p:cNvPicPr>
@@ -5883,449 +6052,8 @@
           </p:blipFill>
           <p:spPr>
             <a:xfrm>
-              <a:off x="9820581" y="7833495"/>
-              <a:ext cx="2848355" cy="477616"/>
-            </a:xfrm>
-            <a:prstGeom prst="rect">
-              <a:avLst/>
-            </a:prstGeom>
-          </p:spPr>
-        </p:pic>
-      </p:grpSp>
-      <p:pic>
-        <p:nvPicPr>
-          <p:cNvPr id="70" name="Object 69"/>
-          <p:cNvPicPr>
-            <a:picLocks noChangeAspect="1"/>
-          </p:cNvPicPr>
-          <p:nvPr/>
-        </p:nvPicPr>
-        <p:blipFill>
-          <a:blip r:embed="rId34" cstate="print"/>
-          <a:stretch>
-            <a:fillRect/>
-          </a:stretch>
-        </p:blipFill>
-        <p:spPr>
-          <a:xfrm>
-            <a:off x="9772954" y="7785877"/>
-            <a:ext cx="2922078" cy="634905"/>
-          </a:xfrm>
-          <a:prstGeom prst="rect">
-            <a:avLst/>
-          </a:prstGeom>
-        </p:spPr>
-      </p:pic>
-      <p:grpSp>
-        <p:nvGrpSpPr>
-          <p:cNvPr id="1019" name="그룹 1019"/>
-          <p:cNvGrpSpPr/>
-          <p:nvPr/>
-        </p:nvGrpSpPr>
-        <p:grpSpPr>
-          <a:xfrm>
-            <a:off x="14064390" y="5829686"/>
-            <a:ext cx="2848355" cy="477616"/>
-            <a:chOff x="14064390" y="5829686"/>
-            <a:chExt cx="2848355" cy="477616"/>
-          </a:xfrm>
-        </p:grpSpPr>
-        <p:pic>
-          <p:nvPicPr>
-            <p:cNvPr id="72" name="Object 71"/>
-            <p:cNvPicPr>
-              <a:picLocks noChangeAspect="1"/>
-            </p:cNvPicPr>
-            <p:nvPr/>
-          </p:nvPicPr>
-          <p:blipFill>
-            <a:blip r:embed="rId35" cstate="print"/>
-            <a:stretch>
-              <a:fillRect/>
-            </a:stretch>
-          </p:blipFill>
-          <p:spPr>
-            <a:xfrm>
-              <a:off x="14064390" y="5829686"/>
-              <a:ext cx="2848355" cy="477616"/>
-            </a:xfrm>
-            <a:prstGeom prst="rect">
-              <a:avLst/>
-            </a:prstGeom>
-          </p:spPr>
-        </p:pic>
-      </p:grpSp>
-      <p:pic>
-        <p:nvPicPr>
-          <p:cNvPr id="74" name="Object 73"/>
-          <p:cNvPicPr>
-            <a:picLocks noChangeAspect="1"/>
-          </p:cNvPicPr>
-          <p:nvPr/>
-        </p:nvPicPr>
-        <p:blipFill>
-          <a:blip r:embed="rId36" cstate="print"/>
-          <a:stretch>
-            <a:fillRect/>
-          </a:stretch>
-        </p:blipFill>
-        <p:spPr>
-          <a:xfrm>
-            <a:off x="14016763" y="5782068"/>
-            <a:ext cx="2726685" cy="634905"/>
-          </a:xfrm>
-          <a:prstGeom prst="rect">
-            <a:avLst/>
-          </a:prstGeom>
-        </p:spPr>
-      </p:pic>
-      <p:grpSp>
-        <p:nvGrpSpPr>
-          <p:cNvPr id="1020" name="그룹 1020"/>
-          <p:cNvGrpSpPr/>
-          <p:nvPr/>
-        </p:nvGrpSpPr>
-        <p:grpSpPr>
-          <a:xfrm>
-            <a:off x="14072010" y="6503971"/>
-            <a:ext cx="2848355" cy="477616"/>
-            <a:chOff x="14072010" y="6503971"/>
-            <a:chExt cx="2848355" cy="477616"/>
-          </a:xfrm>
-        </p:grpSpPr>
-        <p:pic>
-          <p:nvPicPr>
-            <p:cNvPr id="76" name="Object 75"/>
-            <p:cNvPicPr>
-              <a:picLocks noChangeAspect="1"/>
-            </p:cNvPicPr>
-            <p:nvPr/>
-          </p:nvPicPr>
-          <p:blipFill>
-            <a:blip r:embed="rId37" cstate="print"/>
-            <a:stretch>
-              <a:fillRect/>
-            </a:stretch>
-          </p:blipFill>
-          <p:spPr>
-            <a:xfrm>
-              <a:off x="14072010" y="6503971"/>
-              <a:ext cx="2848355" cy="477616"/>
-            </a:xfrm>
-            <a:prstGeom prst="rect">
-              <a:avLst/>
-            </a:prstGeom>
-          </p:spPr>
-        </p:pic>
-      </p:grpSp>
-      <p:pic>
-        <p:nvPicPr>
-          <p:cNvPr id="78" name="Object 77"/>
-          <p:cNvPicPr>
-            <a:picLocks noChangeAspect="1"/>
-          </p:cNvPicPr>
-          <p:nvPr/>
-        </p:nvPicPr>
-        <p:blipFill>
-          <a:blip r:embed="rId38" cstate="print"/>
-          <a:stretch>
-            <a:fillRect/>
-          </a:stretch>
-        </p:blipFill>
-        <p:spPr>
-          <a:xfrm>
-            <a:off x="14024382" y="6456354"/>
-            <a:ext cx="2580657" cy="634905"/>
-          </a:xfrm>
-          <a:prstGeom prst="rect">
-            <a:avLst/>
-          </a:prstGeom>
-        </p:spPr>
-      </p:pic>
-      <p:grpSp>
-        <p:nvGrpSpPr>
-          <p:cNvPr id="1021" name="그룹 1021"/>
-          <p:cNvGrpSpPr/>
-          <p:nvPr/>
-        </p:nvGrpSpPr>
-        <p:grpSpPr>
-          <a:xfrm>
-            <a:off x="14079629" y="7178257"/>
-            <a:ext cx="2848355" cy="477616"/>
-            <a:chOff x="14079629" y="7178257"/>
-            <a:chExt cx="2848355" cy="477616"/>
-          </a:xfrm>
-        </p:grpSpPr>
-        <p:pic>
-          <p:nvPicPr>
-            <p:cNvPr id="80" name="Object 79"/>
-            <p:cNvPicPr>
-              <a:picLocks noChangeAspect="1"/>
-            </p:cNvPicPr>
-            <p:nvPr/>
-          </p:nvPicPr>
-          <p:blipFill>
-            <a:blip r:embed="rId39" cstate="print"/>
-            <a:stretch>
-              <a:fillRect/>
-            </a:stretch>
-          </p:blipFill>
-          <p:spPr>
-            <a:xfrm>
-              <a:off x="14079629" y="7178257"/>
-              <a:ext cx="2848355" cy="477616"/>
-            </a:xfrm>
-            <a:prstGeom prst="rect">
-              <a:avLst/>
-            </a:prstGeom>
-          </p:spPr>
-        </p:pic>
-      </p:grpSp>
-      <p:pic>
-        <p:nvPicPr>
-          <p:cNvPr id="82" name="Object 81"/>
-          <p:cNvPicPr>
-            <a:picLocks noChangeAspect="1"/>
-          </p:cNvPicPr>
-          <p:nvPr/>
-        </p:nvPicPr>
-        <p:blipFill>
-          <a:blip r:embed="rId40" cstate="print"/>
-          <a:stretch>
-            <a:fillRect/>
-          </a:stretch>
-        </p:blipFill>
-        <p:spPr>
-          <a:xfrm>
-            <a:off x="14032001" y="7130639"/>
-            <a:ext cx="2580657" cy="634905"/>
-          </a:xfrm>
-          <a:prstGeom prst="rect">
-            <a:avLst/>
-          </a:prstGeom>
-        </p:spPr>
-      </p:pic>
-      <p:grpSp>
-        <p:nvGrpSpPr>
-          <p:cNvPr id="1022" name="그룹 1022"/>
-          <p:cNvGrpSpPr/>
-          <p:nvPr/>
-        </p:nvGrpSpPr>
-        <p:grpSpPr>
-          <a:xfrm>
-            <a:off x="5694867" y="5831590"/>
-            <a:ext cx="2848355" cy="477616"/>
-            <a:chOff x="5694867" y="5831590"/>
-            <a:chExt cx="2848355" cy="477616"/>
-          </a:xfrm>
-        </p:grpSpPr>
-        <p:pic>
-          <p:nvPicPr>
-            <p:cNvPr id="84" name="Object 83"/>
-            <p:cNvPicPr>
-              <a:picLocks noChangeAspect="1"/>
-            </p:cNvPicPr>
-            <p:nvPr/>
-          </p:nvPicPr>
-          <p:blipFill>
-            <a:blip r:embed="rId41" cstate="print"/>
-            <a:stretch>
-              <a:fillRect/>
-            </a:stretch>
-          </p:blipFill>
-          <p:spPr>
-            <a:xfrm>
-              <a:off x="5694867" y="5831590"/>
-              <a:ext cx="2848355" cy="477616"/>
-            </a:xfrm>
-            <a:prstGeom prst="rect">
-              <a:avLst/>
-            </a:prstGeom>
-          </p:spPr>
-        </p:pic>
-      </p:grpSp>
-      <p:pic>
-        <p:nvPicPr>
-          <p:cNvPr id="86" name="Object 85"/>
-          <p:cNvPicPr>
-            <a:picLocks noChangeAspect="1"/>
-          </p:cNvPicPr>
-          <p:nvPr/>
-        </p:nvPicPr>
-        <p:blipFill>
-          <a:blip r:embed="rId42" cstate="print"/>
-          <a:stretch>
-            <a:fillRect/>
-          </a:stretch>
-        </p:blipFill>
-        <p:spPr>
-          <a:xfrm>
-            <a:off x="5647249" y="5783973"/>
-            <a:ext cx="2394789" cy="634905"/>
-          </a:xfrm>
-          <a:prstGeom prst="rect">
-            <a:avLst/>
-          </a:prstGeom>
-        </p:spPr>
-      </p:pic>
-      <p:grpSp>
-        <p:nvGrpSpPr>
-          <p:cNvPr id="1023" name="그룹 1023"/>
-          <p:cNvGrpSpPr/>
-          <p:nvPr/>
-        </p:nvGrpSpPr>
-        <p:grpSpPr>
-          <a:xfrm>
-            <a:off x="5694867" y="6498257"/>
-            <a:ext cx="2848355" cy="520790"/>
-            <a:chOff x="5694867" y="6498257"/>
-            <a:chExt cx="2848355" cy="520790"/>
-          </a:xfrm>
-        </p:grpSpPr>
-        <p:pic>
-          <p:nvPicPr>
-            <p:cNvPr id="88" name="Object 87"/>
-            <p:cNvPicPr>
-              <a:picLocks noChangeAspect="1"/>
-            </p:cNvPicPr>
-            <p:nvPr/>
-          </p:nvPicPr>
-          <p:blipFill>
-            <a:blip r:embed="rId43" cstate="print"/>
-            <a:stretch>
-              <a:fillRect/>
-            </a:stretch>
-          </p:blipFill>
-          <p:spPr>
-            <a:xfrm>
-              <a:off x="5694867" y="6498257"/>
-              <a:ext cx="2848355" cy="520790"/>
-            </a:xfrm>
-            <a:prstGeom prst="rect">
-              <a:avLst/>
-            </a:prstGeom>
-          </p:spPr>
-        </p:pic>
-      </p:grpSp>
-      <p:pic>
-        <p:nvPicPr>
-          <p:cNvPr id="90" name="Object 89"/>
-          <p:cNvPicPr>
-            <a:picLocks noChangeAspect="1"/>
-          </p:cNvPicPr>
-          <p:nvPr/>
-        </p:nvPicPr>
-        <p:blipFill>
-          <a:blip r:embed="rId44" cstate="print"/>
-          <a:stretch>
-            <a:fillRect/>
-          </a:stretch>
-        </p:blipFill>
-        <p:spPr>
-          <a:xfrm>
-            <a:off x="5647249" y="6469687"/>
-            <a:ext cx="3018742" cy="634905"/>
-          </a:xfrm>
-          <a:prstGeom prst="rect">
-            <a:avLst/>
-          </a:prstGeom>
-        </p:spPr>
-      </p:pic>
-      <p:grpSp>
-        <p:nvGrpSpPr>
-          <p:cNvPr id="1024" name="그룹 1024"/>
-          <p:cNvGrpSpPr/>
-          <p:nvPr/>
-        </p:nvGrpSpPr>
-        <p:grpSpPr>
-          <a:xfrm>
-            <a:off x="5702486" y="7172543"/>
-            <a:ext cx="2848355" cy="520790"/>
-            <a:chOff x="5702486" y="7172543"/>
-            <a:chExt cx="2848355" cy="520790"/>
-          </a:xfrm>
-        </p:grpSpPr>
-        <p:pic>
-          <p:nvPicPr>
-            <p:cNvPr id="92" name="Object 91"/>
-            <p:cNvPicPr>
-              <a:picLocks noChangeAspect="1"/>
-            </p:cNvPicPr>
-            <p:nvPr/>
-          </p:nvPicPr>
-          <p:blipFill>
-            <a:blip r:embed="rId45" cstate="print"/>
-            <a:stretch>
-              <a:fillRect/>
-            </a:stretch>
-          </p:blipFill>
-          <p:spPr>
-            <a:xfrm>
-              <a:off x="5702486" y="7172543"/>
-              <a:ext cx="2848355" cy="520790"/>
-            </a:xfrm>
-            <a:prstGeom prst="rect">
-              <a:avLst/>
-            </a:prstGeom>
-          </p:spPr>
-        </p:pic>
-      </p:grpSp>
-      <p:pic>
-        <p:nvPicPr>
-          <p:cNvPr id="94" name="Object 93"/>
-          <p:cNvPicPr>
-            <a:picLocks noChangeAspect="1"/>
-          </p:cNvPicPr>
-          <p:nvPr/>
-        </p:nvPicPr>
-        <p:blipFill>
-          <a:blip r:embed="rId46" cstate="print"/>
-          <a:stretch>
-            <a:fillRect/>
-          </a:stretch>
-        </p:blipFill>
-        <p:spPr>
-          <a:xfrm>
-            <a:off x="5654868" y="7143973"/>
-            <a:ext cx="2580658" cy="634905"/>
-          </a:xfrm>
-          <a:prstGeom prst="rect">
-            <a:avLst/>
-          </a:prstGeom>
-        </p:spPr>
-      </p:pic>
-      <p:grpSp>
-        <p:nvGrpSpPr>
-          <p:cNvPr id="1025" name="그룹 1025"/>
-          <p:cNvGrpSpPr/>
-          <p:nvPr/>
-        </p:nvGrpSpPr>
-        <p:grpSpPr>
-          <a:xfrm>
-            <a:off x="9600000" y="4887375"/>
-            <a:ext cx="3228571" cy="3767387"/>
-            <a:chOff x="9600000" y="4887375"/>
-            <a:chExt cx="3228571" cy="3767387"/>
-          </a:xfrm>
-        </p:grpSpPr>
-        <p:pic>
-          <p:nvPicPr>
-            <p:cNvPr id="96" name="Object 95"/>
-            <p:cNvPicPr>
-              <a:picLocks noChangeAspect="1"/>
-            </p:cNvPicPr>
-            <p:nvPr/>
-          </p:nvPicPr>
-          <p:blipFill>
-            <a:blip r:embed="rId47" cstate="print"/>
-            <a:stretch>
-              <a:fillRect/>
-            </a:stretch>
-          </p:blipFill>
-          <p:spPr>
-            <a:xfrm>
-              <a:off x="9600000" y="4887375"/>
-              <a:ext cx="3228571" cy="3767387"/>
+              <a:off x="15330022" y="6043232"/>
+              <a:ext cx="2295108" cy="2295108"/>
             </a:xfrm>
             <a:prstGeom prst="rect">
               <a:avLst/>
@@ -6341,69 +6069,30 @@
         </p:nvGrpSpPr>
         <p:grpSpPr>
           <a:xfrm>
-            <a:off x="13877460" y="5629940"/>
-            <a:ext cx="3228571" cy="2220060"/>
-            <a:chOff x="13877460" y="5629940"/>
-            <a:chExt cx="3228571" cy="2220060"/>
+            <a:off x="7342464" y="4638290"/>
+            <a:ext cx="3600786" cy="692985"/>
+            <a:chOff x="7342464" y="4638290"/>
+            <a:chExt cx="3600786" cy="692985"/>
           </a:xfrm>
         </p:grpSpPr>
         <p:pic>
           <p:nvPicPr>
-            <p:cNvPr id="99" name="Object 98"/>
+            <p:cNvPr id="85" name="Object 84"/>
             <p:cNvPicPr>
               <a:picLocks noChangeAspect="1"/>
             </p:cNvPicPr>
             <p:nvPr/>
           </p:nvPicPr>
           <p:blipFill>
-            <a:blip r:embed="rId48" cstate="print"/>
+            <a:blip r:embed="rId34" cstate="print"/>
             <a:stretch>
               <a:fillRect/>
             </a:stretch>
           </p:blipFill>
           <p:spPr>
-            <a:xfrm>
-              <a:off x="13877460" y="5629940"/>
-              <a:ext cx="3228571" cy="2220060"/>
-            </a:xfrm>
-            <a:prstGeom prst="rect">
-              <a:avLst/>
-            </a:prstGeom>
-          </p:spPr>
-        </p:pic>
-      </p:grpSp>
-      <p:grpSp>
-        <p:nvGrpSpPr>
-          <p:cNvPr id="1027" name="그룹 1027"/>
-          <p:cNvGrpSpPr/>
-          <p:nvPr/>
-        </p:nvGrpSpPr>
-        <p:grpSpPr>
-          <a:xfrm>
-            <a:off x="5502857" y="5560000"/>
-            <a:ext cx="3228571" cy="2424127"/>
-            <a:chOff x="5502857" y="5560000"/>
-            <a:chExt cx="3228571" cy="2424127"/>
-          </a:xfrm>
-        </p:grpSpPr>
-        <p:pic>
-          <p:nvPicPr>
-            <p:cNvPr id="102" name="Object 101"/>
-            <p:cNvPicPr>
-              <a:picLocks noChangeAspect="1"/>
-            </p:cNvPicPr>
-            <p:nvPr/>
-          </p:nvPicPr>
-          <p:blipFill>
-            <a:blip r:embed="rId49" cstate="print"/>
-            <a:stretch>
-              <a:fillRect/>
-            </a:stretch>
-          </p:blipFill>
-          <p:spPr>
-            <a:xfrm>
-              <a:off x="5502857" y="5560000"/>
-              <a:ext cx="3228571" cy="2424127"/>
+            <a:xfrm rot="-13140000">
+              <a:off x="7342464" y="4638290"/>
+              <a:ext cx="3600786" cy="692985"/>
             </a:xfrm>
             <a:prstGeom prst="rect">
               <a:avLst/>
@@ -6452,10 +6141,10 @@
         </p:nvGrpSpPr>
         <p:grpSpPr>
           <a:xfrm>
-            <a:off x="354168" y="858457"/>
-            <a:ext cx="17604573" cy="41902"/>
-            <a:chOff x="354168" y="858457"/>
-            <a:chExt cx="17604573" cy="41902"/>
+            <a:off x="2202099" y="5916075"/>
+            <a:ext cx="3228571" cy="3216667"/>
+            <a:chOff x="2202099" y="5916075"/>
+            <a:chExt cx="3228571" cy="3216667"/>
           </a:xfrm>
         </p:grpSpPr>
         <p:pic>
@@ -6474,8 +6163,8 @@
           </p:blipFill>
           <p:spPr>
             <a:xfrm>
-              <a:off x="354168" y="858457"/>
-              <a:ext cx="17604573" cy="41902"/>
+              <a:off x="2202099" y="5916075"/>
+              <a:ext cx="3228571" cy="3216667"/>
             </a:xfrm>
             <a:prstGeom prst="rect">
               <a:avLst/>
@@ -6491,10 +6180,10 @@
         </p:nvGrpSpPr>
         <p:grpSpPr>
           <a:xfrm>
-            <a:off x="361787" y="9342267"/>
-            <a:ext cx="17604573" cy="41902"/>
-            <a:chOff x="361787" y="9342267"/>
-            <a:chExt cx="17604573" cy="41902"/>
+            <a:off x="10626329" y="6034486"/>
+            <a:ext cx="3228571" cy="2424127"/>
+            <a:chOff x="10626329" y="6034486"/>
+            <a:chExt cx="3228571" cy="2424127"/>
           </a:xfrm>
         </p:grpSpPr>
         <p:pic>
@@ -6513,8 +6202,8 @@
           </p:blipFill>
           <p:spPr>
             <a:xfrm>
-              <a:off x="361787" y="9342267"/>
-              <a:ext cx="17604573" cy="41902"/>
+              <a:off x="10626329" y="6034486"/>
+              <a:ext cx="3228571" cy="2424127"/>
             </a:xfrm>
             <a:prstGeom prst="rect">
               <a:avLst/>
@@ -6522,16 +6211,94 @@
           </p:spPr>
         </p:pic>
       </p:grpSp>
-      <p:pic>
-        <p:nvPicPr>
-          <p:cNvPr id="8" name="Object 7"/>
-          <p:cNvPicPr>
-            <a:picLocks noChangeAspect="1"/>
-          </p:cNvPicPr>
-          <p:nvPr/>
-        </p:nvPicPr>
-        <p:blipFill>
-          <a:blip r:embed="rId4" cstate="print"/>
+      <p:grpSp>
+        <p:nvGrpSpPr>
+          <p:cNvPr id="1003" name="그룹 1003"/>
+          <p:cNvGrpSpPr/>
+          <p:nvPr/>
+        </p:nvGrpSpPr>
+        <p:grpSpPr>
+          <a:xfrm>
+            <a:off x="354168" y="858457"/>
+            <a:ext cx="17604573" cy="41902"/>
+            <a:chOff x="354168" y="858457"/>
+            <a:chExt cx="17604573" cy="41902"/>
+          </a:xfrm>
+        </p:grpSpPr>
+        <p:pic>
+          <p:nvPicPr>
+            <p:cNvPr id="9" name="Object 8"/>
+            <p:cNvPicPr>
+              <a:picLocks noChangeAspect="1"/>
+            </p:cNvPicPr>
+            <p:nvPr/>
+          </p:nvPicPr>
+          <p:blipFill>
+            <a:blip r:embed="rId4" cstate="print"/>
+            <a:stretch>
+              <a:fillRect/>
+            </a:stretch>
+          </p:blipFill>
+          <p:spPr>
+            <a:xfrm>
+              <a:off x="354168" y="858457"/>
+              <a:ext cx="17604573" cy="41902"/>
+            </a:xfrm>
+            <a:prstGeom prst="rect">
+              <a:avLst/>
+            </a:prstGeom>
+          </p:spPr>
+        </p:pic>
+      </p:grpSp>
+      <p:grpSp>
+        <p:nvGrpSpPr>
+          <p:cNvPr id="1004" name="그룹 1004"/>
+          <p:cNvGrpSpPr/>
+          <p:nvPr/>
+        </p:nvGrpSpPr>
+        <p:grpSpPr>
+          <a:xfrm>
+            <a:off x="361787" y="9342267"/>
+            <a:ext cx="17604573" cy="41902"/>
+            <a:chOff x="361787" y="9342267"/>
+            <a:chExt cx="17604573" cy="41902"/>
+          </a:xfrm>
+        </p:grpSpPr>
+        <p:pic>
+          <p:nvPicPr>
+            <p:cNvPr id="12" name="Object 11"/>
+            <p:cNvPicPr>
+              <a:picLocks noChangeAspect="1"/>
+            </p:cNvPicPr>
+            <p:nvPr/>
+          </p:nvPicPr>
+          <p:blipFill>
+            <a:blip r:embed="rId5" cstate="print"/>
+            <a:stretch>
+              <a:fillRect/>
+            </a:stretch>
+          </p:blipFill>
+          <p:spPr>
+            <a:xfrm>
+              <a:off x="361787" y="9342267"/>
+              <a:ext cx="17604573" cy="41902"/>
+            </a:xfrm>
+            <a:prstGeom prst="rect">
+              <a:avLst/>
+            </a:prstGeom>
+          </p:spPr>
+        </p:pic>
+      </p:grpSp>
+      <p:pic>
+        <p:nvPicPr>
+          <p:cNvPr id="14" name="Object 13"/>
+          <p:cNvPicPr>
+            <a:picLocks noChangeAspect="1"/>
+          </p:cNvPicPr>
+          <p:nvPr/>
+        </p:nvPicPr>
+        <p:blipFill>
+          <a:blip r:embed="rId6" cstate="print"/>
           <a:stretch>
             <a:fillRect/>
           </a:stretch>
@@ -6548,14 +6315,14 @@
       </p:pic>
       <p:pic>
         <p:nvPicPr>
-          <p:cNvPr id="9" name="Object 8"/>
-          <p:cNvPicPr>
-            <a:picLocks noChangeAspect="1"/>
-          </p:cNvPicPr>
-          <p:nvPr/>
-        </p:nvPicPr>
-        <p:blipFill>
-          <a:blip r:embed="rId5" cstate="print"/>
+          <p:cNvPr id="15" name="Object 14"/>
+          <p:cNvPicPr>
+            <a:picLocks noChangeAspect="1"/>
+          </p:cNvPicPr>
+          <p:nvPr/>
+        </p:nvPicPr>
+        <p:blipFill>
+          <a:blip r:embed="rId7" cstate="print"/>
           <a:stretch>
             <a:fillRect/>
           </a:stretch>
@@ -6563,88 +6330,55 @@
         <p:spPr>
           <a:xfrm>
             <a:off x="464645" y="207049"/>
-            <a:ext cx="3150403" cy="634906"/>
-          </a:xfrm>
-          <a:prstGeom prst="rect">
-            <a:avLst/>
-          </a:prstGeom>
-        </p:spPr>
-      </p:pic>
-      <p:pic>
-        <p:nvPicPr>
-          <p:cNvPr id="10" name="Object 9"/>
-          <p:cNvPicPr>
-            <a:picLocks noChangeAspect="1"/>
-          </p:cNvPicPr>
-          <p:nvPr/>
-        </p:nvPicPr>
-        <p:blipFill>
-          <a:blip r:embed="rId6" cstate="print"/>
-          <a:stretch>
-            <a:fillRect/>
-          </a:stretch>
-        </p:blipFill>
-        <p:spPr>
-          <a:xfrm>
-            <a:off x="668872" y="1809982"/>
-            <a:ext cx="6362502" cy="761885"/>
-          </a:xfrm>
-          <a:prstGeom prst="rect">
-            <a:avLst/>
-          </a:prstGeom>
-        </p:spPr>
-      </p:pic>
-      <p:pic>
-        <p:nvPicPr>
-          <p:cNvPr id="11" name="Object 10"/>
-          <p:cNvPicPr>
-            <a:picLocks noChangeAspect="1"/>
-          </p:cNvPicPr>
-          <p:nvPr/>
-        </p:nvPicPr>
-        <p:blipFill>
-          <a:blip r:embed="rId7" cstate="print"/>
-          <a:stretch>
-            <a:fillRect/>
-          </a:stretch>
-        </p:blipFill>
-        <p:spPr>
-          <a:xfrm>
-            <a:off x="643693" y="1078821"/>
-            <a:ext cx="2049728" cy="888867"/>
-          </a:xfrm>
-          <a:prstGeom prst="rect">
-            <a:avLst/>
-          </a:prstGeom>
-        </p:spPr>
-      </p:pic>
-      <p:pic>
-        <p:nvPicPr>
-          <p:cNvPr id="12" name="Object 11"/>
-          <p:cNvPicPr>
-            <a:picLocks noChangeAspect="1"/>
-          </p:cNvPicPr>
-          <p:nvPr/>
-        </p:nvPicPr>
-        <p:blipFill>
-          <a:blip r:embed="rId8" cstate="print"/>
-          <a:stretch>
-            <a:fillRect/>
-          </a:stretch>
-        </p:blipFill>
-        <p:spPr>
-          <a:xfrm>
-            <a:off x="676491" y="2389030"/>
-            <a:ext cx="2877640" cy="761885"/>
-          </a:xfrm>
-          <a:prstGeom prst="rect">
-            <a:avLst/>
-          </a:prstGeom>
-        </p:spPr>
-      </p:pic>
-      <p:pic>
-        <p:nvPicPr>
-          <p:cNvPr id="13" name="Object 12"/>
+            <a:ext cx="2035191" cy="634906"/>
+          </a:xfrm>
+          <a:prstGeom prst="rect">
+            <a:avLst/>
+          </a:prstGeom>
+        </p:spPr>
+      </p:pic>
+      <p:grpSp>
+        <p:nvGrpSpPr>
+          <p:cNvPr id="1005" name="그룹 1005"/>
+          <p:cNvGrpSpPr/>
+          <p:nvPr/>
+        </p:nvGrpSpPr>
+        <p:grpSpPr>
+          <a:xfrm>
+            <a:off x="15279985" y="1081235"/>
+            <a:ext cx="2128940" cy="1613031"/>
+            <a:chOff x="15279985" y="1081235"/>
+            <a:chExt cx="2128940" cy="1613031"/>
+          </a:xfrm>
+        </p:grpSpPr>
+        <p:pic>
+          <p:nvPicPr>
+            <p:cNvPr id="17" name="Object 16"/>
+            <p:cNvPicPr>
+              <a:picLocks noChangeAspect="1"/>
+            </p:cNvPicPr>
+            <p:nvPr/>
+          </p:nvPicPr>
+          <p:blipFill>
+            <a:blip r:embed="rId8" cstate="print"/>
+            <a:stretch>
+              <a:fillRect/>
+            </a:stretch>
+          </p:blipFill>
+          <p:spPr>
+            <a:xfrm>
+              <a:off x="15279985" y="1081235"/>
+              <a:ext cx="2128940" cy="1613031"/>
+            </a:xfrm>
+            <a:prstGeom prst="rect">
+              <a:avLst/>
+            </a:prstGeom>
+          </p:spPr>
+        </p:pic>
+      </p:grpSp>
+      <p:pic>
+        <p:nvPicPr>
+          <p:cNvPr id="19" name="Object 18"/>
           <p:cNvPicPr>
             <a:picLocks noChangeAspect="1"/>
           </p:cNvPicPr>
@@ -6658,17 +6392,17 @@
         </p:blipFill>
         <p:spPr>
           <a:xfrm>
-            <a:off x="676491" y="5531887"/>
-            <a:ext cx="3755713" cy="761885"/>
-          </a:xfrm>
-          <a:prstGeom prst="rect">
-            <a:avLst/>
-          </a:prstGeom>
-        </p:spPr>
-      </p:pic>
-      <p:pic>
-        <p:nvPicPr>
-          <p:cNvPr id="14" name="Object 13"/>
+            <a:off x="14860266" y="2620668"/>
+            <a:ext cx="2287490" cy="634905"/>
+          </a:xfrm>
+          <a:prstGeom prst="rect">
+            <a:avLst/>
+          </a:prstGeom>
+        </p:spPr>
+      </p:pic>
+      <p:pic>
+        <p:nvPicPr>
+          <p:cNvPr id="20" name="Object 19"/>
           <p:cNvPicPr>
             <a:picLocks noChangeAspect="1"/>
           </p:cNvPicPr>
@@ -6682,89 +6416,149 @@
         </p:blipFill>
         <p:spPr>
           <a:xfrm>
-            <a:off x="651312" y="4800725"/>
-            <a:ext cx="2993261" cy="888867"/>
-          </a:xfrm>
-          <a:prstGeom prst="rect">
-            <a:avLst/>
-          </a:prstGeom>
-        </p:spPr>
-      </p:pic>
-      <p:pic>
-        <p:nvPicPr>
-          <p:cNvPr id="15" name="Object 14"/>
-          <p:cNvPicPr>
-            <a:picLocks noChangeAspect="1"/>
-          </p:cNvPicPr>
-          <p:nvPr/>
-        </p:nvPicPr>
-        <p:blipFill>
-          <a:blip r:embed="rId11" cstate="print"/>
-          <a:stretch>
-            <a:fillRect/>
-          </a:stretch>
-        </p:blipFill>
-        <p:spPr>
-          <a:xfrm>
-            <a:off x="683348" y="6110935"/>
-            <a:ext cx="13225563" cy="761885"/>
-          </a:xfrm>
-          <a:prstGeom prst="rect">
-            <a:avLst/>
-          </a:prstGeom>
-        </p:spPr>
-      </p:pic>
-      <p:pic>
-        <p:nvPicPr>
-          <p:cNvPr id="16" name="Object 15"/>
-          <p:cNvPicPr>
-            <a:picLocks noChangeAspect="1"/>
-          </p:cNvPicPr>
-          <p:nvPr/>
-        </p:nvPicPr>
-        <p:blipFill>
-          <a:blip r:embed="rId12" cstate="print"/>
-          <a:stretch>
-            <a:fillRect/>
-          </a:stretch>
-        </p:blipFill>
-        <p:spPr>
-          <a:xfrm>
-            <a:off x="684110" y="2968078"/>
-            <a:ext cx="4421219" cy="761885"/>
-          </a:xfrm>
-          <a:prstGeom prst="rect">
-            <a:avLst/>
-          </a:prstGeom>
-        </p:spPr>
-      </p:pic>
-      <p:pic>
-        <p:nvPicPr>
-          <p:cNvPr id="17" name="Object 16"/>
-          <p:cNvPicPr>
-            <a:picLocks noChangeAspect="1"/>
-          </p:cNvPicPr>
-          <p:nvPr/>
-        </p:nvPicPr>
-        <p:blipFill>
-          <a:blip r:embed="rId13" cstate="print"/>
-          <a:stretch>
-            <a:fillRect/>
-          </a:stretch>
-        </p:blipFill>
-        <p:spPr>
-          <a:xfrm>
-            <a:off x="691729" y="3547125"/>
-            <a:ext cx="5605569" cy="761885"/>
-          </a:xfrm>
-          <a:prstGeom prst="rect">
-            <a:avLst/>
-          </a:prstGeom>
-        </p:spPr>
-      </p:pic>
-      <p:pic>
-        <p:nvPicPr>
-          <p:cNvPr id="18" name="Object 17"/>
+            <a:off x="10765010" y="5462583"/>
+            <a:ext cx="1956704" cy="634905"/>
+          </a:xfrm>
+          <a:prstGeom prst="rect">
+            <a:avLst/>
+          </a:prstGeom>
+        </p:spPr>
+      </p:pic>
+      <p:grpSp>
+        <p:nvGrpSpPr>
+          <p:cNvPr id="1006" name="그룹 1006"/>
+          <p:cNvGrpSpPr/>
+          <p:nvPr/>
+        </p:nvGrpSpPr>
+        <p:grpSpPr>
+          <a:xfrm>
+            <a:off x="11326895" y="3590504"/>
+            <a:ext cx="1800000" cy="2055554"/>
+            <a:chOff x="11326895" y="3590504"/>
+            <a:chExt cx="1800000" cy="2055554"/>
+          </a:xfrm>
+        </p:grpSpPr>
+        <p:grpSp>
+          <p:nvGrpSpPr>
+            <p:cNvPr id="1007" name="그룹 1007"/>
+            <p:cNvGrpSpPr/>
+            <p:nvPr/>
+          </p:nvGrpSpPr>
+          <p:grpSpPr>
+            <a:xfrm>
+              <a:off x="11326895" y="3590504"/>
+              <a:ext cx="1798322" cy="1787949"/>
+              <a:chOff x="11326895" y="3590504"/>
+              <a:chExt cx="1798322" cy="1787949"/>
+            </a:xfrm>
+          </p:grpSpPr>
+          <p:pic>
+            <p:nvPicPr>
+              <p:cNvPr id="23" name="Object 22"/>
+              <p:cNvPicPr>
+                <a:picLocks noChangeAspect="1"/>
+              </p:cNvPicPr>
+              <p:nvPr/>
+            </p:nvPicPr>
+            <p:blipFill>
+              <a:blip r:embed="rId11" cstate="print"/>
+              <a:stretch>
+                <a:fillRect/>
+              </a:stretch>
+            </p:blipFill>
+            <p:spPr>
+              <a:xfrm>
+                <a:off x="11326895" y="3590504"/>
+                <a:ext cx="1798322" cy="1787949"/>
+              </a:xfrm>
+              <a:prstGeom prst="rect">
+                <a:avLst/>
+              </a:prstGeom>
+            </p:spPr>
+          </p:pic>
+        </p:grpSp>
+        <p:grpSp>
+          <p:nvGrpSpPr>
+            <p:cNvPr id="1008" name="그룹 1008"/>
+            <p:cNvGrpSpPr/>
+            <p:nvPr/>
+          </p:nvGrpSpPr>
+          <p:grpSpPr>
+            <a:xfrm>
+              <a:off x="11644233" y="5217486"/>
+              <a:ext cx="1163646" cy="426155"/>
+              <a:chOff x="11644233" y="5217486"/>
+              <a:chExt cx="1163646" cy="426155"/>
+            </a:xfrm>
+          </p:grpSpPr>
+          <p:pic>
+            <p:nvPicPr>
+              <p:cNvPr id="26" name="Object 25"/>
+              <p:cNvPicPr>
+                <a:picLocks noChangeAspect="1"/>
+              </p:cNvPicPr>
+              <p:nvPr/>
+            </p:nvPicPr>
+            <p:blipFill>
+              <a:blip r:embed="rId12" cstate="print"/>
+              <a:stretch>
+                <a:fillRect/>
+              </a:stretch>
+            </p:blipFill>
+            <p:spPr>
+              <a:xfrm>
+                <a:off x="11644233" y="5217486"/>
+                <a:ext cx="1163646" cy="426155"/>
+              </a:xfrm>
+              <a:prstGeom prst="rect">
+                <a:avLst/>
+              </a:prstGeom>
+            </p:spPr>
+          </p:pic>
+        </p:grpSp>
+      </p:grpSp>
+      <p:grpSp>
+        <p:nvGrpSpPr>
+          <p:cNvPr id="1009" name="그룹 1009"/>
+          <p:cNvGrpSpPr/>
+          <p:nvPr/>
+        </p:nvGrpSpPr>
+        <p:grpSpPr>
+          <a:xfrm>
+            <a:off x="2535290" y="2999877"/>
+            <a:ext cx="2552305" cy="2554975"/>
+            <a:chOff x="2535290" y="2999877"/>
+            <a:chExt cx="2552305" cy="2554975"/>
+          </a:xfrm>
+        </p:grpSpPr>
+        <p:pic>
+          <p:nvPicPr>
+            <p:cNvPr id="30" name="Object 29"/>
+            <p:cNvPicPr>
+              <a:picLocks noChangeAspect="1"/>
+            </p:cNvPicPr>
+            <p:nvPr/>
+          </p:nvPicPr>
+          <p:blipFill>
+            <a:blip r:embed="rId13" cstate="print"/>
+            <a:stretch>
+              <a:fillRect/>
+            </a:stretch>
+          </p:blipFill>
+          <p:spPr>
+            <a:xfrm>
+              <a:off x="2535290" y="2999877"/>
+              <a:ext cx="2552305" cy="2554975"/>
+            </a:xfrm>
+            <a:prstGeom prst="rect">
+              <a:avLst/>
+            </a:prstGeom>
+          </p:spPr>
+        </p:pic>
+      </p:grpSp>
+      <p:pic>
+        <p:nvPicPr>
+          <p:cNvPr id="32" name="Object 31"/>
           <p:cNvPicPr>
             <a:picLocks noChangeAspect="1"/>
           </p:cNvPicPr>
@@ -6778,41 +6572,56 @@
         </p:blipFill>
         <p:spPr>
           <a:xfrm>
-            <a:off x="698586" y="4116649"/>
-            <a:ext cx="10463730" cy="761885"/>
-          </a:xfrm>
-          <a:prstGeom prst="rect">
-            <a:avLst/>
-          </a:prstGeom>
-        </p:spPr>
-      </p:pic>
-      <p:pic>
-        <p:nvPicPr>
-          <p:cNvPr id="19" name="Object 18"/>
-          <p:cNvPicPr>
-            <a:picLocks noChangeAspect="1"/>
-          </p:cNvPicPr>
-          <p:nvPr/>
-        </p:nvPicPr>
-        <p:blipFill>
-          <a:blip r:embed="rId15" cstate="print"/>
-          <a:stretch>
-            <a:fillRect/>
-          </a:stretch>
-        </p:blipFill>
-        <p:spPr>
-          <a:xfrm>
-            <a:off x="658931" y="6903583"/>
-            <a:ext cx="2049728" cy="888867"/>
-          </a:xfrm>
-          <a:prstGeom prst="rect">
-            <a:avLst/>
-          </a:prstGeom>
-        </p:spPr>
-      </p:pic>
-      <p:pic>
-        <p:nvPicPr>
-          <p:cNvPr id="20" name="Object 19"/>
+            <a:off x="2340776" y="5285017"/>
+            <a:ext cx="2384789" cy="634905"/>
+          </a:xfrm>
+          <a:prstGeom prst="rect">
+            <a:avLst/>
+          </a:prstGeom>
+        </p:spPr>
+      </p:pic>
+      <p:grpSp>
+        <p:nvGrpSpPr>
+          <p:cNvPr id="1010" name="그룹 1010"/>
+          <p:cNvGrpSpPr/>
+          <p:nvPr/>
+        </p:nvGrpSpPr>
+        <p:grpSpPr>
+          <a:xfrm>
+            <a:off x="2403632" y="6864569"/>
+            <a:ext cx="2848355" cy="817856"/>
+            <a:chOff x="2403632" y="6864569"/>
+            <a:chExt cx="2848355" cy="817856"/>
+          </a:xfrm>
+        </p:grpSpPr>
+        <p:pic>
+          <p:nvPicPr>
+            <p:cNvPr id="34" name="Object 33"/>
+            <p:cNvPicPr>
+              <a:picLocks noChangeAspect="1"/>
+            </p:cNvPicPr>
+            <p:nvPr/>
+          </p:nvPicPr>
+          <p:blipFill>
+            <a:blip r:embed="rId15" cstate="print"/>
+            <a:stretch>
+              <a:fillRect/>
+            </a:stretch>
+          </p:blipFill>
+          <p:spPr>
+            <a:xfrm>
+              <a:off x="2403632" y="6864569"/>
+              <a:ext cx="2848355" cy="817856"/>
+            </a:xfrm>
+            <a:prstGeom prst="rect">
+              <a:avLst/>
+            </a:prstGeom>
+          </p:spPr>
+        </p:pic>
+      </p:grpSp>
+      <p:pic>
+        <p:nvPicPr>
+          <p:cNvPr id="36" name="Object 35"/>
           <p:cNvPicPr>
             <a:picLocks noChangeAspect="1"/>
           </p:cNvPicPr>
@@ -6826,17 +6635,17 @@
         </p:blipFill>
         <p:spPr>
           <a:xfrm>
-            <a:off x="684110" y="7634744"/>
-            <a:ext cx="3614383" cy="761885"/>
-          </a:xfrm>
-          <a:prstGeom prst="rect">
-            <a:avLst/>
-          </a:prstGeom>
-        </p:spPr>
-      </p:pic>
-      <p:pic>
-        <p:nvPicPr>
-          <p:cNvPr id="21" name="Object 20"/>
+            <a:off x="2340776" y="6789572"/>
+            <a:ext cx="2726686" cy="634905"/>
+          </a:xfrm>
+          <a:prstGeom prst="rect">
+            <a:avLst/>
+          </a:prstGeom>
+        </p:spPr>
+      </p:pic>
+      <p:pic>
+        <p:nvPicPr>
+          <p:cNvPr id="37" name="Object 36"/>
           <p:cNvPicPr>
             <a:picLocks noChangeAspect="1"/>
           </p:cNvPicPr>
@@ -6850,14 +6659,1379 @@
         </p:blipFill>
         <p:spPr>
           <a:xfrm>
-            <a:off x="690967" y="8118554"/>
-            <a:ext cx="16686807" cy="761885"/>
-          </a:xfrm>
-          <a:prstGeom prst="rect">
-            <a:avLst/>
-          </a:prstGeom>
-        </p:spPr>
-      </p:pic>
+            <a:off x="2348395" y="7178143"/>
+            <a:ext cx="2120034" cy="634905"/>
+          </a:xfrm>
+          <a:prstGeom prst="rect">
+            <a:avLst/>
+          </a:prstGeom>
+        </p:spPr>
+      </p:pic>
+      <p:grpSp>
+        <p:nvGrpSpPr>
+          <p:cNvPr id="1011" name="그룹 1011"/>
+          <p:cNvGrpSpPr/>
+          <p:nvPr/>
+        </p:nvGrpSpPr>
+        <p:grpSpPr>
+          <a:xfrm>
+            <a:off x="2396013" y="6178142"/>
+            <a:ext cx="2848355" cy="477616"/>
+            <a:chOff x="2396013" y="6178142"/>
+            <a:chExt cx="2848355" cy="477616"/>
+          </a:xfrm>
+        </p:grpSpPr>
+        <p:pic>
+          <p:nvPicPr>
+            <p:cNvPr id="39" name="Object 38"/>
+            <p:cNvPicPr>
+              <a:picLocks noChangeAspect="1"/>
+            </p:cNvPicPr>
+            <p:nvPr/>
+          </p:nvPicPr>
+          <p:blipFill>
+            <a:blip r:embed="rId18" cstate="print"/>
+            <a:stretch>
+              <a:fillRect/>
+            </a:stretch>
+          </p:blipFill>
+          <p:spPr>
+            <a:xfrm>
+              <a:off x="2396013" y="6178142"/>
+              <a:ext cx="2848355" cy="477616"/>
+            </a:xfrm>
+            <a:prstGeom prst="rect">
+              <a:avLst/>
+            </a:prstGeom>
+          </p:spPr>
+        </p:pic>
+      </p:grpSp>
+      <p:grpSp>
+        <p:nvGrpSpPr>
+          <p:cNvPr id="1012" name="그룹 1012"/>
+          <p:cNvGrpSpPr/>
+          <p:nvPr/>
+        </p:nvGrpSpPr>
+        <p:grpSpPr>
+          <a:xfrm>
+            <a:off x="2411251" y="7919807"/>
+            <a:ext cx="2848355" cy="437383"/>
+            <a:chOff x="2411251" y="7919807"/>
+            <a:chExt cx="2848355" cy="437383"/>
+          </a:xfrm>
+        </p:grpSpPr>
+        <p:pic>
+          <p:nvPicPr>
+            <p:cNvPr id="42" name="Object 41"/>
+            <p:cNvPicPr>
+              <a:picLocks noChangeAspect="1"/>
+            </p:cNvPicPr>
+            <p:nvPr/>
+          </p:nvPicPr>
+          <p:blipFill>
+            <a:blip r:embed="rId19" cstate="print"/>
+            <a:stretch>
+              <a:fillRect/>
+            </a:stretch>
+          </p:blipFill>
+          <p:spPr>
+            <a:xfrm>
+              <a:off x="2411251" y="7919807"/>
+              <a:ext cx="2848355" cy="437383"/>
+            </a:xfrm>
+            <a:prstGeom prst="rect">
+              <a:avLst/>
+            </a:prstGeom>
+          </p:spPr>
+        </p:pic>
+      </p:grpSp>
+      <p:pic>
+        <p:nvPicPr>
+          <p:cNvPr id="44" name="Object 43"/>
+          <p:cNvPicPr>
+            <a:picLocks noChangeAspect="1"/>
+          </p:cNvPicPr>
+          <p:nvPr/>
+        </p:nvPicPr>
+        <p:blipFill>
+          <a:blip r:embed="rId20" cstate="print"/>
+          <a:stretch>
+            <a:fillRect/>
+          </a:stretch>
+        </p:blipFill>
+        <p:spPr>
+          <a:xfrm>
+            <a:off x="2348395" y="6130524"/>
+            <a:ext cx="2791129" cy="634905"/>
+          </a:xfrm>
+          <a:prstGeom prst="rect">
+            <a:avLst/>
+          </a:prstGeom>
+        </p:spPr>
+      </p:pic>
+      <p:pic>
+        <p:nvPicPr>
+          <p:cNvPr id="45" name="Object 44"/>
+          <p:cNvPicPr>
+            <a:picLocks noChangeAspect="1"/>
+          </p:cNvPicPr>
+          <p:nvPr/>
+        </p:nvPicPr>
+        <p:blipFill>
+          <a:blip r:embed="rId21" cstate="print"/>
+          <a:stretch>
+            <a:fillRect/>
+          </a:stretch>
+        </p:blipFill>
+        <p:spPr>
+          <a:xfrm>
+            <a:off x="2356014" y="7852429"/>
+            <a:ext cx="2635895" cy="634906"/>
+          </a:xfrm>
+          <a:prstGeom prst="rect">
+            <a:avLst/>
+          </a:prstGeom>
+        </p:spPr>
+      </p:pic>
+      <p:grpSp>
+        <p:nvGrpSpPr>
+          <p:cNvPr id="1013" name="그룹 1013"/>
+          <p:cNvGrpSpPr/>
+          <p:nvPr/>
+        </p:nvGrpSpPr>
+        <p:grpSpPr>
+          <a:xfrm>
+            <a:off x="6853470" y="968381"/>
+            <a:ext cx="2462183" cy="1846637"/>
+            <a:chOff x="6853470" y="968381"/>
+            <a:chExt cx="2462183" cy="1846637"/>
+          </a:xfrm>
+        </p:grpSpPr>
+        <p:pic>
+          <p:nvPicPr>
+            <p:cNvPr id="47" name="Object 46"/>
+            <p:cNvPicPr>
+              <a:picLocks noChangeAspect="1"/>
+            </p:cNvPicPr>
+            <p:nvPr/>
+          </p:nvPicPr>
+          <p:blipFill>
+            <a:blip r:embed="rId22" cstate="print"/>
+            <a:stretch>
+              <a:fillRect/>
+            </a:stretch>
+          </p:blipFill>
+          <p:spPr>
+            <a:xfrm>
+              <a:off x="6853470" y="968381"/>
+              <a:ext cx="2462183" cy="1846637"/>
+            </a:xfrm>
+            <a:prstGeom prst="rect">
+              <a:avLst/>
+            </a:prstGeom>
+          </p:spPr>
+        </p:pic>
+      </p:grpSp>
+      <p:pic>
+        <p:nvPicPr>
+          <p:cNvPr id="49" name="Object 48"/>
+          <p:cNvPicPr>
+            <a:picLocks noChangeAspect="1"/>
+          </p:cNvPicPr>
+          <p:nvPr/>
+        </p:nvPicPr>
+        <p:blipFill>
+          <a:blip r:embed="rId23" cstate="print"/>
+          <a:stretch>
+            <a:fillRect/>
+          </a:stretch>
+        </p:blipFill>
+        <p:spPr>
+          <a:xfrm>
+            <a:off x="6639156" y="2485074"/>
+            <a:ext cx="2075432" cy="634905"/>
+          </a:xfrm>
+          <a:prstGeom prst="rect">
+            <a:avLst/>
+          </a:prstGeom>
+        </p:spPr>
+      </p:pic>
+      <p:grpSp>
+        <p:nvGrpSpPr>
+          <p:cNvPr id="1014" name="그룹 1014"/>
+          <p:cNvGrpSpPr/>
+          <p:nvPr/>
+        </p:nvGrpSpPr>
+        <p:grpSpPr>
+          <a:xfrm>
+            <a:off x="6648952" y="3274726"/>
+            <a:ext cx="2848355" cy="477616"/>
+            <a:chOff x="6648952" y="3274726"/>
+            <a:chExt cx="2848355" cy="477616"/>
+          </a:xfrm>
+        </p:grpSpPr>
+        <p:pic>
+          <p:nvPicPr>
+            <p:cNvPr id="51" name="Object 50"/>
+            <p:cNvPicPr>
+              <a:picLocks noChangeAspect="1"/>
+            </p:cNvPicPr>
+            <p:nvPr/>
+          </p:nvPicPr>
+          <p:blipFill>
+            <a:blip r:embed="rId24" cstate="print"/>
+            <a:stretch>
+              <a:fillRect/>
+            </a:stretch>
+          </p:blipFill>
+          <p:spPr>
+            <a:xfrm>
+              <a:off x="6648952" y="3274726"/>
+              <a:ext cx="2848355" cy="477616"/>
+            </a:xfrm>
+            <a:prstGeom prst="rect">
+              <a:avLst/>
+            </a:prstGeom>
+          </p:spPr>
+        </p:pic>
+      </p:grpSp>
+      <p:pic>
+        <p:nvPicPr>
+          <p:cNvPr id="53" name="Object 52"/>
+          <p:cNvPicPr>
+            <a:picLocks noChangeAspect="1"/>
+          </p:cNvPicPr>
+          <p:nvPr/>
+        </p:nvPicPr>
+        <p:blipFill>
+          <a:blip r:embed="rId25" cstate="print"/>
+          <a:stretch>
+            <a:fillRect/>
+          </a:stretch>
+        </p:blipFill>
+        <p:spPr>
+          <a:xfrm>
+            <a:off x="6601325" y="3227108"/>
+            <a:ext cx="2726685" cy="634905"/>
+          </a:xfrm>
+          <a:prstGeom prst="rect">
+            <a:avLst/>
+          </a:prstGeom>
+        </p:spPr>
+      </p:pic>
+      <p:grpSp>
+        <p:nvGrpSpPr>
+          <p:cNvPr id="1015" name="그룹 1015"/>
+          <p:cNvGrpSpPr/>
+          <p:nvPr/>
+        </p:nvGrpSpPr>
+        <p:grpSpPr>
+          <a:xfrm>
+            <a:off x="6647047" y="3663297"/>
+            <a:ext cx="2848355" cy="477616"/>
+            <a:chOff x="6647047" y="3663297"/>
+            <a:chExt cx="2848355" cy="477616"/>
+          </a:xfrm>
+        </p:grpSpPr>
+        <p:pic>
+          <p:nvPicPr>
+            <p:cNvPr id="55" name="Object 54"/>
+            <p:cNvPicPr>
+              <a:picLocks noChangeAspect="1"/>
+            </p:cNvPicPr>
+            <p:nvPr/>
+          </p:nvPicPr>
+          <p:blipFill>
+            <a:blip r:embed="rId26" cstate="print"/>
+            <a:stretch>
+              <a:fillRect/>
+            </a:stretch>
+          </p:blipFill>
+          <p:spPr>
+            <a:xfrm>
+              <a:off x="6647047" y="3663297"/>
+              <a:ext cx="2848355" cy="477616"/>
+            </a:xfrm>
+            <a:prstGeom prst="rect">
+              <a:avLst/>
+            </a:prstGeom>
+          </p:spPr>
+        </p:pic>
+      </p:grpSp>
+      <p:pic>
+        <p:nvPicPr>
+          <p:cNvPr id="57" name="Object 56"/>
+          <p:cNvPicPr>
+            <a:picLocks noChangeAspect="1"/>
+          </p:cNvPicPr>
+          <p:nvPr/>
+        </p:nvPicPr>
+        <p:blipFill>
+          <a:blip r:embed="rId27" cstate="print"/>
+          <a:stretch>
+            <a:fillRect/>
+          </a:stretch>
+        </p:blipFill>
+        <p:spPr>
+          <a:xfrm>
+            <a:off x="6599420" y="3615679"/>
+            <a:ext cx="2208920" cy="634905"/>
+          </a:xfrm>
+          <a:prstGeom prst="rect">
+            <a:avLst/>
+          </a:prstGeom>
+        </p:spPr>
+      </p:pic>
+      <p:grpSp>
+        <p:nvGrpSpPr>
+          <p:cNvPr id="1016" name="그룹 1016"/>
+          <p:cNvGrpSpPr/>
+          <p:nvPr/>
+        </p:nvGrpSpPr>
+        <p:grpSpPr>
+          <a:xfrm>
+            <a:off x="6664190" y="4432821"/>
+            <a:ext cx="2848355" cy="477616"/>
+            <a:chOff x="6664190" y="4432821"/>
+            <a:chExt cx="2848355" cy="477616"/>
+          </a:xfrm>
+        </p:grpSpPr>
+        <p:pic>
+          <p:nvPicPr>
+            <p:cNvPr id="59" name="Object 58"/>
+            <p:cNvPicPr>
+              <a:picLocks noChangeAspect="1"/>
+            </p:cNvPicPr>
+            <p:nvPr/>
+          </p:nvPicPr>
+          <p:blipFill>
+            <a:blip r:embed="rId28" cstate="print"/>
+            <a:stretch>
+              <a:fillRect/>
+            </a:stretch>
+          </p:blipFill>
+          <p:spPr>
+            <a:xfrm>
+              <a:off x="6664190" y="4432821"/>
+              <a:ext cx="2848355" cy="477616"/>
+            </a:xfrm>
+            <a:prstGeom prst="rect">
+              <a:avLst/>
+            </a:prstGeom>
+          </p:spPr>
+        </p:pic>
+      </p:grpSp>
+      <p:pic>
+        <p:nvPicPr>
+          <p:cNvPr id="61" name="Object 60"/>
+          <p:cNvPicPr>
+            <a:picLocks noChangeAspect="1"/>
+          </p:cNvPicPr>
+          <p:nvPr/>
+        </p:nvPicPr>
+        <p:blipFill>
+          <a:blip r:embed="rId29" cstate="print"/>
+          <a:stretch>
+            <a:fillRect/>
+          </a:stretch>
+        </p:blipFill>
+        <p:spPr>
+          <a:xfrm>
+            <a:off x="6616563" y="4385203"/>
+            <a:ext cx="2647004" cy="634905"/>
+          </a:xfrm>
+          <a:prstGeom prst="rect">
+            <a:avLst/>
+          </a:prstGeom>
+        </p:spPr>
+      </p:pic>
+      <p:grpSp>
+        <p:nvGrpSpPr>
+          <p:cNvPr id="1017" name="그룹 1017"/>
+          <p:cNvGrpSpPr/>
+          <p:nvPr/>
+        </p:nvGrpSpPr>
+        <p:grpSpPr>
+          <a:xfrm>
+            <a:off x="6662286" y="4821392"/>
+            <a:ext cx="2848355" cy="477616"/>
+            <a:chOff x="6662286" y="4821392"/>
+            <a:chExt cx="2848355" cy="477616"/>
+          </a:xfrm>
+        </p:grpSpPr>
+        <p:pic>
+          <p:nvPicPr>
+            <p:cNvPr id="63" name="Object 62"/>
+            <p:cNvPicPr>
+              <a:picLocks noChangeAspect="1"/>
+            </p:cNvPicPr>
+            <p:nvPr/>
+          </p:nvPicPr>
+          <p:blipFill>
+            <a:blip r:embed="rId30" cstate="print"/>
+            <a:stretch>
+              <a:fillRect/>
+            </a:stretch>
+          </p:blipFill>
+          <p:spPr>
+            <a:xfrm>
+              <a:off x="6662286" y="4821392"/>
+              <a:ext cx="2848355" cy="477616"/>
+            </a:xfrm>
+            <a:prstGeom prst="rect">
+              <a:avLst/>
+            </a:prstGeom>
+          </p:spPr>
+        </p:pic>
+      </p:grpSp>
+      <p:pic>
+        <p:nvPicPr>
+          <p:cNvPr id="65" name="Object 64"/>
+          <p:cNvPicPr>
+            <a:picLocks noChangeAspect="1"/>
+          </p:cNvPicPr>
+          <p:nvPr/>
+        </p:nvPicPr>
+        <p:blipFill>
+          <a:blip r:embed="rId31" cstate="print"/>
+          <a:stretch>
+            <a:fillRect/>
+          </a:stretch>
+        </p:blipFill>
+        <p:spPr>
+          <a:xfrm>
+            <a:off x="6614658" y="4773775"/>
+            <a:ext cx="2248760" cy="634905"/>
+          </a:xfrm>
+          <a:prstGeom prst="rect">
+            <a:avLst/>
+          </a:prstGeom>
+        </p:spPr>
+      </p:pic>
+      <p:grpSp>
+        <p:nvGrpSpPr>
+          <p:cNvPr id="1018" name="그룹 1018"/>
+          <p:cNvGrpSpPr/>
+          <p:nvPr/>
+        </p:nvGrpSpPr>
+        <p:grpSpPr>
+          <a:xfrm>
+            <a:off x="6671809" y="5488059"/>
+            <a:ext cx="2848355" cy="477616"/>
+            <a:chOff x="6671809" y="5488059"/>
+            <a:chExt cx="2848355" cy="477616"/>
+          </a:xfrm>
+        </p:grpSpPr>
+        <p:pic>
+          <p:nvPicPr>
+            <p:cNvPr id="67" name="Object 66"/>
+            <p:cNvPicPr>
+              <a:picLocks noChangeAspect="1"/>
+            </p:cNvPicPr>
+            <p:nvPr/>
+          </p:nvPicPr>
+          <p:blipFill>
+            <a:blip r:embed="rId32" cstate="print"/>
+            <a:stretch>
+              <a:fillRect/>
+            </a:stretch>
+          </p:blipFill>
+          <p:spPr>
+            <a:xfrm>
+              <a:off x="6671809" y="5488059"/>
+              <a:ext cx="2848355" cy="477616"/>
+            </a:xfrm>
+            <a:prstGeom prst="rect">
+              <a:avLst/>
+            </a:prstGeom>
+          </p:spPr>
+        </p:pic>
+      </p:grpSp>
+      <p:pic>
+        <p:nvPicPr>
+          <p:cNvPr id="69" name="Object 68"/>
+          <p:cNvPicPr>
+            <a:picLocks noChangeAspect="1"/>
+          </p:cNvPicPr>
+          <p:nvPr/>
+        </p:nvPicPr>
+        <p:blipFill>
+          <a:blip r:embed="rId33" cstate="print"/>
+          <a:stretch>
+            <a:fillRect/>
+          </a:stretch>
+        </p:blipFill>
+        <p:spPr>
+          <a:xfrm>
+            <a:off x="6624182" y="5440441"/>
+            <a:ext cx="2976045" cy="634905"/>
+          </a:xfrm>
+          <a:prstGeom prst="rect">
+            <a:avLst/>
+          </a:prstGeom>
+        </p:spPr>
+      </p:pic>
+      <p:grpSp>
+        <p:nvGrpSpPr>
+          <p:cNvPr id="1019" name="그룹 1019"/>
+          <p:cNvGrpSpPr/>
+          <p:nvPr/>
+        </p:nvGrpSpPr>
+        <p:grpSpPr>
+          <a:xfrm>
+            <a:off x="6671809" y="5869011"/>
+            <a:ext cx="2848355" cy="477616"/>
+            <a:chOff x="6671809" y="5869011"/>
+            <a:chExt cx="2848355" cy="477616"/>
+          </a:xfrm>
+        </p:grpSpPr>
+        <p:pic>
+          <p:nvPicPr>
+            <p:cNvPr id="71" name="Object 70"/>
+            <p:cNvPicPr>
+              <a:picLocks noChangeAspect="1"/>
+            </p:cNvPicPr>
+            <p:nvPr/>
+          </p:nvPicPr>
+          <p:blipFill>
+            <a:blip r:embed="rId34" cstate="print"/>
+            <a:stretch>
+              <a:fillRect/>
+            </a:stretch>
+          </p:blipFill>
+          <p:spPr>
+            <a:xfrm>
+              <a:off x="6671809" y="5869011"/>
+              <a:ext cx="2848355" cy="477616"/>
+            </a:xfrm>
+            <a:prstGeom prst="rect">
+              <a:avLst/>
+            </a:prstGeom>
+          </p:spPr>
+        </p:pic>
+      </p:grpSp>
+      <p:pic>
+        <p:nvPicPr>
+          <p:cNvPr id="73" name="Object 72"/>
+          <p:cNvPicPr>
+            <a:picLocks noChangeAspect="1"/>
+          </p:cNvPicPr>
+          <p:nvPr/>
+        </p:nvPicPr>
+        <p:blipFill>
+          <a:blip r:embed="rId35" cstate="print"/>
+          <a:stretch>
+            <a:fillRect/>
+          </a:stretch>
+        </p:blipFill>
+        <p:spPr>
+          <a:xfrm>
+            <a:off x="6624182" y="5821394"/>
+            <a:ext cx="2922078" cy="634905"/>
+          </a:xfrm>
+          <a:prstGeom prst="rect">
+            <a:avLst/>
+          </a:prstGeom>
+        </p:spPr>
+      </p:pic>
+      <p:grpSp>
+        <p:nvGrpSpPr>
+          <p:cNvPr id="1020" name="그룹 1020"/>
+          <p:cNvGrpSpPr/>
+          <p:nvPr/>
+        </p:nvGrpSpPr>
+        <p:grpSpPr>
+          <a:xfrm>
+            <a:off x="14917099" y="3447902"/>
+            <a:ext cx="2848355" cy="477616"/>
+            <a:chOff x="14917099" y="3447902"/>
+            <a:chExt cx="2848355" cy="477616"/>
+          </a:xfrm>
+        </p:grpSpPr>
+        <p:pic>
+          <p:nvPicPr>
+            <p:cNvPr id="75" name="Object 74"/>
+            <p:cNvPicPr>
+              <a:picLocks noChangeAspect="1"/>
+            </p:cNvPicPr>
+            <p:nvPr/>
+          </p:nvPicPr>
+          <p:blipFill>
+            <a:blip r:embed="rId36" cstate="print"/>
+            <a:stretch>
+              <a:fillRect/>
+            </a:stretch>
+          </p:blipFill>
+          <p:spPr>
+            <a:xfrm>
+              <a:off x="14917099" y="3447902"/>
+              <a:ext cx="2848355" cy="477616"/>
+            </a:xfrm>
+            <a:prstGeom prst="rect">
+              <a:avLst/>
+            </a:prstGeom>
+          </p:spPr>
+        </p:pic>
+      </p:grpSp>
+      <p:pic>
+        <p:nvPicPr>
+          <p:cNvPr id="77" name="Object 76"/>
+          <p:cNvPicPr>
+            <a:picLocks noChangeAspect="1"/>
+          </p:cNvPicPr>
+          <p:nvPr/>
+        </p:nvPicPr>
+        <p:blipFill>
+          <a:blip r:embed="rId37" cstate="print"/>
+          <a:stretch>
+            <a:fillRect/>
+          </a:stretch>
+        </p:blipFill>
+        <p:spPr>
+          <a:xfrm>
+            <a:off x="14869472" y="3400285"/>
+            <a:ext cx="2726685" cy="634905"/>
+          </a:xfrm>
+          <a:prstGeom prst="rect">
+            <a:avLst/>
+          </a:prstGeom>
+        </p:spPr>
+      </p:pic>
+      <p:grpSp>
+        <p:nvGrpSpPr>
+          <p:cNvPr id="1021" name="그룹 1021"/>
+          <p:cNvGrpSpPr/>
+          <p:nvPr/>
+        </p:nvGrpSpPr>
+        <p:grpSpPr>
+          <a:xfrm>
+            <a:off x="14924718" y="4122188"/>
+            <a:ext cx="2848355" cy="477616"/>
+            <a:chOff x="14924718" y="4122188"/>
+            <a:chExt cx="2848355" cy="477616"/>
+          </a:xfrm>
+        </p:grpSpPr>
+        <p:pic>
+          <p:nvPicPr>
+            <p:cNvPr id="79" name="Object 78"/>
+            <p:cNvPicPr>
+              <a:picLocks noChangeAspect="1"/>
+            </p:cNvPicPr>
+            <p:nvPr/>
+          </p:nvPicPr>
+          <p:blipFill>
+            <a:blip r:embed="rId38" cstate="print"/>
+            <a:stretch>
+              <a:fillRect/>
+            </a:stretch>
+          </p:blipFill>
+          <p:spPr>
+            <a:xfrm>
+              <a:off x="14924718" y="4122188"/>
+              <a:ext cx="2848355" cy="477616"/>
+            </a:xfrm>
+            <a:prstGeom prst="rect">
+              <a:avLst/>
+            </a:prstGeom>
+          </p:spPr>
+        </p:pic>
+      </p:grpSp>
+      <p:pic>
+        <p:nvPicPr>
+          <p:cNvPr id="81" name="Object 80"/>
+          <p:cNvPicPr>
+            <a:picLocks noChangeAspect="1"/>
+          </p:cNvPicPr>
+          <p:nvPr/>
+        </p:nvPicPr>
+        <p:blipFill>
+          <a:blip r:embed="rId39" cstate="print"/>
+          <a:stretch>
+            <a:fillRect/>
+          </a:stretch>
+        </p:blipFill>
+        <p:spPr>
+          <a:xfrm>
+            <a:off x="14877091" y="4074570"/>
+            <a:ext cx="2580657" cy="634905"/>
+          </a:xfrm>
+          <a:prstGeom prst="rect">
+            <a:avLst/>
+          </a:prstGeom>
+        </p:spPr>
+      </p:pic>
+      <p:grpSp>
+        <p:nvGrpSpPr>
+          <p:cNvPr id="1022" name="그룹 1022"/>
+          <p:cNvGrpSpPr/>
+          <p:nvPr/>
+        </p:nvGrpSpPr>
+        <p:grpSpPr>
+          <a:xfrm>
+            <a:off x="14932337" y="4796474"/>
+            <a:ext cx="2848355" cy="477616"/>
+            <a:chOff x="14932337" y="4796474"/>
+            <a:chExt cx="2848355" cy="477616"/>
+          </a:xfrm>
+        </p:grpSpPr>
+        <p:pic>
+          <p:nvPicPr>
+            <p:cNvPr id="83" name="Object 82"/>
+            <p:cNvPicPr>
+              <a:picLocks noChangeAspect="1"/>
+            </p:cNvPicPr>
+            <p:nvPr/>
+          </p:nvPicPr>
+          <p:blipFill>
+            <a:blip r:embed="rId40" cstate="print"/>
+            <a:stretch>
+              <a:fillRect/>
+            </a:stretch>
+          </p:blipFill>
+          <p:spPr>
+            <a:xfrm>
+              <a:off x="14932337" y="4796474"/>
+              <a:ext cx="2848355" cy="477616"/>
+            </a:xfrm>
+            <a:prstGeom prst="rect">
+              <a:avLst/>
+            </a:prstGeom>
+          </p:spPr>
+        </p:pic>
+      </p:grpSp>
+      <p:pic>
+        <p:nvPicPr>
+          <p:cNvPr id="85" name="Object 84"/>
+          <p:cNvPicPr>
+            <a:picLocks noChangeAspect="1"/>
+          </p:cNvPicPr>
+          <p:nvPr/>
+        </p:nvPicPr>
+        <p:blipFill>
+          <a:blip r:embed="rId41" cstate="print"/>
+          <a:stretch>
+            <a:fillRect/>
+          </a:stretch>
+        </p:blipFill>
+        <p:spPr>
+          <a:xfrm>
+            <a:off x="14884710" y="4748856"/>
+            <a:ext cx="2580657" cy="634905"/>
+          </a:xfrm>
+          <a:prstGeom prst="rect">
+            <a:avLst/>
+          </a:prstGeom>
+        </p:spPr>
+      </p:pic>
+      <p:grpSp>
+        <p:nvGrpSpPr>
+          <p:cNvPr id="1023" name="그룹 1023"/>
+          <p:cNvGrpSpPr/>
+          <p:nvPr/>
+        </p:nvGrpSpPr>
+        <p:grpSpPr>
+          <a:xfrm>
+            <a:off x="10818338" y="6306077"/>
+            <a:ext cx="2848355" cy="477616"/>
+            <a:chOff x="10818338" y="6306077"/>
+            <a:chExt cx="2848355" cy="477616"/>
+          </a:xfrm>
+        </p:grpSpPr>
+        <p:pic>
+          <p:nvPicPr>
+            <p:cNvPr id="87" name="Object 86"/>
+            <p:cNvPicPr>
+              <a:picLocks noChangeAspect="1"/>
+            </p:cNvPicPr>
+            <p:nvPr/>
+          </p:nvPicPr>
+          <p:blipFill>
+            <a:blip r:embed="rId42" cstate="print"/>
+            <a:stretch>
+              <a:fillRect/>
+            </a:stretch>
+          </p:blipFill>
+          <p:spPr>
+            <a:xfrm>
+              <a:off x="10818338" y="6306077"/>
+              <a:ext cx="2848355" cy="477616"/>
+            </a:xfrm>
+            <a:prstGeom prst="rect">
+              <a:avLst/>
+            </a:prstGeom>
+          </p:spPr>
+        </p:pic>
+      </p:grpSp>
+      <p:pic>
+        <p:nvPicPr>
+          <p:cNvPr id="89" name="Object 88"/>
+          <p:cNvPicPr>
+            <a:picLocks noChangeAspect="1"/>
+          </p:cNvPicPr>
+          <p:nvPr/>
+        </p:nvPicPr>
+        <p:blipFill>
+          <a:blip r:embed="rId43" cstate="print"/>
+          <a:stretch>
+            <a:fillRect/>
+          </a:stretch>
+        </p:blipFill>
+        <p:spPr>
+          <a:xfrm>
+            <a:off x="10770720" y="6258459"/>
+            <a:ext cx="2394789" cy="634905"/>
+          </a:xfrm>
+          <a:prstGeom prst="rect">
+            <a:avLst/>
+          </a:prstGeom>
+        </p:spPr>
+      </p:pic>
+      <p:grpSp>
+        <p:nvGrpSpPr>
+          <p:cNvPr id="1024" name="그룹 1024"/>
+          <p:cNvGrpSpPr/>
+          <p:nvPr/>
+        </p:nvGrpSpPr>
+        <p:grpSpPr>
+          <a:xfrm>
+            <a:off x="10818338" y="6972744"/>
+            <a:ext cx="2848355" cy="520790"/>
+            <a:chOff x="10818338" y="6972744"/>
+            <a:chExt cx="2848355" cy="520790"/>
+          </a:xfrm>
+        </p:grpSpPr>
+        <p:pic>
+          <p:nvPicPr>
+            <p:cNvPr id="91" name="Object 90"/>
+            <p:cNvPicPr>
+              <a:picLocks noChangeAspect="1"/>
+            </p:cNvPicPr>
+            <p:nvPr/>
+          </p:nvPicPr>
+          <p:blipFill>
+            <a:blip r:embed="rId44" cstate="print"/>
+            <a:stretch>
+              <a:fillRect/>
+            </a:stretch>
+          </p:blipFill>
+          <p:spPr>
+            <a:xfrm>
+              <a:off x="10818338" y="6972744"/>
+              <a:ext cx="2848355" cy="520790"/>
+            </a:xfrm>
+            <a:prstGeom prst="rect">
+              <a:avLst/>
+            </a:prstGeom>
+          </p:spPr>
+        </p:pic>
+      </p:grpSp>
+      <p:pic>
+        <p:nvPicPr>
+          <p:cNvPr id="93" name="Object 92"/>
+          <p:cNvPicPr>
+            <a:picLocks noChangeAspect="1"/>
+          </p:cNvPicPr>
+          <p:nvPr/>
+        </p:nvPicPr>
+        <p:blipFill>
+          <a:blip r:embed="rId45" cstate="print"/>
+          <a:stretch>
+            <a:fillRect/>
+          </a:stretch>
+        </p:blipFill>
+        <p:spPr>
+          <a:xfrm>
+            <a:off x="10770720" y="6944173"/>
+            <a:ext cx="3018742" cy="634905"/>
+          </a:xfrm>
+          <a:prstGeom prst="rect">
+            <a:avLst/>
+          </a:prstGeom>
+        </p:spPr>
+      </p:pic>
+      <p:grpSp>
+        <p:nvGrpSpPr>
+          <p:cNvPr id="1025" name="그룹 1025"/>
+          <p:cNvGrpSpPr/>
+          <p:nvPr/>
+        </p:nvGrpSpPr>
+        <p:grpSpPr>
+          <a:xfrm>
+            <a:off x="10825957" y="7647029"/>
+            <a:ext cx="2848355" cy="520790"/>
+            <a:chOff x="10825957" y="7647029"/>
+            <a:chExt cx="2848355" cy="520790"/>
+          </a:xfrm>
+        </p:grpSpPr>
+        <p:pic>
+          <p:nvPicPr>
+            <p:cNvPr id="95" name="Object 94"/>
+            <p:cNvPicPr>
+              <a:picLocks noChangeAspect="1"/>
+            </p:cNvPicPr>
+            <p:nvPr/>
+          </p:nvPicPr>
+          <p:blipFill>
+            <a:blip r:embed="rId46" cstate="print"/>
+            <a:stretch>
+              <a:fillRect/>
+            </a:stretch>
+          </p:blipFill>
+          <p:spPr>
+            <a:xfrm>
+              <a:off x="10825957" y="7647029"/>
+              <a:ext cx="2848355" cy="520790"/>
+            </a:xfrm>
+            <a:prstGeom prst="rect">
+              <a:avLst/>
+            </a:prstGeom>
+          </p:spPr>
+        </p:pic>
+      </p:grpSp>
+      <p:pic>
+        <p:nvPicPr>
+          <p:cNvPr id="97" name="Object 96"/>
+          <p:cNvPicPr>
+            <a:picLocks noChangeAspect="1"/>
+          </p:cNvPicPr>
+          <p:nvPr/>
+        </p:nvPicPr>
+        <p:blipFill>
+          <a:blip r:embed="rId47" cstate="print"/>
+          <a:stretch>
+            <a:fillRect/>
+          </a:stretch>
+        </p:blipFill>
+        <p:spPr>
+          <a:xfrm>
+            <a:off x="10778339" y="7618459"/>
+            <a:ext cx="2580658" cy="634905"/>
+          </a:xfrm>
+          <a:prstGeom prst="rect">
+            <a:avLst/>
+          </a:prstGeom>
+        </p:spPr>
+      </p:pic>
+      <p:grpSp>
+        <p:nvGrpSpPr>
+          <p:cNvPr id="1026" name="그룹 1026"/>
+          <p:cNvGrpSpPr/>
+          <p:nvPr/>
+        </p:nvGrpSpPr>
+        <p:grpSpPr>
+          <a:xfrm>
+            <a:off x="6451228" y="3040767"/>
+            <a:ext cx="3228571" cy="3500192"/>
+            <a:chOff x="6451228" y="3040767"/>
+            <a:chExt cx="3228571" cy="3500192"/>
+          </a:xfrm>
+        </p:grpSpPr>
+        <p:pic>
+          <p:nvPicPr>
+            <p:cNvPr id="99" name="Object 98"/>
+            <p:cNvPicPr>
+              <a:picLocks noChangeAspect="1"/>
+            </p:cNvPicPr>
+            <p:nvPr/>
+          </p:nvPicPr>
+          <p:blipFill>
+            <a:blip r:embed="rId48" cstate="print"/>
+            <a:stretch>
+              <a:fillRect/>
+            </a:stretch>
+          </p:blipFill>
+          <p:spPr>
+            <a:xfrm>
+              <a:off x="6451228" y="3040767"/>
+              <a:ext cx="3228571" cy="3500192"/>
+            </a:xfrm>
+            <a:prstGeom prst="rect">
+              <a:avLst/>
+            </a:prstGeom>
+          </p:spPr>
+        </p:pic>
+      </p:grpSp>
+      <p:grpSp>
+        <p:nvGrpSpPr>
+          <p:cNvPr id="1027" name="그룹 1027"/>
+          <p:cNvGrpSpPr/>
+          <p:nvPr/>
+        </p:nvGrpSpPr>
+        <p:grpSpPr>
+          <a:xfrm>
+            <a:off x="14730169" y="3248157"/>
+            <a:ext cx="3228571" cy="2220060"/>
+            <a:chOff x="14730169" y="3248157"/>
+            <a:chExt cx="3228571" cy="2220060"/>
+          </a:xfrm>
+        </p:grpSpPr>
+        <p:pic>
+          <p:nvPicPr>
+            <p:cNvPr id="102" name="Object 101"/>
+            <p:cNvPicPr>
+              <a:picLocks noChangeAspect="1"/>
+            </p:cNvPicPr>
+            <p:nvPr/>
+          </p:nvPicPr>
+          <p:blipFill>
+            <a:blip r:embed="rId49" cstate="print"/>
+            <a:stretch>
+              <a:fillRect/>
+            </a:stretch>
+          </p:blipFill>
+          <p:spPr>
+            <a:xfrm>
+              <a:off x="14730169" y="3248157"/>
+              <a:ext cx="3228571" cy="2220060"/>
+            </a:xfrm>
+            <a:prstGeom prst="rect">
+              <a:avLst/>
+            </a:prstGeom>
+          </p:spPr>
+        </p:pic>
+      </p:grpSp>
+      <p:grpSp>
+        <p:nvGrpSpPr>
+          <p:cNvPr id="1028" name="그룹 1028"/>
+          <p:cNvGrpSpPr/>
+          <p:nvPr/>
+        </p:nvGrpSpPr>
+        <p:grpSpPr>
+          <a:xfrm>
+            <a:off x="2418870" y="8575045"/>
+            <a:ext cx="2848355" cy="437383"/>
+            <a:chOff x="2418870" y="8575045"/>
+            <a:chExt cx="2848355" cy="437383"/>
+          </a:xfrm>
+        </p:grpSpPr>
+        <p:pic>
+          <p:nvPicPr>
+            <p:cNvPr id="105" name="Object 104"/>
+            <p:cNvPicPr>
+              <a:picLocks noChangeAspect="1"/>
+            </p:cNvPicPr>
+            <p:nvPr/>
+          </p:nvPicPr>
+          <p:blipFill>
+            <a:blip r:embed="rId50" cstate="print"/>
+            <a:stretch>
+              <a:fillRect/>
+            </a:stretch>
+          </p:blipFill>
+          <p:spPr>
+            <a:xfrm>
+              <a:off x="2418870" y="8575045"/>
+              <a:ext cx="2848355" cy="437383"/>
+            </a:xfrm>
+            <a:prstGeom prst="rect">
+              <a:avLst/>
+            </a:prstGeom>
+          </p:spPr>
+        </p:pic>
+      </p:grpSp>
+      <p:pic>
+        <p:nvPicPr>
+          <p:cNvPr id="107" name="Object 106"/>
+          <p:cNvPicPr>
+            <a:picLocks noChangeAspect="1"/>
+          </p:cNvPicPr>
+          <p:nvPr/>
+        </p:nvPicPr>
+        <p:blipFill>
+          <a:blip r:embed="rId51" cstate="print"/>
+          <a:stretch>
+            <a:fillRect/>
+          </a:stretch>
+        </p:blipFill>
+        <p:spPr>
+          <a:xfrm>
+            <a:off x="2363633" y="8507667"/>
+            <a:ext cx="2726684" cy="634904"/>
+          </a:xfrm>
+          <a:prstGeom prst="rect">
+            <a:avLst/>
+          </a:prstGeom>
+        </p:spPr>
+      </p:pic>
+      <p:grpSp>
+        <p:nvGrpSpPr>
+          <p:cNvPr id="1029" name="그룹 1029"/>
+          <p:cNvGrpSpPr/>
+          <p:nvPr/>
+        </p:nvGrpSpPr>
+        <p:grpSpPr>
+          <a:xfrm>
+            <a:off x="4531841" y="1858633"/>
+            <a:ext cx="2642682" cy="2054656"/>
+            <a:chOff x="4531841" y="1858633"/>
+            <a:chExt cx="2642682" cy="2054656"/>
+          </a:xfrm>
+        </p:grpSpPr>
+        <p:grpSp>
+          <p:nvGrpSpPr>
+            <p:cNvPr id="1030" name="그룹 1030"/>
+            <p:cNvGrpSpPr/>
+            <p:nvPr/>
+          </p:nvGrpSpPr>
+          <p:grpSpPr>
+            <a:xfrm>
+              <a:off x="5058077" y="2373754"/>
+              <a:ext cx="2096877" cy="692985"/>
+              <a:chOff x="5058077" y="2373754"/>
+              <a:chExt cx="2096877" cy="692985"/>
+            </a:xfrm>
+          </p:grpSpPr>
+          <p:pic>
+            <p:nvPicPr>
+              <p:cNvPr id="110" name="Object 109"/>
+              <p:cNvPicPr>
+                <a:picLocks noChangeAspect="1"/>
+              </p:cNvPicPr>
+              <p:nvPr/>
+            </p:nvPicPr>
+            <p:blipFill>
+              <a:blip r:embed="rId52" cstate="print"/>
+              <a:stretch>
+                <a:fillRect/>
+              </a:stretch>
+            </p:blipFill>
+            <p:spPr>
+              <a:xfrm rot="-1980000">
+                <a:off x="5058077" y="2373754"/>
+                <a:ext cx="2096877" cy="692985"/>
+              </a:xfrm>
+              <a:prstGeom prst="rect">
+                <a:avLst/>
+              </a:prstGeom>
+            </p:spPr>
+          </p:pic>
+        </p:grpSp>
+        <p:grpSp>
+          <p:nvGrpSpPr>
+            <p:cNvPr id="1031" name="그룹 1031"/>
+            <p:cNvGrpSpPr/>
+            <p:nvPr/>
+          </p:nvGrpSpPr>
+          <p:grpSpPr>
+            <a:xfrm>
+              <a:off x="4551410" y="2705183"/>
+              <a:ext cx="2096877" cy="692985"/>
+              <a:chOff x="4551410" y="2705183"/>
+              <a:chExt cx="2096877" cy="692985"/>
+            </a:xfrm>
+          </p:grpSpPr>
+          <p:pic>
+            <p:nvPicPr>
+              <p:cNvPr id="113" name="Object 112"/>
+              <p:cNvPicPr>
+                <a:picLocks noChangeAspect="1"/>
+              </p:cNvPicPr>
+              <p:nvPr/>
+            </p:nvPicPr>
+            <p:blipFill>
+              <a:blip r:embed="rId53" cstate="print"/>
+              <a:stretch>
+                <a:fillRect/>
+              </a:stretch>
+            </p:blipFill>
+            <p:spPr>
+              <a:xfrm rot="-12780000">
+                <a:off x="4551410" y="2705183"/>
+                <a:ext cx="2096877" cy="692985"/>
+              </a:xfrm>
+              <a:prstGeom prst="rect">
+                <a:avLst/>
+              </a:prstGeom>
+            </p:spPr>
+          </p:pic>
+        </p:grpSp>
+      </p:grpSp>
+      <p:grpSp>
+        <p:nvGrpSpPr>
+          <p:cNvPr id="1032" name="그룹 1032"/>
+          <p:cNvGrpSpPr/>
+          <p:nvPr/>
+        </p:nvGrpSpPr>
+        <p:grpSpPr>
+          <a:xfrm>
+            <a:off x="9070064" y="1887750"/>
+            <a:ext cx="2612237" cy="2115997"/>
+            <a:chOff x="9070064" y="1887750"/>
+            <a:chExt cx="2612237" cy="2115997"/>
+          </a:xfrm>
+        </p:grpSpPr>
+        <p:grpSp>
+          <p:nvGrpSpPr>
+            <p:cNvPr id="1033" name="그룹 1033"/>
+            <p:cNvGrpSpPr/>
+            <p:nvPr/>
+          </p:nvGrpSpPr>
+          <p:grpSpPr>
+            <a:xfrm>
+              <a:off x="9576292" y="2772065"/>
+              <a:ext cx="2096877" cy="692985"/>
+              <a:chOff x="9576292" y="2772065"/>
+              <a:chExt cx="2096877" cy="692985"/>
+            </a:xfrm>
+          </p:grpSpPr>
+          <p:pic>
+            <p:nvPicPr>
+              <p:cNvPr id="118" name="Object 117"/>
+              <p:cNvPicPr>
+                <a:picLocks noChangeAspect="1"/>
+              </p:cNvPicPr>
+              <p:nvPr/>
+            </p:nvPicPr>
+            <p:blipFill>
+              <a:blip r:embed="rId54" cstate="print"/>
+              <a:stretch>
+                <a:fillRect/>
+              </a:stretch>
+            </p:blipFill>
+            <p:spPr>
+              <a:xfrm rot="2100000">
+                <a:off x="9576292" y="2772065"/>
+                <a:ext cx="2096877" cy="692985"/>
+              </a:xfrm>
+              <a:prstGeom prst="rect">
+                <a:avLst/>
+              </a:prstGeom>
+            </p:spPr>
+          </p:pic>
+        </p:grpSp>
+        <p:grpSp>
+          <p:nvGrpSpPr>
+            <p:cNvPr id="1034" name="그룹 1034"/>
+            <p:cNvGrpSpPr/>
+            <p:nvPr/>
+          </p:nvGrpSpPr>
+          <p:grpSpPr>
+            <a:xfrm>
+              <a:off x="9079196" y="2426447"/>
+              <a:ext cx="2096877" cy="692985"/>
+              <a:chOff x="9079196" y="2426447"/>
+              <a:chExt cx="2096877" cy="692985"/>
+            </a:xfrm>
+          </p:grpSpPr>
+          <p:pic>
+            <p:nvPicPr>
+              <p:cNvPr id="121" name="Object 120"/>
+              <p:cNvPicPr>
+                <a:picLocks noChangeAspect="1"/>
+              </p:cNvPicPr>
+              <p:nvPr/>
+            </p:nvPicPr>
+            <p:blipFill>
+              <a:blip r:embed="rId55" cstate="print"/>
+              <a:stretch>
+                <a:fillRect/>
+              </a:stretch>
+            </p:blipFill>
+            <p:spPr>
+              <a:xfrm rot="-8700000">
+                <a:off x="9079196" y="2426447"/>
+                <a:ext cx="2096877" cy="692985"/>
+              </a:xfrm>
+              <a:prstGeom prst="rect">
+                <a:avLst/>
+              </a:prstGeom>
+            </p:spPr>
+          </p:pic>
+        </p:grpSp>
+      </p:grpSp>
+      <p:grpSp>
+        <p:nvGrpSpPr>
+          <p:cNvPr id="1035" name="그룹 1035"/>
+          <p:cNvGrpSpPr/>
+          <p:nvPr/>
+        </p:nvGrpSpPr>
+        <p:grpSpPr>
+          <a:xfrm>
+            <a:off x="9169554" y="1308479"/>
+            <a:ext cx="5908554" cy="700604"/>
+            <a:chOff x="9169554" y="1308479"/>
+            <a:chExt cx="5908554" cy="700604"/>
+          </a:xfrm>
+        </p:grpSpPr>
+        <p:grpSp>
+          <p:nvGrpSpPr>
+            <p:cNvPr id="1036" name="그룹 1036"/>
+            <p:cNvGrpSpPr/>
+            <p:nvPr/>
+          </p:nvGrpSpPr>
+          <p:grpSpPr>
+            <a:xfrm>
+              <a:off x="9169554" y="1308479"/>
+              <a:ext cx="5598660" cy="692985"/>
+              <a:chOff x="9169554" y="1308479"/>
+              <a:chExt cx="5598660" cy="692985"/>
+            </a:xfrm>
+          </p:grpSpPr>
+          <p:pic>
+            <p:nvPicPr>
+              <p:cNvPr id="126" name="Object 125"/>
+              <p:cNvPicPr>
+                <a:picLocks noChangeAspect="1"/>
+              </p:cNvPicPr>
+              <p:nvPr/>
+            </p:nvPicPr>
+            <p:blipFill>
+              <a:blip r:embed="rId56" cstate="print"/>
+              <a:stretch>
+                <a:fillRect/>
+              </a:stretch>
+            </p:blipFill>
+            <p:spPr>
+              <a:xfrm rot="-10800000">
+                <a:off x="9169554" y="1308479"/>
+                <a:ext cx="5598660" cy="692985"/>
+              </a:xfrm>
+              <a:prstGeom prst="rect">
+                <a:avLst/>
+              </a:prstGeom>
+            </p:spPr>
+          </p:pic>
+        </p:grpSp>
+        <p:grpSp>
+          <p:nvGrpSpPr>
+            <p:cNvPr id="1037" name="그룹 1037"/>
+            <p:cNvGrpSpPr/>
+            <p:nvPr/>
+          </p:nvGrpSpPr>
+          <p:grpSpPr>
+            <a:xfrm>
+              <a:off x="9827279" y="1316098"/>
+              <a:ext cx="5250828" cy="692985"/>
+              <a:chOff x="9827279" y="1316098"/>
+              <a:chExt cx="5250828" cy="692985"/>
+            </a:xfrm>
+          </p:grpSpPr>
+          <p:pic>
+            <p:nvPicPr>
+              <p:cNvPr id="129" name="Object 128"/>
+              <p:cNvPicPr>
+                <a:picLocks noChangeAspect="1"/>
+              </p:cNvPicPr>
+              <p:nvPr/>
+            </p:nvPicPr>
+            <p:blipFill>
+              <a:blip r:embed="rId57" cstate="print"/>
+              <a:stretch>
+                <a:fillRect/>
+              </a:stretch>
+            </p:blipFill>
+            <p:spPr>
+              <a:xfrm>
+                <a:off x="9827279" y="1316098"/>
+                <a:ext cx="5250828" cy="692985"/>
+              </a:xfrm>
+              <a:prstGeom prst="rect">
+                <a:avLst/>
+              </a:prstGeom>
+            </p:spPr>
+          </p:pic>
+        </p:grpSp>
+      </p:grpSp>
     </p:spTree>
   </p:cSld>
   <p:clrMapOvr>
@@ -7010,7 +8184,7 @@
         <p:spPr>
           <a:xfrm>
             <a:off x="464645" y="207049"/>
-            <a:ext cx="1451077" cy="634906"/>
+            <a:ext cx="3150403" cy="634906"/>
           </a:xfrm>
           <a:prstGeom prst="rect">
             <a:avLst/>
@@ -7033,8 +8207,272 @@
         </p:blipFill>
         <p:spPr>
           <a:xfrm>
-            <a:off x="-7299870" y="-997511"/>
-            <a:ext cx="32885455" cy="12072081"/>
+            <a:off x="668872" y="1809982"/>
+            <a:ext cx="6362502" cy="761885"/>
+          </a:xfrm>
+          <a:prstGeom prst="rect">
+            <a:avLst/>
+          </a:prstGeom>
+        </p:spPr>
+      </p:pic>
+      <p:pic>
+        <p:nvPicPr>
+          <p:cNvPr id="11" name="Object 10"/>
+          <p:cNvPicPr>
+            <a:picLocks noChangeAspect="1"/>
+          </p:cNvPicPr>
+          <p:nvPr/>
+        </p:nvPicPr>
+        <p:blipFill>
+          <a:blip r:embed="rId7" cstate="print"/>
+          <a:stretch>
+            <a:fillRect/>
+          </a:stretch>
+        </p:blipFill>
+        <p:spPr>
+          <a:xfrm>
+            <a:off x="643693" y="1078821"/>
+            <a:ext cx="2049728" cy="888867"/>
+          </a:xfrm>
+          <a:prstGeom prst="rect">
+            <a:avLst/>
+          </a:prstGeom>
+        </p:spPr>
+      </p:pic>
+      <p:pic>
+        <p:nvPicPr>
+          <p:cNvPr id="12" name="Object 11"/>
+          <p:cNvPicPr>
+            <a:picLocks noChangeAspect="1"/>
+          </p:cNvPicPr>
+          <p:nvPr/>
+        </p:nvPicPr>
+        <p:blipFill>
+          <a:blip r:embed="rId8" cstate="print"/>
+          <a:stretch>
+            <a:fillRect/>
+          </a:stretch>
+        </p:blipFill>
+        <p:spPr>
+          <a:xfrm>
+            <a:off x="676491" y="2389030"/>
+            <a:ext cx="3903525" cy="761886"/>
+          </a:xfrm>
+          <a:prstGeom prst="rect">
+            <a:avLst/>
+          </a:prstGeom>
+        </p:spPr>
+      </p:pic>
+      <p:pic>
+        <p:nvPicPr>
+          <p:cNvPr id="13" name="Object 12"/>
+          <p:cNvPicPr>
+            <a:picLocks noChangeAspect="1"/>
+          </p:cNvPicPr>
+          <p:nvPr/>
+        </p:nvPicPr>
+        <p:blipFill>
+          <a:blip r:embed="rId9" cstate="print"/>
+          <a:stretch>
+            <a:fillRect/>
+          </a:stretch>
+        </p:blipFill>
+        <p:spPr>
+          <a:xfrm>
+            <a:off x="676491" y="5531887"/>
+            <a:ext cx="3755713" cy="761885"/>
+          </a:xfrm>
+          <a:prstGeom prst="rect">
+            <a:avLst/>
+          </a:prstGeom>
+        </p:spPr>
+      </p:pic>
+      <p:pic>
+        <p:nvPicPr>
+          <p:cNvPr id="14" name="Object 13"/>
+          <p:cNvPicPr>
+            <a:picLocks noChangeAspect="1"/>
+          </p:cNvPicPr>
+          <p:nvPr/>
+        </p:nvPicPr>
+        <p:blipFill>
+          <a:blip r:embed="rId10" cstate="print"/>
+          <a:stretch>
+            <a:fillRect/>
+          </a:stretch>
+        </p:blipFill>
+        <p:spPr>
+          <a:xfrm>
+            <a:off x="651312" y="4800725"/>
+            <a:ext cx="2993261" cy="888867"/>
+          </a:xfrm>
+          <a:prstGeom prst="rect">
+            <a:avLst/>
+          </a:prstGeom>
+        </p:spPr>
+      </p:pic>
+      <p:pic>
+        <p:nvPicPr>
+          <p:cNvPr id="15" name="Object 14"/>
+          <p:cNvPicPr>
+            <a:picLocks noChangeAspect="1"/>
+          </p:cNvPicPr>
+          <p:nvPr/>
+        </p:nvPicPr>
+        <p:blipFill>
+          <a:blip r:embed="rId11" cstate="print"/>
+          <a:stretch>
+            <a:fillRect/>
+          </a:stretch>
+        </p:blipFill>
+        <p:spPr>
+          <a:xfrm>
+            <a:off x="683348" y="6110935"/>
+            <a:ext cx="15280757" cy="761885"/>
+          </a:xfrm>
+          <a:prstGeom prst="rect">
+            <a:avLst/>
+          </a:prstGeom>
+        </p:spPr>
+      </p:pic>
+      <p:pic>
+        <p:nvPicPr>
+          <p:cNvPr id="16" name="Object 15"/>
+          <p:cNvPicPr>
+            <a:picLocks noChangeAspect="1"/>
+          </p:cNvPicPr>
+          <p:nvPr/>
+        </p:nvPicPr>
+        <p:blipFill>
+          <a:blip r:embed="rId12" cstate="print"/>
+          <a:stretch>
+            <a:fillRect/>
+          </a:stretch>
+        </p:blipFill>
+        <p:spPr>
+          <a:xfrm>
+            <a:off x="684110" y="2968078"/>
+            <a:ext cx="4421219" cy="761885"/>
+          </a:xfrm>
+          <a:prstGeom prst="rect">
+            <a:avLst/>
+          </a:prstGeom>
+        </p:spPr>
+      </p:pic>
+      <p:pic>
+        <p:nvPicPr>
+          <p:cNvPr id="17" name="Object 16"/>
+          <p:cNvPicPr>
+            <a:picLocks noChangeAspect="1"/>
+          </p:cNvPicPr>
+          <p:nvPr/>
+        </p:nvPicPr>
+        <p:blipFill>
+          <a:blip r:embed="rId13" cstate="print"/>
+          <a:stretch>
+            <a:fillRect/>
+          </a:stretch>
+        </p:blipFill>
+        <p:spPr>
+          <a:xfrm>
+            <a:off x="691729" y="3547125"/>
+            <a:ext cx="5605569" cy="761885"/>
+          </a:xfrm>
+          <a:prstGeom prst="rect">
+            <a:avLst/>
+          </a:prstGeom>
+        </p:spPr>
+      </p:pic>
+      <p:pic>
+        <p:nvPicPr>
+          <p:cNvPr id="18" name="Object 17"/>
+          <p:cNvPicPr>
+            <a:picLocks noChangeAspect="1"/>
+          </p:cNvPicPr>
+          <p:nvPr/>
+        </p:nvPicPr>
+        <p:blipFill>
+          <a:blip r:embed="rId14" cstate="print"/>
+          <a:stretch>
+            <a:fillRect/>
+          </a:stretch>
+        </p:blipFill>
+        <p:spPr>
+          <a:xfrm>
+            <a:off x="698586" y="4116649"/>
+            <a:ext cx="10463730" cy="761885"/>
+          </a:xfrm>
+          <a:prstGeom prst="rect">
+            <a:avLst/>
+          </a:prstGeom>
+        </p:spPr>
+      </p:pic>
+      <p:pic>
+        <p:nvPicPr>
+          <p:cNvPr id="19" name="Object 18"/>
+          <p:cNvPicPr>
+            <a:picLocks noChangeAspect="1"/>
+          </p:cNvPicPr>
+          <p:nvPr/>
+        </p:nvPicPr>
+        <p:blipFill>
+          <a:blip r:embed="rId15" cstate="print"/>
+          <a:stretch>
+            <a:fillRect/>
+          </a:stretch>
+        </p:blipFill>
+        <p:spPr>
+          <a:xfrm>
+            <a:off x="658931" y="6903583"/>
+            <a:ext cx="2049728" cy="888867"/>
+          </a:xfrm>
+          <a:prstGeom prst="rect">
+            <a:avLst/>
+          </a:prstGeom>
+        </p:spPr>
+      </p:pic>
+      <p:pic>
+        <p:nvPicPr>
+          <p:cNvPr id="20" name="Object 19"/>
+          <p:cNvPicPr>
+            <a:picLocks noChangeAspect="1"/>
+          </p:cNvPicPr>
+          <p:nvPr/>
+        </p:nvPicPr>
+        <p:blipFill>
+          <a:blip r:embed="rId16" cstate="print"/>
+          <a:stretch>
+            <a:fillRect/>
+          </a:stretch>
+        </p:blipFill>
+        <p:spPr>
+          <a:xfrm>
+            <a:off x="684110" y="7634744"/>
+            <a:ext cx="3614383" cy="761885"/>
+          </a:xfrm>
+          <a:prstGeom prst="rect">
+            <a:avLst/>
+          </a:prstGeom>
+        </p:spPr>
+      </p:pic>
+      <p:pic>
+        <p:nvPicPr>
+          <p:cNvPr id="21" name="Object 20"/>
+          <p:cNvPicPr>
+            <a:picLocks noChangeAspect="1"/>
+          </p:cNvPicPr>
+          <p:nvPr/>
+        </p:nvPicPr>
+        <p:blipFill>
+          <a:blip r:embed="rId17" cstate="print"/>
+          <a:stretch>
+            <a:fillRect/>
+          </a:stretch>
+        </p:blipFill>
+        <p:spPr>
+          <a:xfrm>
+            <a:off x="690967" y="8118554"/>
+            <a:ext cx="16686807" cy="761885"/>
           </a:xfrm>
           <a:prstGeom prst="rect">
             <a:avLst/>
@@ -7193,7 +8631,7 @@
         <p:spPr>
           <a:xfrm>
             <a:off x="464645" y="207049"/>
-            <a:ext cx="2698985" cy="634906"/>
+            <a:ext cx="1451077" cy="634906"/>
           </a:xfrm>
           <a:prstGeom prst="rect">
             <a:avLst/>
@@ -7216,326 +8654,14 @@
         </p:blipFill>
         <p:spPr>
           <a:xfrm>
-            <a:off x="-8119000" y="-1936820"/>
-            <a:ext cx="34579844" cy="13924971"/>
-          </a:xfrm>
-          <a:prstGeom prst="rect">
-            <a:avLst/>
-          </a:prstGeom>
-        </p:spPr>
-      </p:pic>
-      <p:grpSp>
-        <p:nvGrpSpPr>
-          <p:cNvPr id="1003" name="그룹 1003"/>
-          <p:cNvGrpSpPr/>
-          <p:nvPr/>
-        </p:nvGrpSpPr>
-        <p:grpSpPr>
-          <a:xfrm>
-            <a:off x="3208480" y="2426745"/>
-            <a:ext cx="2089139" cy="548170"/>
-            <a:chOff x="3208480" y="2426745"/>
-            <a:chExt cx="2089139" cy="548170"/>
-          </a:xfrm>
-        </p:grpSpPr>
-        <p:pic>
-          <p:nvPicPr>
-            <p:cNvPr id="12" name="Object 11"/>
-            <p:cNvPicPr>
-              <a:picLocks noChangeAspect="1"/>
-            </p:cNvPicPr>
-            <p:nvPr/>
-          </p:nvPicPr>
-          <p:blipFill>
-            <a:blip r:embed="rId7" cstate="print"/>
-            <a:stretch>
-              <a:fillRect/>
-            </a:stretch>
-          </p:blipFill>
-          <p:spPr>
-            <a:xfrm>
-              <a:off x="3208480" y="2426745"/>
-              <a:ext cx="2089139" cy="548170"/>
-            </a:xfrm>
-            <a:prstGeom prst="rect">
-              <a:avLst/>
-            </a:prstGeom>
-          </p:spPr>
-        </p:pic>
-      </p:grpSp>
-      <p:grpSp>
-        <p:nvGrpSpPr>
-          <p:cNvPr id="1004" name="그룹 1004"/>
-          <p:cNvGrpSpPr/>
-          <p:nvPr/>
-        </p:nvGrpSpPr>
-        <p:grpSpPr>
-          <a:xfrm>
-            <a:off x="3216099" y="3215316"/>
-            <a:ext cx="2089139" cy="548170"/>
-            <a:chOff x="3216099" y="3215316"/>
-            <a:chExt cx="2089139" cy="548170"/>
-          </a:xfrm>
-        </p:grpSpPr>
-        <p:pic>
-          <p:nvPicPr>
-            <p:cNvPr id="15" name="Object 14"/>
-            <p:cNvPicPr>
-              <a:picLocks noChangeAspect="1"/>
-            </p:cNvPicPr>
-            <p:nvPr/>
-          </p:nvPicPr>
-          <p:blipFill>
-            <a:blip r:embed="rId8" cstate="print"/>
-            <a:stretch>
-              <a:fillRect/>
-            </a:stretch>
-          </p:blipFill>
-          <p:spPr>
-            <a:xfrm>
-              <a:off x="3216099" y="3215316"/>
-              <a:ext cx="2089139" cy="548170"/>
-            </a:xfrm>
-            <a:prstGeom prst="rect">
-              <a:avLst/>
-            </a:prstGeom>
-          </p:spPr>
-        </p:pic>
-      </p:grpSp>
-      <p:grpSp>
-        <p:nvGrpSpPr>
-          <p:cNvPr id="1005" name="그룹 1005"/>
-          <p:cNvGrpSpPr/>
-          <p:nvPr/>
-        </p:nvGrpSpPr>
-        <p:grpSpPr>
-          <a:xfrm>
-            <a:off x="5309524" y="4037296"/>
-            <a:ext cx="10407143" cy="548170"/>
-            <a:chOff x="5309524" y="4037296"/>
-            <a:chExt cx="10407143" cy="548170"/>
-          </a:xfrm>
-        </p:grpSpPr>
-        <p:pic>
-          <p:nvPicPr>
-            <p:cNvPr id="18" name="Object 17"/>
-            <p:cNvPicPr>
-              <a:picLocks noChangeAspect="1"/>
-            </p:cNvPicPr>
-            <p:nvPr/>
-          </p:nvPicPr>
-          <p:blipFill>
-            <a:blip r:embed="rId9" cstate="print"/>
-            <a:stretch>
-              <a:fillRect/>
-            </a:stretch>
-          </p:blipFill>
-          <p:spPr>
-            <a:xfrm>
-              <a:off x="5309524" y="4037296"/>
-              <a:ext cx="10407143" cy="548170"/>
-            </a:xfrm>
-            <a:prstGeom prst="rect">
-              <a:avLst/>
-            </a:prstGeom>
-          </p:spPr>
-        </p:pic>
-      </p:grpSp>
-      <p:grpSp>
-        <p:nvGrpSpPr>
-          <p:cNvPr id="1006" name="그룹 1006"/>
-          <p:cNvGrpSpPr/>
-          <p:nvPr/>
-        </p:nvGrpSpPr>
-        <p:grpSpPr>
-          <a:xfrm>
-            <a:off x="6402381" y="4868772"/>
-            <a:ext cx="2089139" cy="548170"/>
-            <a:chOff x="6402381" y="4868772"/>
-            <a:chExt cx="2089139" cy="548170"/>
-          </a:xfrm>
-        </p:grpSpPr>
-        <p:pic>
-          <p:nvPicPr>
-            <p:cNvPr id="21" name="Object 20"/>
-            <p:cNvPicPr>
-              <a:picLocks noChangeAspect="1"/>
-            </p:cNvPicPr>
-            <p:nvPr/>
-          </p:nvPicPr>
-          <p:blipFill>
-            <a:blip r:embed="rId10" cstate="print"/>
-            <a:stretch>
-              <a:fillRect/>
-            </a:stretch>
-          </p:blipFill>
-          <p:spPr>
-            <a:xfrm>
-              <a:off x="6402381" y="4868772"/>
-              <a:ext cx="2089139" cy="548170"/>
-            </a:xfrm>
-            <a:prstGeom prst="rect">
-              <a:avLst/>
-            </a:prstGeom>
-          </p:spPr>
-        </p:pic>
-      </p:grpSp>
-      <p:grpSp>
-        <p:nvGrpSpPr>
-          <p:cNvPr id="1007" name="그룹 1007"/>
-          <p:cNvGrpSpPr/>
-          <p:nvPr/>
-        </p:nvGrpSpPr>
-        <p:grpSpPr>
-          <a:xfrm>
-            <a:off x="10513095" y="4868772"/>
-            <a:ext cx="2089139" cy="548170"/>
-            <a:chOff x="10513095" y="4868772"/>
-            <a:chExt cx="2089139" cy="548170"/>
-          </a:xfrm>
-        </p:grpSpPr>
-        <p:pic>
-          <p:nvPicPr>
-            <p:cNvPr id="24" name="Object 23"/>
-            <p:cNvPicPr>
-              <a:picLocks noChangeAspect="1"/>
-            </p:cNvPicPr>
-            <p:nvPr/>
-          </p:nvPicPr>
-          <p:blipFill>
-            <a:blip r:embed="rId11" cstate="print"/>
-            <a:stretch>
-              <a:fillRect/>
-            </a:stretch>
-          </p:blipFill>
-          <p:spPr>
-            <a:xfrm>
-              <a:off x="10513095" y="4868772"/>
-              <a:ext cx="2089139" cy="548170"/>
-            </a:xfrm>
-            <a:prstGeom prst="rect">
-              <a:avLst/>
-            </a:prstGeom>
-          </p:spPr>
-        </p:pic>
-      </p:grpSp>
-      <p:grpSp>
-        <p:nvGrpSpPr>
-          <p:cNvPr id="1008" name="그룹 1008"/>
-          <p:cNvGrpSpPr/>
-          <p:nvPr/>
-        </p:nvGrpSpPr>
-        <p:grpSpPr>
-          <a:xfrm>
-            <a:off x="11544966" y="5854439"/>
-            <a:ext cx="5331224" cy="548170"/>
-            <a:chOff x="11544966" y="5854439"/>
-            <a:chExt cx="5331224" cy="548170"/>
-          </a:xfrm>
-        </p:grpSpPr>
-        <p:pic>
-          <p:nvPicPr>
-            <p:cNvPr id="27" name="Object 26"/>
-            <p:cNvPicPr>
-              <a:picLocks noChangeAspect="1"/>
-            </p:cNvPicPr>
-            <p:nvPr/>
-          </p:nvPicPr>
-          <p:blipFill>
-            <a:blip r:embed="rId12" cstate="print"/>
-            <a:stretch>
-              <a:fillRect/>
-            </a:stretch>
-          </p:blipFill>
-          <p:spPr>
-            <a:xfrm>
-              <a:off x="11544966" y="5854439"/>
-              <a:ext cx="5331224" cy="548170"/>
-            </a:xfrm>
-            <a:prstGeom prst="rect">
-              <a:avLst/>
-            </a:prstGeom>
-          </p:spPr>
-        </p:pic>
-      </p:grpSp>
-      <p:grpSp>
-        <p:nvGrpSpPr>
-          <p:cNvPr id="1009" name="그룹 1009"/>
-          <p:cNvGrpSpPr/>
-          <p:nvPr/>
-        </p:nvGrpSpPr>
-        <p:grpSpPr>
-          <a:xfrm>
-            <a:off x="15726194" y="6828006"/>
-            <a:ext cx="2089139" cy="548170"/>
-            <a:chOff x="15726194" y="6828006"/>
-            <a:chExt cx="2089139" cy="548170"/>
-          </a:xfrm>
-        </p:grpSpPr>
-        <p:pic>
-          <p:nvPicPr>
-            <p:cNvPr id="30" name="Object 29"/>
-            <p:cNvPicPr>
-              <a:picLocks noChangeAspect="1"/>
-            </p:cNvPicPr>
-            <p:nvPr/>
-          </p:nvPicPr>
-          <p:blipFill>
-            <a:blip r:embed="rId13" cstate="print"/>
-            <a:stretch>
-              <a:fillRect/>
-            </a:stretch>
-          </p:blipFill>
-          <p:spPr>
-            <a:xfrm>
-              <a:off x="15726194" y="6828006"/>
-              <a:ext cx="2089139" cy="548170"/>
-            </a:xfrm>
-            <a:prstGeom prst="rect">
-              <a:avLst/>
-            </a:prstGeom>
-          </p:spPr>
-        </p:pic>
-      </p:grpSp>
-      <p:grpSp>
-        <p:nvGrpSpPr>
-          <p:cNvPr id="1010" name="그룹 1010"/>
-          <p:cNvGrpSpPr/>
-          <p:nvPr/>
-        </p:nvGrpSpPr>
-        <p:grpSpPr>
-          <a:xfrm>
-            <a:off x="15733813" y="7759435"/>
-            <a:ext cx="2089139" cy="548170"/>
-            <a:chOff x="15733813" y="7759435"/>
-            <a:chExt cx="2089139" cy="548170"/>
-          </a:xfrm>
-        </p:grpSpPr>
-        <p:pic>
-          <p:nvPicPr>
-            <p:cNvPr id="33" name="Object 32"/>
-            <p:cNvPicPr>
-              <a:picLocks noChangeAspect="1"/>
-            </p:cNvPicPr>
-            <p:nvPr/>
-          </p:nvPicPr>
-          <p:blipFill>
-            <a:blip r:embed="rId14" cstate="print"/>
-            <a:stretch>
-              <a:fillRect/>
-            </a:stretch>
-          </p:blipFill>
-          <p:spPr>
-            <a:xfrm>
-              <a:off x="15733813" y="7759435"/>
-              <a:ext cx="2089139" cy="548170"/>
-            </a:xfrm>
-            <a:prstGeom prst="rect">
-              <a:avLst/>
-            </a:prstGeom>
-          </p:spPr>
-        </p:pic>
-      </p:grpSp>
+            <a:off x="-7299870" y="-997511"/>
+            <a:ext cx="32885455" cy="12072081"/>
+          </a:xfrm>
+          <a:prstGeom prst="rect">
+            <a:avLst/>
+          </a:prstGeom>
+        </p:spPr>
+      </p:pic>
     </p:spTree>
   </p:cSld>
   <p:clrMapOvr>
@@ -7688,6 +8814,462 @@
         <p:spPr>
           <a:xfrm>
             <a:off x="464645" y="207049"/>
+            <a:ext cx="2698985" cy="634906"/>
+          </a:xfrm>
+          <a:prstGeom prst="rect">
+            <a:avLst/>
+          </a:prstGeom>
+        </p:spPr>
+      </p:pic>
+      <p:pic>
+        <p:nvPicPr>
+          <p:cNvPr id="10" name="Object 9"/>
+          <p:cNvPicPr>
+            <a:picLocks noChangeAspect="1"/>
+          </p:cNvPicPr>
+          <p:nvPr/>
+        </p:nvPicPr>
+        <p:blipFill>
+          <a:blip r:embed="rId6" cstate="print"/>
+          <a:stretch>
+            <a:fillRect/>
+          </a:stretch>
+        </p:blipFill>
+        <p:spPr>
+          <a:xfrm>
+            <a:off x="-8119000" y="-1936820"/>
+            <a:ext cx="34579844" cy="13924971"/>
+          </a:xfrm>
+          <a:prstGeom prst="rect">
+            <a:avLst/>
+          </a:prstGeom>
+        </p:spPr>
+      </p:pic>
+      <p:grpSp>
+        <p:nvGrpSpPr>
+          <p:cNvPr id="1003" name="그룹 1003"/>
+          <p:cNvGrpSpPr/>
+          <p:nvPr/>
+        </p:nvGrpSpPr>
+        <p:grpSpPr>
+          <a:xfrm>
+            <a:off x="3208480" y="2426745"/>
+            <a:ext cx="2089139" cy="548170"/>
+            <a:chOff x="3208480" y="2426745"/>
+            <a:chExt cx="2089139" cy="548170"/>
+          </a:xfrm>
+        </p:grpSpPr>
+        <p:pic>
+          <p:nvPicPr>
+            <p:cNvPr id="12" name="Object 11"/>
+            <p:cNvPicPr>
+              <a:picLocks noChangeAspect="1"/>
+            </p:cNvPicPr>
+            <p:nvPr/>
+          </p:nvPicPr>
+          <p:blipFill>
+            <a:blip r:embed="rId7" cstate="print"/>
+            <a:stretch>
+              <a:fillRect/>
+            </a:stretch>
+          </p:blipFill>
+          <p:spPr>
+            <a:xfrm>
+              <a:off x="3208480" y="2426745"/>
+              <a:ext cx="2089139" cy="548170"/>
+            </a:xfrm>
+            <a:prstGeom prst="rect">
+              <a:avLst/>
+            </a:prstGeom>
+          </p:spPr>
+        </p:pic>
+      </p:grpSp>
+      <p:grpSp>
+        <p:nvGrpSpPr>
+          <p:cNvPr id="1004" name="그룹 1004"/>
+          <p:cNvGrpSpPr/>
+          <p:nvPr/>
+        </p:nvGrpSpPr>
+        <p:grpSpPr>
+          <a:xfrm>
+            <a:off x="3216099" y="3215316"/>
+            <a:ext cx="2089139" cy="548170"/>
+            <a:chOff x="3216099" y="3215316"/>
+            <a:chExt cx="2089139" cy="548170"/>
+          </a:xfrm>
+        </p:grpSpPr>
+        <p:pic>
+          <p:nvPicPr>
+            <p:cNvPr id="15" name="Object 14"/>
+            <p:cNvPicPr>
+              <a:picLocks noChangeAspect="1"/>
+            </p:cNvPicPr>
+            <p:nvPr/>
+          </p:nvPicPr>
+          <p:blipFill>
+            <a:blip r:embed="rId8" cstate="print"/>
+            <a:stretch>
+              <a:fillRect/>
+            </a:stretch>
+          </p:blipFill>
+          <p:spPr>
+            <a:xfrm>
+              <a:off x="3216099" y="3215316"/>
+              <a:ext cx="2089139" cy="548170"/>
+            </a:xfrm>
+            <a:prstGeom prst="rect">
+              <a:avLst/>
+            </a:prstGeom>
+          </p:spPr>
+        </p:pic>
+      </p:grpSp>
+      <p:grpSp>
+        <p:nvGrpSpPr>
+          <p:cNvPr id="1005" name="그룹 1005"/>
+          <p:cNvGrpSpPr/>
+          <p:nvPr/>
+        </p:nvGrpSpPr>
+        <p:grpSpPr>
+          <a:xfrm>
+            <a:off x="5309524" y="4037296"/>
+            <a:ext cx="7445186" cy="548170"/>
+            <a:chOff x="5309524" y="4037296"/>
+            <a:chExt cx="7445186" cy="548170"/>
+          </a:xfrm>
+        </p:grpSpPr>
+        <p:pic>
+          <p:nvPicPr>
+            <p:cNvPr id="18" name="Object 17"/>
+            <p:cNvPicPr>
+              <a:picLocks noChangeAspect="1"/>
+            </p:cNvPicPr>
+            <p:nvPr/>
+          </p:nvPicPr>
+          <p:blipFill>
+            <a:blip r:embed="rId9" cstate="print"/>
+            <a:stretch>
+              <a:fillRect/>
+            </a:stretch>
+          </p:blipFill>
+          <p:spPr>
+            <a:xfrm>
+              <a:off x="5309524" y="4037296"/>
+              <a:ext cx="7445186" cy="548170"/>
+            </a:xfrm>
+            <a:prstGeom prst="rect">
+              <a:avLst/>
+            </a:prstGeom>
+          </p:spPr>
+        </p:pic>
+      </p:grpSp>
+      <p:grpSp>
+        <p:nvGrpSpPr>
+          <p:cNvPr id="1006" name="그룹 1006"/>
+          <p:cNvGrpSpPr/>
+          <p:nvPr/>
+        </p:nvGrpSpPr>
+        <p:grpSpPr>
+          <a:xfrm>
+            <a:off x="6402381" y="4868772"/>
+            <a:ext cx="3089885" cy="548170"/>
+            <a:chOff x="6402381" y="4868772"/>
+            <a:chExt cx="3089885" cy="548170"/>
+          </a:xfrm>
+        </p:grpSpPr>
+        <p:pic>
+          <p:nvPicPr>
+            <p:cNvPr id="21" name="Object 20"/>
+            <p:cNvPicPr>
+              <a:picLocks noChangeAspect="1"/>
+            </p:cNvPicPr>
+            <p:nvPr/>
+          </p:nvPicPr>
+          <p:blipFill>
+            <a:blip r:embed="rId10" cstate="print"/>
+            <a:stretch>
+              <a:fillRect/>
+            </a:stretch>
+          </p:blipFill>
+          <p:spPr>
+            <a:xfrm>
+              <a:off x="6402381" y="4868772"/>
+              <a:ext cx="3089885" cy="548170"/>
+            </a:xfrm>
+            <a:prstGeom prst="rect">
+              <a:avLst/>
+            </a:prstGeom>
+          </p:spPr>
+        </p:pic>
+      </p:grpSp>
+      <p:grpSp>
+        <p:nvGrpSpPr>
+          <p:cNvPr id="1007" name="그룹 1007"/>
+          <p:cNvGrpSpPr/>
+          <p:nvPr/>
+        </p:nvGrpSpPr>
+        <p:grpSpPr>
+          <a:xfrm>
+            <a:off x="11544966" y="5854439"/>
+            <a:ext cx="5331224" cy="548170"/>
+            <a:chOff x="11544966" y="5854439"/>
+            <a:chExt cx="5331224" cy="548170"/>
+          </a:xfrm>
+        </p:grpSpPr>
+        <p:pic>
+          <p:nvPicPr>
+            <p:cNvPr id="24" name="Object 23"/>
+            <p:cNvPicPr>
+              <a:picLocks noChangeAspect="1"/>
+            </p:cNvPicPr>
+            <p:nvPr/>
+          </p:nvPicPr>
+          <p:blipFill>
+            <a:blip r:embed="rId11" cstate="print"/>
+            <a:stretch>
+              <a:fillRect/>
+            </a:stretch>
+          </p:blipFill>
+          <p:spPr>
+            <a:xfrm>
+              <a:off x="11544966" y="5854439"/>
+              <a:ext cx="5331224" cy="548170"/>
+            </a:xfrm>
+            <a:prstGeom prst="rect">
+              <a:avLst/>
+            </a:prstGeom>
+          </p:spPr>
+        </p:pic>
+      </p:grpSp>
+      <p:grpSp>
+        <p:nvGrpSpPr>
+          <p:cNvPr id="1008" name="그룹 1008"/>
+          <p:cNvGrpSpPr/>
+          <p:nvPr/>
+        </p:nvGrpSpPr>
+        <p:grpSpPr>
+          <a:xfrm>
+            <a:off x="15726194" y="6828006"/>
+            <a:ext cx="2089139" cy="548170"/>
+            <a:chOff x="15726194" y="6828006"/>
+            <a:chExt cx="2089139" cy="548170"/>
+          </a:xfrm>
+        </p:grpSpPr>
+        <p:pic>
+          <p:nvPicPr>
+            <p:cNvPr id="27" name="Object 26"/>
+            <p:cNvPicPr>
+              <a:picLocks noChangeAspect="1"/>
+            </p:cNvPicPr>
+            <p:nvPr/>
+          </p:nvPicPr>
+          <p:blipFill>
+            <a:blip r:embed="rId12" cstate="print"/>
+            <a:stretch>
+              <a:fillRect/>
+            </a:stretch>
+          </p:blipFill>
+          <p:spPr>
+            <a:xfrm>
+              <a:off x="15726194" y="6828006"/>
+              <a:ext cx="2089139" cy="548170"/>
+            </a:xfrm>
+            <a:prstGeom prst="rect">
+              <a:avLst/>
+            </a:prstGeom>
+          </p:spPr>
+        </p:pic>
+      </p:grpSp>
+      <p:grpSp>
+        <p:nvGrpSpPr>
+          <p:cNvPr id="1009" name="그룹 1009"/>
+          <p:cNvGrpSpPr/>
+          <p:nvPr/>
+        </p:nvGrpSpPr>
+        <p:grpSpPr>
+          <a:xfrm>
+            <a:off x="15733813" y="7759435"/>
+            <a:ext cx="2089139" cy="548170"/>
+            <a:chOff x="15733813" y="7759435"/>
+            <a:chExt cx="2089139" cy="548170"/>
+          </a:xfrm>
+        </p:grpSpPr>
+        <p:pic>
+          <p:nvPicPr>
+            <p:cNvPr id="30" name="Object 29"/>
+            <p:cNvPicPr>
+              <a:picLocks noChangeAspect="1"/>
+            </p:cNvPicPr>
+            <p:nvPr/>
+          </p:nvPicPr>
+          <p:blipFill>
+            <a:blip r:embed="rId13" cstate="print"/>
+            <a:stretch>
+              <a:fillRect/>
+            </a:stretch>
+          </p:blipFill>
+          <p:spPr>
+            <a:xfrm>
+              <a:off x="15733813" y="7759435"/>
+              <a:ext cx="2089139" cy="548170"/>
+            </a:xfrm>
+            <a:prstGeom prst="rect">
+              <a:avLst/>
+            </a:prstGeom>
+          </p:spPr>
+        </p:pic>
+      </p:grpSp>
+    </p:spTree>
+  </p:cSld>
+  <p:clrMapOvr>
+    <a:masterClrMapping/>
+  </p:clrMapOvr>
+</p:sld>
+</file>
+
+<file path=ppt/slides/slide17.xml><?xml version="1.0" encoding="utf-8"?>
+<p:sld xmlns:a="http://schemas.openxmlformats.org/drawingml/2006/main" xmlns:r="http://schemas.openxmlformats.org/officeDocument/2006/relationships" xmlns:p="http://schemas.openxmlformats.org/presentationml/2006/main">
+  <p:cSld name="Slide 17">
+    <p:bg>
+      <p:bgPr>
+        <a:solidFill>
+          <a:srgbClr val="FFFFFF"/>
+        </a:solidFill>
+        <a:effectLst/>
+      </p:bgPr>
+    </p:bg>
+    <p:spTree>
+      <p:nvGrpSpPr>
+        <p:cNvPr id="1" name=""/>
+        <p:cNvGrpSpPr/>
+        <p:nvPr/>
+      </p:nvGrpSpPr>
+      <p:grpSpPr>
+        <a:xfrm>
+          <a:off x="0" y="0"/>
+          <a:ext cx="0" cy="0"/>
+          <a:chOff x="0" y="0"/>
+          <a:chExt cx="0" cy="0"/>
+        </a:xfrm>
+      </p:grpSpPr>
+      <p:grpSp>
+        <p:nvGrpSpPr>
+          <p:cNvPr id="1001" name="그룹 1001"/>
+          <p:cNvGrpSpPr/>
+          <p:nvPr/>
+        </p:nvGrpSpPr>
+        <p:grpSpPr>
+          <a:xfrm>
+            <a:off x="354168" y="858457"/>
+            <a:ext cx="17604573" cy="41902"/>
+            <a:chOff x="354168" y="858457"/>
+            <a:chExt cx="17604573" cy="41902"/>
+          </a:xfrm>
+        </p:grpSpPr>
+        <p:pic>
+          <p:nvPicPr>
+            <p:cNvPr id="3" name="Object 2"/>
+            <p:cNvPicPr>
+              <a:picLocks noChangeAspect="1"/>
+            </p:cNvPicPr>
+            <p:nvPr/>
+          </p:nvPicPr>
+          <p:blipFill>
+            <a:blip r:embed="rId2" cstate="print"/>
+            <a:stretch>
+              <a:fillRect/>
+            </a:stretch>
+          </p:blipFill>
+          <p:spPr>
+            <a:xfrm>
+              <a:off x="354168" y="858457"/>
+              <a:ext cx="17604573" cy="41902"/>
+            </a:xfrm>
+            <a:prstGeom prst="rect">
+              <a:avLst/>
+            </a:prstGeom>
+          </p:spPr>
+        </p:pic>
+      </p:grpSp>
+      <p:grpSp>
+        <p:nvGrpSpPr>
+          <p:cNvPr id="1002" name="그룹 1002"/>
+          <p:cNvGrpSpPr/>
+          <p:nvPr/>
+        </p:nvGrpSpPr>
+        <p:grpSpPr>
+          <a:xfrm>
+            <a:off x="361787" y="9342267"/>
+            <a:ext cx="17604573" cy="41902"/>
+            <a:chOff x="361787" y="9342267"/>
+            <a:chExt cx="17604573" cy="41902"/>
+          </a:xfrm>
+        </p:grpSpPr>
+        <p:pic>
+          <p:nvPicPr>
+            <p:cNvPr id="6" name="Object 5"/>
+            <p:cNvPicPr>
+              <a:picLocks noChangeAspect="1"/>
+            </p:cNvPicPr>
+            <p:nvPr/>
+          </p:nvPicPr>
+          <p:blipFill>
+            <a:blip r:embed="rId3" cstate="print"/>
+            <a:stretch>
+              <a:fillRect/>
+            </a:stretch>
+          </p:blipFill>
+          <p:spPr>
+            <a:xfrm>
+              <a:off x="361787" y="9342267"/>
+              <a:ext cx="17604573" cy="41902"/>
+            </a:xfrm>
+            <a:prstGeom prst="rect">
+              <a:avLst/>
+            </a:prstGeom>
+          </p:spPr>
+        </p:pic>
+      </p:grpSp>
+      <p:pic>
+        <p:nvPicPr>
+          <p:cNvPr id="8" name="Object 7"/>
+          <p:cNvPicPr>
+            <a:picLocks noChangeAspect="1"/>
+          </p:cNvPicPr>
+          <p:nvPr/>
+        </p:nvPicPr>
+        <p:blipFill>
+          <a:blip r:embed="rId4" cstate="print"/>
+          <a:stretch>
+            <a:fillRect/>
+          </a:stretch>
+        </p:blipFill>
+        <p:spPr>
+          <a:xfrm>
+            <a:off x="17371533" y="9532763"/>
+            <a:ext cx="567606" cy="634906"/>
+          </a:xfrm>
+          <a:prstGeom prst="rect">
+            <a:avLst/>
+          </a:prstGeom>
+        </p:spPr>
+      </p:pic>
+      <p:pic>
+        <p:nvPicPr>
+          <p:cNvPr id="9" name="Object 8"/>
+          <p:cNvPicPr>
+            <a:picLocks noChangeAspect="1"/>
+          </p:cNvPicPr>
+          <p:nvPr/>
+        </p:nvPicPr>
+        <p:blipFill>
+          <a:blip r:embed="rId5" cstate="print"/>
+          <a:stretch>
+            <a:fillRect/>
+          </a:stretch>
+        </p:blipFill>
+        <p:spPr>
+          <a:xfrm>
+            <a:off x="464645" y="207049"/>
             <a:ext cx="3150403" cy="634906"/>
           </a:xfrm>
           <a:prstGeom prst="rect">
@@ -8078,9 +9660,9 @@
 </p:sld>
 </file>
 
-<file path=ppt/slides/slide17.xml><?xml version="1.0" encoding="utf-8"?>
+<file path=ppt/slides/slide18.xml><?xml version="1.0" encoding="utf-8"?>
 <p:sld xmlns:a="http://schemas.openxmlformats.org/drawingml/2006/main" xmlns:r="http://schemas.openxmlformats.org/officeDocument/2006/relationships" xmlns:p="http://schemas.openxmlformats.org/presentationml/2006/main">
-  <p:cSld name="Slide 17">
+  <p:cSld name="Slide 18">
     <p:bg>
       <p:bgPr>
         <a:solidFill>
@@ -10292,10 +11874,10 @@
         </p:nvGrpSpPr>
         <p:grpSpPr>
           <a:xfrm>
-            <a:off x="354168" y="858457"/>
-            <a:ext cx="17604573" cy="41902"/>
-            <a:chOff x="354168" y="858457"/>
-            <a:chExt cx="17604573" cy="41902"/>
+            <a:off x="748870" y="4080457"/>
+            <a:ext cx="17020745" cy="1400383"/>
+            <a:chOff x="748870" y="4080457"/>
+            <a:chExt cx="17020745" cy="1400383"/>
           </a:xfrm>
         </p:grpSpPr>
         <p:pic>
@@ -10314,8 +11896,32 @@
           </p:blipFill>
           <p:spPr>
             <a:xfrm>
-              <a:off x="354168" y="858457"/>
-              <a:ext cx="17604573" cy="41902"/>
+              <a:off x="672682" y="4004269"/>
+              <a:ext cx="15512486" cy="1015847"/>
+            </a:xfrm>
+            <a:prstGeom prst="rect">
+              <a:avLst/>
+            </a:prstGeom>
+          </p:spPr>
+        </p:pic>
+        <p:pic>
+          <p:nvPicPr>
+            <p:cNvPr id="4" name="Object 3"/>
+            <p:cNvPicPr>
+              <a:picLocks noChangeAspect="1"/>
+            </p:cNvPicPr>
+            <p:nvPr/>
+          </p:nvPicPr>
+          <p:blipFill>
+            <a:blip r:embed="rId3" cstate="print"/>
+            <a:stretch>
+              <a:fillRect/>
+            </a:stretch>
+          </p:blipFill>
+          <p:spPr>
+            <a:xfrm>
+              <a:off x="994583" y="4678554"/>
+              <a:ext cx="6039208" cy="1015847"/>
             </a:xfrm>
             <a:prstGeom prst="rect">
               <a:avLst/>
@@ -10331,29 +11937,29 @@
         </p:nvGrpSpPr>
         <p:grpSpPr>
           <a:xfrm>
-            <a:off x="361787" y="9342267"/>
+            <a:off x="354168" y="858457"/>
             <a:ext cx="17604573" cy="41902"/>
-            <a:chOff x="361787" y="9342267"/>
+            <a:chOff x="354168" y="858457"/>
             <a:chExt cx="17604573" cy="41902"/>
           </a:xfrm>
         </p:grpSpPr>
         <p:pic>
           <p:nvPicPr>
-            <p:cNvPr id="6" name="Object 5"/>
+            <p:cNvPr id="7" name="Object 6"/>
             <p:cNvPicPr>
               <a:picLocks noChangeAspect="1"/>
             </p:cNvPicPr>
             <p:nvPr/>
           </p:nvPicPr>
           <p:blipFill>
-            <a:blip r:embed="rId3" cstate="print"/>
+            <a:blip r:embed="rId4" cstate="print"/>
             <a:stretch>
               <a:fillRect/>
             </a:stretch>
           </p:blipFill>
           <p:spPr>
             <a:xfrm>
-              <a:off x="361787" y="9342267"/>
+              <a:off x="354168" y="858457"/>
               <a:ext cx="17604573" cy="41902"/>
             </a:xfrm>
             <a:prstGeom prst="rect">
@@ -10362,222 +11968,6 @@
           </p:spPr>
         </p:pic>
       </p:grpSp>
-      <p:pic>
-        <p:nvPicPr>
-          <p:cNvPr id="8" name="Object 7"/>
-          <p:cNvPicPr>
-            <a:picLocks noChangeAspect="1"/>
-          </p:cNvPicPr>
-          <p:nvPr/>
-        </p:nvPicPr>
-        <p:blipFill>
-          <a:blip r:embed="rId4" cstate="print"/>
-          <a:stretch>
-            <a:fillRect/>
-          </a:stretch>
-        </p:blipFill>
-        <p:spPr>
-          <a:xfrm>
-            <a:off x="17371534" y="9532763"/>
-            <a:ext cx="567606" cy="634906"/>
-          </a:xfrm>
-          <a:prstGeom prst="rect">
-            <a:avLst/>
-          </a:prstGeom>
-        </p:spPr>
-      </p:pic>
-      <p:pic>
-        <p:nvPicPr>
-          <p:cNvPr id="9" name="Object 8"/>
-          <p:cNvPicPr>
-            <a:picLocks noChangeAspect="1"/>
-          </p:cNvPicPr>
-          <p:nvPr/>
-        </p:nvPicPr>
-        <p:blipFill>
-          <a:blip r:embed="rId5" cstate="print"/>
-          <a:stretch>
-            <a:fillRect/>
-          </a:stretch>
-        </p:blipFill>
-        <p:spPr>
-          <a:xfrm>
-            <a:off x="464645" y="207049"/>
-            <a:ext cx="4232917" cy="634906"/>
-          </a:xfrm>
-          <a:prstGeom prst="rect">
-            <a:avLst/>
-          </a:prstGeom>
-        </p:spPr>
-      </p:pic>
-      <p:pic>
-        <p:nvPicPr>
-          <p:cNvPr id="10" name="Object 9"/>
-          <p:cNvPicPr>
-            <a:picLocks noChangeAspect="1"/>
-          </p:cNvPicPr>
-          <p:nvPr/>
-        </p:nvPicPr>
-        <p:blipFill>
-          <a:blip r:embed="rId6" cstate="print"/>
-          <a:stretch>
-            <a:fillRect/>
-          </a:stretch>
-        </p:blipFill>
-        <p:spPr>
-          <a:xfrm>
-            <a:off x="649825" y="2076650"/>
-            <a:ext cx="12011371" cy="1015847"/>
-          </a:xfrm>
-          <a:prstGeom prst="rect">
-            <a:avLst/>
-          </a:prstGeom>
-        </p:spPr>
-      </p:pic>
-      <p:pic>
-        <p:nvPicPr>
-          <p:cNvPr id="11" name="Object 10"/>
-          <p:cNvPicPr>
-            <a:picLocks noChangeAspect="1"/>
-          </p:cNvPicPr>
-          <p:nvPr/>
-        </p:nvPicPr>
-        <p:blipFill>
-          <a:blip r:embed="rId7" cstate="print"/>
-          <a:stretch>
-            <a:fillRect/>
-          </a:stretch>
-        </p:blipFill>
-        <p:spPr>
-          <a:xfrm>
-            <a:off x="657444" y="5798554"/>
-            <a:ext cx="15984347" cy="1015847"/>
-          </a:xfrm>
-          <a:prstGeom prst="rect">
-            <a:avLst/>
-          </a:prstGeom>
-        </p:spPr>
-      </p:pic>
-      <p:pic>
-        <p:nvPicPr>
-          <p:cNvPr id="12" name="Object 11"/>
-          <p:cNvPicPr>
-            <a:picLocks noChangeAspect="1"/>
-          </p:cNvPicPr>
-          <p:nvPr/>
-        </p:nvPicPr>
-        <p:blipFill>
-          <a:blip r:embed="rId8" cstate="print"/>
-          <a:stretch>
-            <a:fillRect/>
-          </a:stretch>
-        </p:blipFill>
-        <p:spPr>
-          <a:xfrm>
-            <a:off x="615122" y="1050250"/>
-            <a:ext cx="7542026" cy="1269808"/>
-          </a:xfrm>
-          <a:prstGeom prst="rect">
-            <a:avLst/>
-          </a:prstGeom>
-        </p:spPr>
-      </p:pic>
-      <p:pic>
-        <p:nvPicPr>
-          <p:cNvPr id="13" name="Object 12"/>
-          <p:cNvPicPr>
-            <a:picLocks noChangeAspect="1"/>
-          </p:cNvPicPr>
-          <p:nvPr/>
-        </p:nvPicPr>
-        <p:blipFill>
-          <a:blip r:embed="rId9" cstate="print"/>
-          <a:stretch>
-            <a:fillRect/>
-          </a:stretch>
-        </p:blipFill>
-        <p:spPr>
-          <a:xfrm>
-            <a:off x="657444" y="2941412"/>
-            <a:ext cx="11813281" cy="1015847"/>
-          </a:xfrm>
-          <a:prstGeom prst="rect">
-            <a:avLst/>
-          </a:prstGeom>
-        </p:spPr>
-      </p:pic>
-      <p:pic>
-        <p:nvPicPr>
-          <p:cNvPr id="14" name="Object 13"/>
-          <p:cNvPicPr>
-            <a:picLocks noChangeAspect="1"/>
-          </p:cNvPicPr>
-          <p:nvPr/>
-        </p:nvPicPr>
-        <p:blipFill>
-          <a:blip r:embed="rId10" cstate="print"/>
-          <a:stretch>
-            <a:fillRect/>
-          </a:stretch>
-        </p:blipFill>
-        <p:spPr>
-          <a:xfrm>
-            <a:off x="665063" y="3806173"/>
-            <a:ext cx="12285141" cy="1015847"/>
-          </a:xfrm>
-          <a:prstGeom prst="rect">
-            <a:avLst/>
-          </a:prstGeom>
-        </p:spPr>
-      </p:pic>
-      <p:pic>
-        <p:nvPicPr>
-          <p:cNvPr id="15" name="Object 14"/>
-          <p:cNvPicPr>
-            <a:picLocks noChangeAspect="1"/>
-          </p:cNvPicPr>
-          <p:nvPr/>
-        </p:nvPicPr>
-        <p:blipFill>
-          <a:blip r:embed="rId11" cstate="print"/>
-          <a:stretch>
-            <a:fillRect/>
-          </a:stretch>
-        </p:blipFill>
-        <p:spPr>
-          <a:xfrm>
-            <a:off x="622742" y="4676917"/>
-            <a:ext cx="10491155" cy="1269808"/>
-          </a:xfrm>
-          <a:prstGeom prst="rect">
-            <a:avLst/>
-          </a:prstGeom>
-        </p:spPr>
-      </p:pic>
-      <p:pic>
-        <p:nvPicPr>
-          <p:cNvPr id="16" name="Object 15"/>
-          <p:cNvPicPr>
-            <a:picLocks noChangeAspect="1"/>
-          </p:cNvPicPr>
-          <p:nvPr/>
-        </p:nvPicPr>
-        <p:blipFill>
-          <a:blip r:embed="rId12" cstate="print"/>
-          <a:stretch>
-            <a:fillRect/>
-          </a:stretch>
-        </p:blipFill>
-        <p:spPr>
-          <a:xfrm>
-            <a:off x="665063" y="6663316"/>
-            <a:ext cx="14697269" cy="1015847"/>
-          </a:xfrm>
-          <a:prstGeom prst="rect">
-            <a:avLst/>
-          </a:prstGeom>
-        </p:spPr>
-      </p:pic>
       <p:grpSp>
         <p:nvGrpSpPr>
           <p:cNvPr id="1003" name="그룹 1003"/>
@@ -10586,54 +11976,30 @@
         </p:nvGrpSpPr>
         <p:grpSpPr>
           <a:xfrm>
-            <a:off x="748870" y="7604267"/>
-            <a:ext cx="17020745" cy="1400383"/>
-            <a:chOff x="748870" y="7604267"/>
-            <a:chExt cx="17020745" cy="1400383"/>
+            <a:off x="361787" y="9342267"/>
+            <a:ext cx="17604573" cy="41902"/>
+            <a:chOff x="361787" y="9342267"/>
+            <a:chExt cx="17604573" cy="41902"/>
           </a:xfrm>
         </p:grpSpPr>
         <p:pic>
           <p:nvPicPr>
-            <p:cNvPr id="18" name="Object 17"/>
+            <p:cNvPr id="10" name="Object 9"/>
             <p:cNvPicPr>
               <a:picLocks noChangeAspect="1"/>
             </p:cNvPicPr>
             <p:nvPr/>
           </p:nvPicPr>
           <p:blipFill>
-            <a:blip r:embed="rId13" cstate="print"/>
+            <a:blip r:embed="rId5" cstate="print"/>
             <a:stretch>
               <a:fillRect/>
             </a:stretch>
           </p:blipFill>
           <p:spPr>
             <a:xfrm>
-              <a:off x="672682" y="7528078"/>
-              <a:ext cx="15512486" cy="1015847"/>
-            </a:xfrm>
-            <a:prstGeom prst="rect">
-              <a:avLst/>
-            </a:prstGeom>
-          </p:spPr>
-        </p:pic>
-        <p:pic>
-          <p:nvPicPr>
-            <p:cNvPr id="19" name="Object 18"/>
-            <p:cNvPicPr>
-              <a:picLocks noChangeAspect="1"/>
-            </p:cNvPicPr>
-            <p:nvPr/>
-          </p:nvPicPr>
-          <p:blipFill>
-            <a:blip r:embed="rId14" cstate="print"/>
-            <a:stretch>
-              <a:fillRect/>
-            </a:stretch>
-          </p:blipFill>
-          <p:spPr>
-            <a:xfrm>
-              <a:off x="994583" y="8202364"/>
-              <a:ext cx="6039208" cy="1015847"/>
+              <a:off x="361787" y="9342267"/>
+              <a:ext cx="17604573" cy="41902"/>
             </a:xfrm>
             <a:prstGeom prst="rect">
               <a:avLst/>
@@ -10641,6 +12007,198 @@
           </p:spPr>
         </p:pic>
       </p:grpSp>
+      <p:pic>
+        <p:nvPicPr>
+          <p:cNvPr id="12" name="Object 11"/>
+          <p:cNvPicPr>
+            <a:picLocks noChangeAspect="1"/>
+          </p:cNvPicPr>
+          <p:nvPr/>
+        </p:nvPicPr>
+        <p:blipFill>
+          <a:blip r:embed="rId6" cstate="print"/>
+          <a:stretch>
+            <a:fillRect/>
+          </a:stretch>
+        </p:blipFill>
+        <p:spPr>
+          <a:xfrm>
+            <a:off x="17371534" y="9532763"/>
+            <a:ext cx="567606" cy="634906"/>
+          </a:xfrm>
+          <a:prstGeom prst="rect">
+            <a:avLst/>
+          </a:prstGeom>
+        </p:spPr>
+      </p:pic>
+      <p:pic>
+        <p:nvPicPr>
+          <p:cNvPr id="13" name="Object 12"/>
+          <p:cNvPicPr>
+            <a:picLocks noChangeAspect="1"/>
+          </p:cNvPicPr>
+          <p:nvPr/>
+        </p:nvPicPr>
+        <p:blipFill>
+          <a:blip r:embed="rId7" cstate="print"/>
+          <a:stretch>
+            <a:fillRect/>
+          </a:stretch>
+        </p:blipFill>
+        <p:spPr>
+          <a:xfrm>
+            <a:off x="464645" y="207049"/>
+            <a:ext cx="4232917" cy="634906"/>
+          </a:xfrm>
+          <a:prstGeom prst="rect">
+            <a:avLst/>
+          </a:prstGeom>
+        </p:spPr>
+      </p:pic>
+      <p:pic>
+        <p:nvPicPr>
+          <p:cNvPr id="14" name="Object 13"/>
+          <p:cNvPicPr>
+            <a:picLocks noChangeAspect="1"/>
+          </p:cNvPicPr>
+          <p:nvPr/>
+        </p:nvPicPr>
+        <p:blipFill>
+          <a:blip r:embed="rId8" cstate="print"/>
+          <a:stretch>
+            <a:fillRect/>
+          </a:stretch>
+        </p:blipFill>
+        <p:spPr>
+          <a:xfrm>
+            <a:off x="649825" y="2362364"/>
+            <a:ext cx="12011371" cy="1015847"/>
+          </a:xfrm>
+          <a:prstGeom prst="rect">
+            <a:avLst/>
+          </a:prstGeom>
+        </p:spPr>
+      </p:pic>
+      <p:pic>
+        <p:nvPicPr>
+          <p:cNvPr id="15" name="Object 14"/>
+          <p:cNvPicPr>
+            <a:picLocks noChangeAspect="1"/>
+          </p:cNvPicPr>
+          <p:nvPr/>
+        </p:nvPicPr>
+        <p:blipFill>
+          <a:blip r:embed="rId9" cstate="print"/>
+          <a:stretch>
+            <a:fillRect/>
+          </a:stretch>
+        </p:blipFill>
+        <p:spPr>
+          <a:xfrm>
+            <a:off x="657444" y="6846173"/>
+            <a:ext cx="15984347" cy="1015847"/>
+          </a:xfrm>
+          <a:prstGeom prst="rect">
+            <a:avLst/>
+          </a:prstGeom>
+        </p:spPr>
+      </p:pic>
+      <p:pic>
+        <p:nvPicPr>
+          <p:cNvPr id="16" name="Object 15"/>
+          <p:cNvPicPr>
+            <a:picLocks noChangeAspect="1"/>
+          </p:cNvPicPr>
+          <p:nvPr/>
+        </p:nvPicPr>
+        <p:blipFill>
+          <a:blip r:embed="rId10" cstate="print"/>
+          <a:stretch>
+            <a:fillRect/>
+          </a:stretch>
+        </p:blipFill>
+        <p:spPr>
+          <a:xfrm>
+            <a:off x="615122" y="1335964"/>
+            <a:ext cx="7542026" cy="1269808"/>
+          </a:xfrm>
+          <a:prstGeom prst="rect">
+            <a:avLst/>
+          </a:prstGeom>
+        </p:spPr>
+      </p:pic>
+      <p:pic>
+        <p:nvPicPr>
+          <p:cNvPr id="17" name="Object 16"/>
+          <p:cNvPicPr>
+            <a:picLocks noChangeAspect="1"/>
+          </p:cNvPicPr>
+          <p:nvPr/>
+        </p:nvPicPr>
+        <p:blipFill>
+          <a:blip r:embed="rId11" cstate="print"/>
+          <a:stretch>
+            <a:fillRect/>
+          </a:stretch>
+        </p:blipFill>
+        <p:spPr>
+          <a:xfrm>
+            <a:off x="657444" y="3227126"/>
+            <a:ext cx="11813281" cy="1015847"/>
+          </a:xfrm>
+          <a:prstGeom prst="rect">
+            <a:avLst/>
+          </a:prstGeom>
+        </p:spPr>
+      </p:pic>
+      <p:pic>
+        <p:nvPicPr>
+          <p:cNvPr id="18" name="Object 17"/>
+          <p:cNvPicPr>
+            <a:picLocks noChangeAspect="1"/>
+          </p:cNvPicPr>
+          <p:nvPr/>
+        </p:nvPicPr>
+        <p:blipFill>
+          <a:blip r:embed="rId12" cstate="print"/>
+          <a:stretch>
+            <a:fillRect/>
+          </a:stretch>
+        </p:blipFill>
+        <p:spPr>
+          <a:xfrm>
+            <a:off x="622742" y="5724536"/>
+            <a:ext cx="10491155" cy="1269808"/>
+          </a:xfrm>
+          <a:prstGeom prst="rect">
+            <a:avLst/>
+          </a:prstGeom>
+        </p:spPr>
+      </p:pic>
+      <p:pic>
+        <p:nvPicPr>
+          <p:cNvPr id="19" name="Object 18"/>
+          <p:cNvPicPr>
+            <a:picLocks noChangeAspect="1"/>
+          </p:cNvPicPr>
+          <p:nvPr/>
+        </p:nvPicPr>
+        <p:blipFill>
+          <a:blip r:embed="rId13" cstate="print"/>
+          <a:stretch>
+            <a:fillRect/>
+          </a:stretch>
+        </p:blipFill>
+        <p:spPr>
+          <a:xfrm>
+            <a:off x="665063" y="7710935"/>
+            <a:ext cx="14697269" cy="1015847"/>
+          </a:xfrm>
+          <a:prstGeom prst="rect">
+            <a:avLst/>
+          </a:prstGeom>
+        </p:spPr>
+      </p:pic>
     </p:spTree>
   </p:cSld>
   <p:clrMapOvr>
